--- a/GilliesWillshaw/marasco_reduction.pptx
+++ b/GilliesWillshaw/marasco_reduction.pptx
@@ -6,7 +6,11 @@
   </p:sldMasterIdLst>
   <p:sldIdLst>
     <p:sldId id="256" r:id="rId2"/>
-    <p:sldId id="257" r:id="rId3"/>
+    <p:sldId id="258" r:id="rId3"/>
+    <p:sldId id="261" r:id="rId4"/>
+    <p:sldId id="260" r:id="rId5"/>
+    <p:sldId id="257" r:id="rId6"/>
+    <p:sldId id="259" r:id="rId7"/>
   </p:sldIdLst>
   <p:sldSz cx="12192000" cy="6858000"/>
   <p:notesSz cx="6858000" cy="9144000"/>
@@ -105,6 +109,11 @@
       </a:defRPr>
     </a:lvl9pPr>
   </p:defaultTextStyle>
+  <p:extLst>
+    <p:ext uri="{EFAFB233-063F-42B5-8137-9DF3F51BA10A}">
+      <p15:sldGuideLst xmlns:p15="http://schemas.microsoft.com/office/powerpoint/2012/main"/>
+    </p:ext>
+  </p:extLst>
 </p:presentation>
 </file>
 
@@ -239,7 +248,7 @@
           <a:p>
             <a:fld id="{447BA606-E893-45E8-8D46-A416CDDCB6AB}" type="datetimeFigureOut">
               <a:rPr lang="en-IE" smtClean="0"/>
-              <a:t>28/11/2016</a:t>
+              <a:t>20/04/2017</a:t>
             </a:fld>
             <a:endParaRPr lang="en-IE"/>
           </a:p>
@@ -409,7 +418,7 @@
           <a:p>
             <a:fld id="{447BA606-E893-45E8-8D46-A416CDDCB6AB}" type="datetimeFigureOut">
               <a:rPr lang="en-IE" smtClean="0"/>
-              <a:t>28/11/2016</a:t>
+              <a:t>20/04/2017</a:t>
             </a:fld>
             <a:endParaRPr lang="en-IE"/>
           </a:p>
@@ -589,7 +598,7 @@
           <a:p>
             <a:fld id="{447BA606-E893-45E8-8D46-A416CDDCB6AB}" type="datetimeFigureOut">
               <a:rPr lang="en-IE" smtClean="0"/>
-              <a:t>28/11/2016</a:t>
+              <a:t>20/04/2017</a:t>
             </a:fld>
             <a:endParaRPr lang="en-IE"/>
           </a:p>
@@ -759,7 +768,7 @@
           <a:p>
             <a:fld id="{447BA606-E893-45E8-8D46-A416CDDCB6AB}" type="datetimeFigureOut">
               <a:rPr lang="en-IE" smtClean="0"/>
-              <a:t>28/11/2016</a:t>
+              <a:t>20/04/2017</a:t>
             </a:fld>
             <a:endParaRPr lang="en-IE"/>
           </a:p>
@@ -1005,7 +1014,7 @@
           <a:p>
             <a:fld id="{447BA606-E893-45E8-8D46-A416CDDCB6AB}" type="datetimeFigureOut">
               <a:rPr lang="en-IE" smtClean="0"/>
-              <a:t>28/11/2016</a:t>
+              <a:t>20/04/2017</a:t>
             </a:fld>
             <a:endParaRPr lang="en-IE"/>
           </a:p>
@@ -1237,7 +1246,7 @@
           <a:p>
             <a:fld id="{447BA606-E893-45E8-8D46-A416CDDCB6AB}" type="datetimeFigureOut">
               <a:rPr lang="en-IE" smtClean="0"/>
-              <a:t>28/11/2016</a:t>
+              <a:t>20/04/2017</a:t>
             </a:fld>
             <a:endParaRPr lang="en-IE"/>
           </a:p>
@@ -1604,7 +1613,7 @@
           <a:p>
             <a:fld id="{447BA606-E893-45E8-8D46-A416CDDCB6AB}" type="datetimeFigureOut">
               <a:rPr lang="en-IE" smtClean="0"/>
-              <a:t>28/11/2016</a:t>
+              <a:t>20/04/2017</a:t>
             </a:fld>
             <a:endParaRPr lang="en-IE"/>
           </a:p>
@@ -1722,7 +1731,7 @@
           <a:p>
             <a:fld id="{447BA606-E893-45E8-8D46-A416CDDCB6AB}" type="datetimeFigureOut">
               <a:rPr lang="en-IE" smtClean="0"/>
-              <a:t>28/11/2016</a:t>
+              <a:t>20/04/2017</a:t>
             </a:fld>
             <a:endParaRPr lang="en-IE"/>
           </a:p>
@@ -1817,7 +1826,7 @@
           <a:p>
             <a:fld id="{447BA606-E893-45E8-8D46-A416CDDCB6AB}" type="datetimeFigureOut">
               <a:rPr lang="en-IE" smtClean="0"/>
-              <a:t>28/11/2016</a:t>
+              <a:t>20/04/2017</a:t>
             </a:fld>
             <a:endParaRPr lang="en-IE"/>
           </a:p>
@@ -2094,7 +2103,7 @@
           <a:p>
             <a:fld id="{447BA606-E893-45E8-8D46-A416CDDCB6AB}" type="datetimeFigureOut">
               <a:rPr lang="en-IE" smtClean="0"/>
-              <a:t>28/11/2016</a:t>
+              <a:t>20/04/2017</a:t>
             </a:fld>
             <a:endParaRPr lang="en-IE"/>
           </a:p>
@@ -2347,7 +2356,7 @@
           <a:p>
             <a:fld id="{447BA606-E893-45E8-8D46-A416CDDCB6AB}" type="datetimeFigureOut">
               <a:rPr lang="en-IE" smtClean="0"/>
-              <a:t>28/11/2016</a:t>
+              <a:t>20/04/2017</a:t>
             </a:fld>
             <a:endParaRPr lang="en-IE"/>
           </a:p>
@@ -2560,7 +2569,7 @@
           <a:p>
             <a:fld id="{447BA606-E893-45E8-8D46-A416CDDCB6AB}" type="datetimeFigureOut">
               <a:rPr lang="en-IE" smtClean="0"/>
-              <a:t>28/11/2016</a:t>
+              <a:t>20/04/2017</a:t>
             </a:fld>
             <a:endParaRPr lang="en-IE"/>
           </a:p>
@@ -3090,7 +3099,91 @@
         <p:spPr>
           <a:xfrm>
             <a:off x="9796288" y="1976283"/>
-            <a:ext cx="301686" cy="369332"/>
+            <a:ext cx="311304" cy="369332"/>
+          </a:xfrm>
+          <a:prstGeom prst="rect">
+            <a:avLst/>
+          </a:prstGeom>
+          <a:noFill/>
+        </p:spPr>
+        <p:txBody>
+          <a:bodyPr wrap="none" rtlCol="0">
+            <a:spAutoFit/>
+          </a:bodyPr>
+          <a:lstStyle/>
+          <a:p>
+            <a:r>
+              <a:rPr lang="en-US" dirty="0">
+                <a:solidFill>
+                  <a:srgbClr val="FF0000"/>
+                </a:solidFill>
+                <a:latin typeface="Consolas" panose="020B0609020204030204" pitchFamily="49" charset="0"/>
+                <a:cs typeface="Consolas" panose="020B0609020204030204" pitchFamily="49" charset="0"/>
+              </a:rPr>
+              <a:t>6</a:t>
+            </a:r>
+            <a:endParaRPr lang="en-IE" dirty="0">
+              <a:solidFill>
+                <a:srgbClr val="FF0000"/>
+              </a:solidFill>
+              <a:latin typeface="Consolas" panose="020B0609020204030204" pitchFamily="49" charset="0"/>
+              <a:cs typeface="Consolas" panose="020B0609020204030204" pitchFamily="49" charset="0"/>
+            </a:endParaRPr>
+          </a:p>
+        </p:txBody>
+      </p:sp>
+      <p:sp>
+        <p:nvSpPr>
+          <p:cNvPr id="6" name="TextBox 5"/>
+          <p:cNvSpPr txBox="1"/>
+          <p:nvPr/>
+        </p:nvSpPr>
+        <p:spPr>
+          <a:xfrm>
+            <a:off x="9796288" y="2433483"/>
+            <a:ext cx="311304" cy="369332"/>
+          </a:xfrm>
+          <a:prstGeom prst="rect">
+            <a:avLst/>
+          </a:prstGeom>
+          <a:noFill/>
+        </p:spPr>
+        <p:txBody>
+          <a:bodyPr wrap="none" rtlCol="0">
+            <a:spAutoFit/>
+          </a:bodyPr>
+          <a:lstStyle/>
+          <a:p>
+            <a:r>
+              <a:rPr lang="en-US" dirty="0">
+                <a:solidFill>
+                  <a:srgbClr val="FF0000"/>
+                </a:solidFill>
+                <a:latin typeface="Consolas" panose="020B0609020204030204" pitchFamily="49" charset="0"/>
+                <a:cs typeface="Consolas" panose="020B0609020204030204" pitchFamily="49" charset="0"/>
+              </a:rPr>
+              <a:t>7</a:t>
+            </a:r>
+            <a:endParaRPr lang="en-IE" dirty="0">
+              <a:solidFill>
+                <a:srgbClr val="FF0000"/>
+              </a:solidFill>
+              <a:latin typeface="Consolas" panose="020B0609020204030204" pitchFamily="49" charset="0"/>
+              <a:cs typeface="Consolas" panose="020B0609020204030204" pitchFamily="49" charset="0"/>
+            </a:endParaRPr>
+          </a:p>
+        </p:txBody>
+      </p:sp>
+      <p:sp>
+        <p:nvSpPr>
+          <p:cNvPr id="7" name="TextBox 6"/>
+          <p:cNvSpPr txBox="1"/>
+          <p:nvPr/>
+        </p:nvSpPr>
+        <p:spPr>
+          <a:xfrm>
+            <a:off x="10179379" y="2766697"/>
+            <a:ext cx="311304" cy="369332"/>
           </a:xfrm>
           <a:prstGeom prst="rect">
             <a:avLst/>
@@ -3108,6 +3201,344 @@
                 <a:solidFill>
                   <a:srgbClr val="FF0000"/>
                 </a:solidFill>
+                <a:latin typeface="Consolas" panose="020B0609020204030204" pitchFamily="49" charset="0"/>
+                <a:cs typeface="Consolas" panose="020B0609020204030204" pitchFamily="49" charset="0"/>
+              </a:rPr>
+              <a:t>5</a:t>
+            </a:r>
+            <a:endParaRPr lang="en-IE" dirty="0">
+              <a:solidFill>
+                <a:srgbClr val="FF0000"/>
+              </a:solidFill>
+              <a:latin typeface="Consolas" panose="020B0609020204030204" pitchFamily="49" charset="0"/>
+              <a:cs typeface="Consolas" panose="020B0609020204030204" pitchFamily="49" charset="0"/>
+            </a:endParaRPr>
+          </a:p>
+        </p:txBody>
+      </p:sp>
+      <p:sp>
+        <p:nvSpPr>
+          <p:cNvPr id="8" name="TextBox 7"/>
+          <p:cNvSpPr txBox="1"/>
+          <p:nvPr/>
+        </p:nvSpPr>
+        <p:spPr>
+          <a:xfrm>
+            <a:off x="10179379" y="3136029"/>
+            <a:ext cx="311304" cy="369332"/>
+          </a:xfrm>
+          <a:prstGeom prst="rect">
+            <a:avLst/>
+          </a:prstGeom>
+          <a:noFill/>
+        </p:spPr>
+        <p:txBody>
+          <a:bodyPr wrap="none" rtlCol="0">
+            <a:spAutoFit/>
+          </a:bodyPr>
+          <a:lstStyle/>
+          <a:p>
+            <a:r>
+              <a:rPr lang="en-US" dirty="0" smtClean="0">
+                <a:solidFill>
+                  <a:srgbClr val="FF0000"/>
+                </a:solidFill>
+                <a:latin typeface="Consolas" panose="020B0609020204030204" pitchFamily="49" charset="0"/>
+                <a:cs typeface="Consolas" panose="020B0609020204030204" pitchFamily="49" charset="0"/>
+              </a:rPr>
+              <a:t>8</a:t>
+            </a:r>
+            <a:endParaRPr lang="en-IE" dirty="0">
+              <a:solidFill>
+                <a:srgbClr val="FF0000"/>
+              </a:solidFill>
+              <a:latin typeface="Consolas" panose="020B0609020204030204" pitchFamily="49" charset="0"/>
+              <a:cs typeface="Consolas" panose="020B0609020204030204" pitchFamily="49" charset="0"/>
+            </a:endParaRPr>
+          </a:p>
+        </p:txBody>
+      </p:sp>
+      <p:sp>
+        <p:nvSpPr>
+          <p:cNvPr id="9" name="TextBox 8"/>
+          <p:cNvSpPr txBox="1"/>
+          <p:nvPr/>
+        </p:nvSpPr>
+        <p:spPr>
+          <a:xfrm>
+            <a:off x="9796288" y="3453741"/>
+            <a:ext cx="437940" cy="369332"/>
+          </a:xfrm>
+          <a:prstGeom prst="rect">
+            <a:avLst/>
+          </a:prstGeom>
+          <a:noFill/>
+        </p:spPr>
+        <p:txBody>
+          <a:bodyPr wrap="none" rtlCol="0">
+            <a:spAutoFit/>
+          </a:bodyPr>
+          <a:lstStyle/>
+          <a:p>
+            <a:r>
+              <a:rPr lang="en-US" dirty="0" smtClean="0">
+                <a:solidFill>
+                  <a:srgbClr val="FF0000"/>
+                </a:solidFill>
+                <a:latin typeface="Consolas" panose="020B0609020204030204" pitchFamily="49" charset="0"/>
+                <a:cs typeface="Consolas" panose="020B0609020204030204" pitchFamily="49" charset="0"/>
+              </a:rPr>
+              <a:t>10</a:t>
+            </a:r>
+            <a:endParaRPr lang="en-IE" dirty="0">
+              <a:solidFill>
+                <a:srgbClr val="FF0000"/>
+              </a:solidFill>
+              <a:latin typeface="Consolas" panose="020B0609020204030204" pitchFamily="49" charset="0"/>
+              <a:cs typeface="Consolas" panose="020B0609020204030204" pitchFamily="49" charset="0"/>
+            </a:endParaRPr>
+          </a:p>
+        </p:txBody>
+      </p:sp>
+      <p:sp>
+        <p:nvSpPr>
+          <p:cNvPr id="10" name="TextBox 9"/>
+          <p:cNvSpPr txBox="1"/>
+          <p:nvPr/>
+        </p:nvSpPr>
+        <p:spPr>
+          <a:xfrm>
+            <a:off x="9796288" y="3903405"/>
+            <a:ext cx="437940" cy="369332"/>
+          </a:xfrm>
+          <a:prstGeom prst="rect">
+            <a:avLst/>
+          </a:prstGeom>
+          <a:noFill/>
+        </p:spPr>
+        <p:txBody>
+          <a:bodyPr wrap="none" rtlCol="0">
+            <a:spAutoFit/>
+          </a:bodyPr>
+          <a:lstStyle/>
+          <a:p>
+            <a:r>
+              <a:rPr lang="en-US" dirty="0" smtClean="0">
+                <a:solidFill>
+                  <a:srgbClr val="FF0000"/>
+                </a:solidFill>
+                <a:latin typeface="Consolas" panose="020B0609020204030204" pitchFamily="49" charset="0"/>
+                <a:cs typeface="Consolas" panose="020B0609020204030204" pitchFamily="49" charset="0"/>
+              </a:rPr>
+              <a:t>11</a:t>
+            </a:r>
+            <a:endParaRPr lang="en-IE" dirty="0">
+              <a:solidFill>
+                <a:srgbClr val="FF0000"/>
+              </a:solidFill>
+              <a:latin typeface="Consolas" panose="020B0609020204030204" pitchFamily="49" charset="0"/>
+              <a:cs typeface="Consolas" panose="020B0609020204030204" pitchFamily="49" charset="0"/>
+            </a:endParaRPr>
+          </a:p>
+        </p:txBody>
+      </p:sp>
+      <p:sp>
+        <p:nvSpPr>
+          <p:cNvPr id="11" name="TextBox 10"/>
+          <p:cNvSpPr txBox="1"/>
+          <p:nvPr/>
+        </p:nvSpPr>
+        <p:spPr>
+          <a:xfrm>
+            <a:off x="7600335" y="1907457"/>
+            <a:ext cx="311304" cy="369332"/>
+          </a:xfrm>
+          <a:prstGeom prst="rect">
+            <a:avLst/>
+          </a:prstGeom>
+          <a:noFill/>
+        </p:spPr>
+        <p:txBody>
+          <a:bodyPr wrap="none" rtlCol="0">
+            <a:spAutoFit/>
+          </a:bodyPr>
+          <a:lstStyle/>
+          <a:p>
+            <a:r>
+              <a:rPr lang="en-US" dirty="0">
+                <a:solidFill>
+                  <a:srgbClr val="FF0000"/>
+                </a:solidFill>
+                <a:latin typeface="Consolas" panose="020B0609020204030204" pitchFamily="49" charset="0"/>
+                <a:cs typeface="Consolas" panose="020B0609020204030204" pitchFamily="49" charset="0"/>
+              </a:rPr>
+              <a:t>4</a:t>
+            </a:r>
+            <a:endParaRPr lang="en-IE" dirty="0">
+              <a:solidFill>
+                <a:srgbClr val="FF0000"/>
+              </a:solidFill>
+              <a:latin typeface="Consolas" panose="020B0609020204030204" pitchFamily="49" charset="0"/>
+              <a:cs typeface="Consolas" panose="020B0609020204030204" pitchFamily="49" charset="0"/>
+            </a:endParaRPr>
+          </a:p>
+        </p:txBody>
+      </p:sp>
+      <p:sp>
+        <p:nvSpPr>
+          <p:cNvPr id="12" name="TextBox 11"/>
+          <p:cNvSpPr txBox="1"/>
+          <p:nvPr/>
+        </p:nvSpPr>
+        <p:spPr>
+          <a:xfrm>
+            <a:off x="7600335" y="4011560"/>
+            <a:ext cx="311304" cy="369332"/>
+          </a:xfrm>
+          <a:prstGeom prst="rect">
+            <a:avLst/>
+          </a:prstGeom>
+          <a:noFill/>
+        </p:spPr>
+        <p:txBody>
+          <a:bodyPr wrap="none" rtlCol="0">
+            <a:spAutoFit/>
+          </a:bodyPr>
+          <a:lstStyle/>
+          <a:p>
+            <a:r>
+              <a:rPr lang="en-US" dirty="0">
+                <a:solidFill>
+                  <a:srgbClr val="FF0000"/>
+                </a:solidFill>
+                <a:latin typeface="Consolas" panose="020B0609020204030204" pitchFamily="49" charset="0"/>
+                <a:cs typeface="Consolas" panose="020B0609020204030204" pitchFamily="49" charset="0"/>
+              </a:rPr>
+              <a:t>9</a:t>
+            </a:r>
+            <a:endParaRPr lang="en-US" dirty="0" smtClean="0">
+              <a:solidFill>
+                <a:srgbClr val="FF0000"/>
+              </a:solidFill>
+              <a:latin typeface="Consolas" panose="020B0609020204030204" pitchFamily="49" charset="0"/>
+              <a:cs typeface="Consolas" panose="020B0609020204030204" pitchFamily="49" charset="0"/>
+            </a:endParaRPr>
+          </a:p>
+        </p:txBody>
+      </p:sp>
+      <p:sp>
+        <p:nvSpPr>
+          <p:cNvPr id="13" name="TextBox 12"/>
+          <p:cNvSpPr txBox="1"/>
+          <p:nvPr/>
+        </p:nvSpPr>
+        <p:spPr>
+          <a:xfrm>
+            <a:off x="6808838" y="2160949"/>
+            <a:ext cx="311304" cy="369332"/>
+          </a:xfrm>
+          <a:prstGeom prst="rect">
+            <a:avLst/>
+          </a:prstGeom>
+          <a:noFill/>
+        </p:spPr>
+        <p:txBody>
+          <a:bodyPr wrap="none" rtlCol="0">
+            <a:spAutoFit/>
+          </a:bodyPr>
+          <a:lstStyle/>
+          <a:p>
+            <a:r>
+              <a:rPr lang="en-US" dirty="0" smtClean="0">
+                <a:solidFill>
+                  <a:srgbClr val="FF0000"/>
+                </a:solidFill>
+                <a:latin typeface="Consolas" panose="020B0609020204030204" pitchFamily="49" charset="0"/>
+                <a:cs typeface="Consolas" panose="020B0609020204030204" pitchFamily="49" charset="0"/>
+              </a:rPr>
+              <a:t>2</a:t>
+            </a:r>
+            <a:endParaRPr lang="en-IE" dirty="0">
+              <a:solidFill>
+                <a:srgbClr val="FF0000"/>
+              </a:solidFill>
+              <a:latin typeface="Consolas" panose="020B0609020204030204" pitchFamily="49" charset="0"/>
+              <a:cs typeface="Consolas" panose="020B0609020204030204" pitchFamily="49" charset="0"/>
+            </a:endParaRPr>
+          </a:p>
+        </p:txBody>
+      </p:sp>
+      <p:sp>
+        <p:nvSpPr>
+          <p:cNvPr id="14" name="TextBox 13"/>
+          <p:cNvSpPr txBox="1"/>
+          <p:nvPr/>
+        </p:nvSpPr>
+        <p:spPr>
+          <a:xfrm>
+            <a:off x="6808838" y="3775585"/>
+            <a:ext cx="311304" cy="369332"/>
+          </a:xfrm>
+          <a:prstGeom prst="rect">
+            <a:avLst/>
+          </a:prstGeom>
+          <a:noFill/>
+        </p:spPr>
+        <p:txBody>
+          <a:bodyPr wrap="none" rtlCol="0">
+            <a:spAutoFit/>
+          </a:bodyPr>
+          <a:lstStyle/>
+          <a:p>
+            <a:r>
+              <a:rPr lang="en-US" dirty="0">
+                <a:solidFill>
+                  <a:srgbClr val="FF0000"/>
+                </a:solidFill>
+                <a:latin typeface="Consolas" panose="020B0609020204030204" pitchFamily="49" charset="0"/>
+                <a:cs typeface="Consolas" panose="020B0609020204030204" pitchFamily="49" charset="0"/>
+              </a:rPr>
+              <a:t>3</a:t>
+            </a:r>
+            <a:endParaRPr lang="en-IE" dirty="0">
+              <a:solidFill>
+                <a:srgbClr val="FF0000"/>
+              </a:solidFill>
+              <a:latin typeface="Consolas" panose="020B0609020204030204" pitchFamily="49" charset="0"/>
+              <a:cs typeface="Consolas" panose="020B0609020204030204" pitchFamily="49" charset="0"/>
+            </a:endParaRPr>
+          </a:p>
+        </p:txBody>
+      </p:sp>
+      <p:sp>
+        <p:nvSpPr>
+          <p:cNvPr id="15" name="TextBox 14"/>
+          <p:cNvSpPr txBox="1"/>
+          <p:nvPr/>
+        </p:nvSpPr>
+        <p:spPr>
+          <a:xfrm>
+            <a:off x="6376219" y="2645498"/>
+            <a:ext cx="311304" cy="369332"/>
+          </a:xfrm>
+          <a:prstGeom prst="rect">
+            <a:avLst/>
+          </a:prstGeom>
+          <a:noFill/>
+        </p:spPr>
+        <p:txBody>
+          <a:bodyPr wrap="none" rtlCol="0">
+            <a:spAutoFit/>
+          </a:bodyPr>
+          <a:lstStyle/>
+          <a:p>
+            <a:r>
+              <a:rPr lang="en-US" dirty="0">
+                <a:solidFill>
+                  <a:srgbClr val="FF0000"/>
+                </a:solidFill>
+                <a:latin typeface="Consolas" panose="020B0609020204030204" pitchFamily="49" charset="0"/>
+                <a:cs typeface="Consolas" panose="020B0609020204030204" pitchFamily="49" charset="0"/>
               </a:rPr>
               <a:t>1</a:t>
             </a:r>
@@ -3115,6 +3546,1275 @@
               <a:solidFill>
                 <a:srgbClr val="FF0000"/>
               </a:solidFill>
+              <a:latin typeface="Consolas" panose="020B0609020204030204" pitchFamily="49" charset="0"/>
+              <a:cs typeface="Consolas" panose="020B0609020204030204" pitchFamily="49" charset="0"/>
+            </a:endParaRPr>
+          </a:p>
+        </p:txBody>
+      </p:sp>
+      <p:sp>
+        <p:nvSpPr>
+          <p:cNvPr id="16" name="TextBox 15"/>
+          <p:cNvSpPr txBox="1"/>
+          <p:nvPr/>
+        </p:nvSpPr>
+        <p:spPr>
+          <a:xfrm>
+            <a:off x="5279922" y="1606951"/>
+            <a:ext cx="311304" cy="369332"/>
+          </a:xfrm>
+          <a:prstGeom prst="rect">
+            <a:avLst/>
+          </a:prstGeom>
+          <a:noFill/>
+        </p:spPr>
+        <p:txBody>
+          <a:bodyPr wrap="none" rtlCol="0">
+            <a:spAutoFit/>
+          </a:bodyPr>
+          <a:lstStyle/>
+          <a:p>
+            <a:r>
+              <a:rPr lang="en-US" dirty="0">
+                <a:solidFill>
+                  <a:srgbClr val="FF0000"/>
+                </a:solidFill>
+                <a:latin typeface="Consolas" panose="020B0609020204030204" pitchFamily="49" charset="0"/>
+                <a:cs typeface="Consolas" panose="020B0609020204030204" pitchFamily="49" charset="0"/>
+              </a:rPr>
+              <a:t>2</a:t>
+            </a:r>
+            <a:endParaRPr lang="en-IE" dirty="0">
+              <a:solidFill>
+                <a:srgbClr val="FF0000"/>
+              </a:solidFill>
+              <a:latin typeface="Consolas" panose="020B0609020204030204" pitchFamily="49" charset="0"/>
+              <a:cs typeface="Consolas" panose="020B0609020204030204" pitchFamily="49" charset="0"/>
+            </a:endParaRPr>
+          </a:p>
+        </p:txBody>
+      </p:sp>
+      <p:sp>
+        <p:nvSpPr>
+          <p:cNvPr id="17" name="TextBox 16"/>
+          <p:cNvSpPr txBox="1"/>
+          <p:nvPr/>
+        </p:nvSpPr>
+        <p:spPr>
+          <a:xfrm>
+            <a:off x="5288914" y="3823073"/>
+            <a:ext cx="311304" cy="369332"/>
+          </a:xfrm>
+          <a:prstGeom prst="rect">
+            <a:avLst/>
+          </a:prstGeom>
+          <a:noFill/>
+        </p:spPr>
+        <p:txBody>
+          <a:bodyPr wrap="none" rtlCol="0">
+            <a:spAutoFit/>
+          </a:bodyPr>
+          <a:lstStyle/>
+          <a:p>
+            <a:r>
+              <a:rPr lang="en-US" dirty="0">
+                <a:solidFill>
+                  <a:srgbClr val="FF0000"/>
+                </a:solidFill>
+                <a:latin typeface="Consolas" panose="020B0609020204030204" pitchFamily="49" charset="0"/>
+                <a:cs typeface="Consolas" panose="020B0609020204030204" pitchFamily="49" charset="0"/>
+              </a:rPr>
+              <a:t>3</a:t>
+            </a:r>
+            <a:endParaRPr lang="en-IE" dirty="0">
+              <a:solidFill>
+                <a:srgbClr val="FF0000"/>
+              </a:solidFill>
+              <a:latin typeface="Consolas" panose="020B0609020204030204" pitchFamily="49" charset="0"/>
+              <a:cs typeface="Consolas" panose="020B0609020204030204" pitchFamily="49" charset="0"/>
+            </a:endParaRPr>
+          </a:p>
+        </p:txBody>
+      </p:sp>
+      <p:sp>
+        <p:nvSpPr>
+          <p:cNvPr id="18" name="TextBox 17"/>
+          <p:cNvSpPr txBox="1"/>
+          <p:nvPr/>
+        </p:nvSpPr>
+        <p:spPr>
+          <a:xfrm>
+            <a:off x="5856974" y="2461453"/>
+            <a:ext cx="311304" cy="369332"/>
+          </a:xfrm>
+          <a:prstGeom prst="rect">
+            <a:avLst/>
+          </a:prstGeom>
+          <a:noFill/>
+        </p:spPr>
+        <p:txBody>
+          <a:bodyPr wrap="none" rtlCol="0">
+            <a:spAutoFit/>
+          </a:bodyPr>
+          <a:lstStyle/>
+          <a:p>
+            <a:r>
+              <a:rPr lang="en-US" dirty="0">
+                <a:solidFill>
+                  <a:srgbClr val="FF0000"/>
+                </a:solidFill>
+                <a:latin typeface="Consolas" panose="020B0609020204030204" pitchFamily="49" charset="0"/>
+                <a:cs typeface="Consolas" panose="020B0609020204030204" pitchFamily="49" charset="0"/>
+              </a:rPr>
+              <a:t>0</a:t>
+            </a:r>
+            <a:endParaRPr lang="en-IE" dirty="0">
+              <a:solidFill>
+                <a:srgbClr val="FF0000"/>
+              </a:solidFill>
+              <a:latin typeface="Consolas" panose="020B0609020204030204" pitchFamily="49" charset="0"/>
+              <a:cs typeface="Consolas" panose="020B0609020204030204" pitchFamily="49" charset="0"/>
+            </a:endParaRPr>
+          </a:p>
+        </p:txBody>
+      </p:sp>
+      <p:sp>
+        <p:nvSpPr>
+          <p:cNvPr id="2" name="TextBox 1"/>
+          <p:cNvSpPr txBox="1"/>
+          <p:nvPr/>
+        </p:nvSpPr>
+        <p:spPr>
+          <a:xfrm>
+            <a:off x="5031633" y="-17797"/>
+            <a:ext cx="1952368" cy="584775"/>
+          </a:xfrm>
+          <a:prstGeom prst="rect">
+            <a:avLst/>
+          </a:prstGeom>
+          <a:noFill/>
+        </p:spPr>
+        <p:txBody>
+          <a:bodyPr wrap="square" rtlCol="0">
+            <a:spAutoFit/>
+          </a:bodyPr>
+          <a:lstStyle/>
+          <a:p>
+            <a:pPr algn="ctr"/>
+            <a:r>
+              <a:rPr lang="en-US" sz="3200" dirty="0" smtClean="0">
+                <a:latin typeface="Consolas" panose="020B0609020204030204" pitchFamily="49" charset="0"/>
+                <a:cs typeface="Consolas" panose="020B0609020204030204" pitchFamily="49" charset="0"/>
+              </a:rPr>
+              <a:t>Indices</a:t>
+            </a:r>
+            <a:endParaRPr lang="en-IE" dirty="0">
+              <a:latin typeface="Consolas" panose="020B0609020204030204" pitchFamily="49" charset="0"/>
+              <a:cs typeface="Consolas" panose="020B0609020204030204" pitchFamily="49" charset="0"/>
+            </a:endParaRPr>
+          </a:p>
+        </p:txBody>
+      </p:sp>
+      <p:sp>
+        <p:nvSpPr>
+          <p:cNvPr id="20" name="TextBox 19"/>
+          <p:cNvSpPr txBox="1"/>
+          <p:nvPr/>
+        </p:nvSpPr>
+        <p:spPr>
+          <a:xfrm>
+            <a:off x="5559571" y="2791719"/>
+            <a:ext cx="311304" cy="369332"/>
+          </a:xfrm>
+          <a:prstGeom prst="rect">
+            <a:avLst/>
+          </a:prstGeom>
+          <a:noFill/>
+        </p:spPr>
+        <p:txBody>
+          <a:bodyPr wrap="none" rtlCol="0">
+            <a:spAutoFit/>
+          </a:bodyPr>
+          <a:lstStyle/>
+          <a:p>
+            <a:r>
+              <a:rPr lang="en-US" dirty="0">
+                <a:solidFill>
+                  <a:srgbClr val="FF0000"/>
+                </a:solidFill>
+                <a:latin typeface="Consolas" panose="020B0609020204030204" pitchFamily="49" charset="0"/>
+                <a:cs typeface="Consolas" panose="020B0609020204030204" pitchFamily="49" charset="0"/>
+              </a:rPr>
+              <a:t>1</a:t>
+            </a:r>
+            <a:endParaRPr lang="en-IE" dirty="0">
+              <a:solidFill>
+                <a:srgbClr val="FF0000"/>
+              </a:solidFill>
+              <a:latin typeface="Consolas" panose="020B0609020204030204" pitchFamily="49" charset="0"/>
+              <a:cs typeface="Consolas" panose="020B0609020204030204" pitchFamily="49" charset="0"/>
+            </a:endParaRPr>
+          </a:p>
+        </p:txBody>
+      </p:sp>
+      <p:sp>
+        <p:nvSpPr>
+          <p:cNvPr id="21" name="TextBox 20"/>
+          <p:cNvSpPr txBox="1"/>
+          <p:nvPr/>
+        </p:nvSpPr>
+        <p:spPr>
+          <a:xfrm>
+            <a:off x="4880790" y="1125617"/>
+            <a:ext cx="311304" cy="369332"/>
+          </a:xfrm>
+          <a:prstGeom prst="rect">
+            <a:avLst/>
+          </a:prstGeom>
+          <a:noFill/>
+        </p:spPr>
+        <p:txBody>
+          <a:bodyPr wrap="none" rtlCol="0">
+            <a:spAutoFit/>
+          </a:bodyPr>
+          <a:lstStyle/>
+          <a:p>
+            <a:r>
+              <a:rPr lang="en-US" dirty="0">
+                <a:solidFill>
+                  <a:srgbClr val="FF0000"/>
+                </a:solidFill>
+                <a:latin typeface="Consolas" panose="020B0609020204030204" pitchFamily="49" charset="0"/>
+                <a:cs typeface="Consolas" panose="020B0609020204030204" pitchFamily="49" charset="0"/>
+              </a:rPr>
+              <a:t>4</a:t>
+            </a:r>
+            <a:endParaRPr lang="en-IE" dirty="0">
+              <a:solidFill>
+                <a:srgbClr val="FF0000"/>
+              </a:solidFill>
+              <a:latin typeface="Consolas" panose="020B0609020204030204" pitchFamily="49" charset="0"/>
+              <a:cs typeface="Consolas" panose="020B0609020204030204" pitchFamily="49" charset="0"/>
+            </a:endParaRPr>
+          </a:p>
+        </p:txBody>
+      </p:sp>
+      <p:sp>
+        <p:nvSpPr>
+          <p:cNvPr id="22" name="TextBox 21"/>
+          <p:cNvSpPr txBox="1"/>
+          <p:nvPr/>
+        </p:nvSpPr>
+        <p:spPr>
+          <a:xfrm>
+            <a:off x="4868597" y="2092121"/>
+            <a:ext cx="311304" cy="369332"/>
+          </a:xfrm>
+          <a:prstGeom prst="rect">
+            <a:avLst/>
+          </a:prstGeom>
+          <a:noFill/>
+        </p:spPr>
+        <p:txBody>
+          <a:bodyPr wrap="none" rtlCol="0">
+            <a:spAutoFit/>
+          </a:bodyPr>
+          <a:lstStyle/>
+          <a:p>
+            <a:r>
+              <a:rPr lang="en-US" dirty="0" smtClean="0">
+                <a:solidFill>
+                  <a:srgbClr val="FF0000"/>
+                </a:solidFill>
+                <a:latin typeface="Consolas" panose="020B0609020204030204" pitchFamily="49" charset="0"/>
+                <a:cs typeface="Consolas" panose="020B0609020204030204" pitchFamily="49" charset="0"/>
+              </a:rPr>
+              <a:t>5</a:t>
+            </a:r>
+            <a:endParaRPr lang="en-IE" dirty="0">
+              <a:solidFill>
+                <a:srgbClr val="FF0000"/>
+              </a:solidFill>
+              <a:latin typeface="Consolas" panose="020B0609020204030204" pitchFamily="49" charset="0"/>
+              <a:cs typeface="Consolas" panose="020B0609020204030204" pitchFamily="49" charset="0"/>
+            </a:endParaRPr>
+          </a:p>
+        </p:txBody>
+      </p:sp>
+      <p:sp>
+        <p:nvSpPr>
+          <p:cNvPr id="23" name="TextBox 22"/>
+          <p:cNvSpPr txBox="1"/>
+          <p:nvPr/>
+        </p:nvSpPr>
+        <p:spPr>
+          <a:xfrm>
+            <a:off x="4118790" y="930946"/>
+            <a:ext cx="311304" cy="369332"/>
+          </a:xfrm>
+          <a:prstGeom prst="rect">
+            <a:avLst/>
+          </a:prstGeom>
+          <a:noFill/>
+        </p:spPr>
+        <p:txBody>
+          <a:bodyPr wrap="none" rtlCol="0">
+            <a:spAutoFit/>
+          </a:bodyPr>
+          <a:lstStyle/>
+          <a:p>
+            <a:r>
+              <a:rPr lang="en-US" dirty="0">
+                <a:solidFill>
+                  <a:srgbClr val="FF0000"/>
+                </a:solidFill>
+                <a:latin typeface="Consolas" panose="020B0609020204030204" pitchFamily="49" charset="0"/>
+                <a:cs typeface="Consolas" panose="020B0609020204030204" pitchFamily="49" charset="0"/>
+              </a:rPr>
+              <a:t>6</a:t>
+            </a:r>
+            <a:endParaRPr lang="en-IE" dirty="0">
+              <a:solidFill>
+                <a:srgbClr val="FF0000"/>
+              </a:solidFill>
+              <a:latin typeface="Consolas" panose="020B0609020204030204" pitchFamily="49" charset="0"/>
+              <a:cs typeface="Consolas" panose="020B0609020204030204" pitchFamily="49" charset="0"/>
+            </a:endParaRPr>
+          </a:p>
+        </p:txBody>
+      </p:sp>
+      <p:sp>
+        <p:nvSpPr>
+          <p:cNvPr id="24" name="TextBox 23"/>
+          <p:cNvSpPr txBox="1"/>
+          <p:nvPr/>
+        </p:nvSpPr>
+        <p:spPr>
+          <a:xfrm>
+            <a:off x="1511423" y="1682172"/>
+            <a:ext cx="311304" cy="369332"/>
+          </a:xfrm>
+          <a:prstGeom prst="rect">
+            <a:avLst/>
+          </a:prstGeom>
+          <a:noFill/>
+        </p:spPr>
+        <p:txBody>
+          <a:bodyPr wrap="none" rtlCol="0">
+            <a:spAutoFit/>
+          </a:bodyPr>
+          <a:lstStyle/>
+          <a:p>
+            <a:r>
+              <a:rPr lang="en-US" dirty="0">
+                <a:solidFill>
+                  <a:srgbClr val="FF0000"/>
+                </a:solidFill>
+                <a:latin typeface="Consolas" panose="020B0609020204030204" pitchFamily="49" charset="0"/>
+                <a:cs typeface="Consolas" panose="020B0609020204030204" pitchFamily="49" charset="0"/>
+              </a:rPr>
+              <a:t>7</a:t>
+            </a:r>
+            <a:endParaRPr lang="en-IE" dirty="0">
+              <a:solidFill>
+                <a:srgbClr val="FF0000"/>
+              </a:solidFill>
+              <a:latin typeface="Consolas" panose="020B0609020204030204" pitchFamily="49" charset="0"/>
+              <a:cs typeface="Consolas" panose="020B0609020204030204" pitchFamily="49" charset="0"/>
+            </a:endParaRPr>
+          </a:p>
+        </p:txBody>
+      </p:sp>
+      <p:sp>
+        <p:nvSpPr>
+          <p:cNvPr id="25" name="TextBox 24"/>
+          <p:cNvSpPr txBox="1"/>
+          <p:nvPr/>
+        </p:nvSpPr>
+        <p:spPr>
+          <a:xfrm>
+            <a:off x="1894574" y="906805"/>
+            <a:ext cx="311304" cy="369332"/>
+          </a:xfrm>
+          <a:prstGeom prst="rect">
+            <a:avLst/>
+          </a:prstGeom>
+          <a:noFill/>
+        </p:spPr>
+        <p:txBody>
+          <a:bodyPr wrap="none" rtlCol="0">
+            <a:spAutoFit/>
+          </a:bodyPr>
+          <a:lstStyle/>
+          <a:p>
+            <a:r>
+              <a:rPr lang="en-US" dirty="0">
+                <a:solidFill>
+                  <a:srgbClr val="FF0000"/>
+                </a:solidFill>
+                <a:latin typeface="Consolas" panose="020B0609020204030204" pitchFamily="49" charset="0"/>
+                <a:cs typeface="Consolas" panose="020B0609020204030204" pitchFamily="49" charset="0"/>
+              </a:rPr>
+              <a:t>8</a:t>
+            </a:r>
+            <a:endParaRPr lang="en-IE" dirty="0">
+              <a:solidFill>
+                <a:srgbClr val="FF0000"/>
+              </a:solidFill>
+              <a:latin typeface="Consolas" panose="020B0609020204030204" pitchFamily="49" charset="0"/>
+              <a:cs typeface="Consolas" panose="020B0609020204030204" pitchFamily="49" charset="0"/>
+            </a:endParaRPr>
+          </a:p>
+        </p:txBody>
+      </p:sp>
+      <p:sp>
+        <p:nvSpPr>
+          <p:cNvPr id="26" name="TextBox 25"/>
+          <p:cNvSpPr txBox="1"/>
+          <p:nvPr/>
+        </p:nvSpPr>
+        <p:spPr>
+          <a:xfrm>
+            <a:off x="1894574" y="1334882"/>
+            <a:ext cx="311304" cy="369332"/>
+          </a:xfrm>
+          <a:prstGeom prst="rect">
+            <a:avLst/>
+          </a:prstGeom>
+          <a:noFill/>
+        </p:spPr>
+        <p:txBody>
+          <a:bodyPr wrap="none" rtlCol="0">
+            <a:spAutoFit/>
+          </a:bodyPr>
+          <a:lstStyle/>
+          <a:p>
+            <a:r>
+              <a:rPr lang="en-US" dirty="0">
+                <a:solidFill>
+                  <a:srgbClr val="FF0000"/>
+                </a:solidFill>
+                <a:latin typeface="Consolas" panose="020B0609020204030204" pitchFamily="49" charset="0"/>
+                <a:cs typeface="Consolas" panose="020B0609020204030204" pitchFamily="49" charset="0"/>
+              </a:rPr>
+              <a:t>9</a:t>
+            </a:r>
+            <a:endParaRPr lang="en-IE" dirty="0">
+              <a:solidFill>
+                <a:srgbClr val="FF0000"/>
+              </a:solidFill>
+              <a:latin typeface="Consolas" panose="020B0609020204030204" pitchFamily="49" charset="0"/>
+              <a:cs typeface="Consolas" panose="020B0609020204030204" pitchFamily="49" charset="0"/>
+            </a:endParaRPr>
+          </a:p>
+        </p:txBody>
+      </p:sp>
+      <p:sp>
+        <p:nvSpPr>
+          <p:cNvPr id="27" name="TextBox 26"/>
+          <p:cNvSpPr txBox="1"/>
+          <p:nvPr/>
+        </p:nvSpPr>
+        <p:spPr>
+          <a:xfrm>
+            <a:off x="1377493" y="2077838"/>
+            <a:ext cx="437940" cy="369332"/>
+          </a:xfrm>
+          <a:prstGeom prst="rect">
+            <a:avLst/>
+          </a:prstGeom>
+          <a:noFill/>
+        </p:spPr>
+        <p:txBody>
+          <a:bodyPr wrap="none" rtlCol="0">
+            <a:spAutoFit/>
+          </a:bodyPr>
+          <a:lstStyle/>
+          <a:p>
+            <a:r>
+              <a:rPr lang="en-US" dirty="0" smtClean="0">
+                <a:solidFill>
+                  <a:srgbClr val="FF0000"/>
+                </a:solidFill>
+                <a:latin typeface="Consolas" panose="020B0609020204030204" pitchFamily="49" charset="0"/>
+                <a:cs typeface="Consolas" panose="020B0609020204030204" pitchFamily="49" charset="0"/>
+              </a:rPr>
+              <a:t>10</a:t>
+            </a:r>
+            <a:endParaRPr lang="en-IE" dirty="0">
+              <a:solidFill>
+                <a:srgbClr val="FF0000"/>
+              </a:solidFill>
+              <a:latin typeface="Consolas" panose="020B0609020204030204" pitchFamily="49" charset="0"/>
+              <a:cs typeface="Consolas" panose="020B0609020204030204" pitchFamily="49" charset="0"/>
+            </a:endParaRPr>
+          </a:p>
+        </p:txBody>
+      </p:sp>
+      <p:sp>
+        <p:nvSpPr>
+          <p:cNvPr id="28" name="TextBox 27"/>
+          <p:cNvSpPr txBox="1"/>
+          <p:nvPr/>
+        </p:nvSpPr>
+        <p:spPr>
+          <a:xfrm>
+            <a:off x="4089853" y="2802815"/>
+            <a:ext cx="437940" cy="369332"/>
+          </a:xfrm>
+          <a:prstGeom prst="rect">
+            <a:avLst/>
+          </a:prstGeom>
+          <a:noFill/>
+        </p:spPr>
+        <p:txBody>
+          <a:bodyPr wrap="none" rtlCol="0">
+            <a:spAutoFit/>
+          </a:bodyPr>
+          <a:lstStyle/>
+          <a:p>
+            <a:r>
+              <a:rPr lang="en-US" dirty="0" smtClean="0">
+                <a:solidFill>
+                  <a:srgbClr val="FF0000"/>
+                </a:solidFill>
+                <a:latin typeface="Consolas" panose="020B0609020204030204" pitchFamily="49" charset="0"/>
+                <a:cs typeface="Consolas" panose="020B0609020204030204" pitchFamily="49" charset="0"/>
+              </a:rPr>
+              <a:t>11</a:t>
+            </a:r>
+            <a:endParaRPr lang="en-IE" dirty="0">
+              <a:solidFill>
+                <a:srgbClr val="FF0000"/>
+              </a:solidFill>
+              <a:latin typeface="Consolas" panose="020B0609020204030204" pitchFamily="49" charset="0"/>
+              <a:cs typeface="Consolas" panose="020B0609020204030204" pitchFamily="49" charset="0"/>
+            </a:endParaRPr>
+          </a:p>
+        </p:txBody>
+      </p:sp>
+      <p:sp>
+        <p:nvSpPr>
+          <p:cNvPr id="29" name="TextBox 28"/>
+          <p:cNvSpPr txBox="1"/>
+          <p:nvPr/>
+        </p:nvSpPr>
+        <p:spPr>
+          <a:xfrm>
+            <a:off x="1777556" y="2367342"/>
+            <a:ext cx="437940" cy="369332"/>
+          </a:xfrm>
+          <a:prstGeom prst="rect">
+            <a:avLst/>
+          </a:prstGeom>
+          <a:noFill/>
+        </p:spPr>
+        <p:txBody>
+          <a:bodyPr wrap="none" rtlCol="0">
+            <a:spAutoFit/>
+          </a:bodyPr>
+          <a:lstStyle/>
+          <a:p>
+            <a:r>
+              <a:rPr lang="en-US" dirty="0" smtClean="0">
+                <a:solidFill>
+                  <a:srgbClr val="FF0000"/>
+                </a:solidFill>
+                <a:latin typeface="Consolas" panose="020B0609020204030204" pitchFamily="49" charset="0"/>
+                <a:cs typeface="Consolas" panose="020B0609020204030204" pitchFamily="49" charset="0"/>
+              </a:rPr>
+              <a:t>12</a:t>
+            </a:r>
+            <a:endParaRPr lang="en-IE" dirty="0">
+              <a:solidFill>
+                <a:srgbClr val="FF0000"/>
+              </a:solidFill>
+              <a:latin typeface="Consolas" panose="020B0609020204030204" pitchFamily="49" charset="0"/>
+              <a:cs typeface="Consolas" panose="020B0609020204030204" pitchFamily="49" charset="0"/>
+            </a:endParaRPr>
+          </a:p>
+        </p:txBody>
+      </p:sp>
+      <p:sp>
+        <p:nvSpPr>
+          <p:cNvPr id="30" name="TextBox 29"/>
+          <p:cNvSpPr txBox="1"/>
+          <p:nvPr/>
+        </p:nvSpPr>
+        <p:spPr>
+          <a:xfrm>
+            <a:off x="1772217" y="2817220"/>
+            <a:ext cx="437940" cy="369332"/>
+          </a:xfrm>
+          <a:prstGeom prst="rect">
+            <a:avLst/>
+          </a:prstGeom>
+          <a:noFill/>
+        </p:spPr>
+        <p:txBody>
+          <a:bodyPr wrap="none" rtlCol="0">
+            <a:spAutoFit/>
+          </a:bodyPr>
+          <a:lstStyle/>
+          <a:p>
+            <a:r>
+              <a:rPr lang="en-US" dirty="0" smtClean="0">
+                <a:solidFill>
+                  <a:srgbClr val="FF0000"/>
+                </a:solidFill>
+                <a:latin typeface="Consolas" panose="020B0609020204030204" pitchFamily="49" charset="0"/>
+                <a:cs typeface="Consolas" panose="020B0609020204030204" pitchFamily="49" charset="0"/>
+              </a:rPr>
+              <a:t>13</a:t>
+            </a:r>
+            <a:endParaRPr lang="en-IE" dirty="0">
+              <a:solidFill>
+                <a:srgbClr val="FF0000"/>
+              </a:solidFill>
+              <a:latin typeface="Consolas" panose="020B0609020204030204" pitchFamily="49" charset="0"/>
+              <a:cs typeface="Consolas" panose="020B0609020204030204" pitchFamily="49" charset="0"/>
+            </a:endParaRPr>
+          </a:p>
+        </p:txBody>
+      </p:sp>
+      <p:sp>
+        <p:nvSpPr>
+          <p:cNvPr id="31" name="TextBox 30"/>
+          <p:cNvSpPr txBox="1"/>
+          <p:nvPr/>
+        </p:nvSpPr>
+        <p:spPr>
+          <a:xfrm>
+            <a:off x="4822281" y="3324224"/>
+            <a:ext cx="437940" cy="369332"/>
+          </a:xfrm>
+          <a:prstGeom prst="rect">
+            <a:avLst/>
+          </a:prstGeom>
+          <a:noFill/>
+        </p:spPr>
+        <p:txBody>
+          <a:bodyPr wrap="none" rtlCol="0">
+            <a:spAutoFit/>
+          </a:bodyPr>
+          <a:lstStyle/>
+          <a:p>
+            <a:r>
+              <a:rPr lang="en-US" dirty="0" smtClean="0">
+                <a:solidFill>
+                  <a:srgbClr val="FF0000"/>
+                </a:solidFill>
+                <a:latin typeface="Consolas" panose="020B0609020204030204" pitchFamily="49" charset="0"/>
+                <a:cs typeface="Consolas" panose="020B0609020204030204" pitchFamily="49" charset="0"/>
+              </a:rPr>
+              <a:t>14</a:t>
+            </a:r>
+            <a:endParaRPr lang="en-IE" dirty="0">
+              <a:solidFill>
+                <a:srgbClr val="FF0000"/>
+              </a:solidFill>
+              <a:latin typeface="Consolas" panose="020B0609020204030204" pitchFamily="49" charset="0"/>
+              <a:cs typeface="Consolas" panose="020B0609020204030204" pitchFamily="49" charset="0"/>
+            </a:endParaRPr>
+          </a:p>
+        </p:txBody>
+      </p:sp>
+      <p:sp>
+        <p:nvSpPr>
+          <p:cNvPr id="32" name="TextBox 31"/>
+          <p:cNvSpPr txBox="1"/>
+          <p:nvPr/>
+        </p:nvSpPr>
+        <p:spPr>
+          <a:xfrm>
+            <a:off x="4810088" y="4290728"/>
+            <a:ext cx="437940" cy="369332"/>
+          </a:xfrm>
+          <a:prstGeom prst="rect">
+            <a:avLst/>
+          </a:prstGeom>
+          <a:noFill/>
+        </p:spPr>
+        <p:txBody>
+          <a:bodyPr wrap="none" rtlCol="0">
+            <a:spAutoFit/>
+          </a:bodyPr>
+          <a:lstStyle/>
+          <a:p>
+            <a:r>
+              <a:rPr lang="en-US" dirty="0" smtClean="0">
+                <a:solidFill>
+                  <a:srgbClr val="FF0000"/>
+                </a:solidFill>
+                <a:latin typeface="Consolas" panose="020B0609020204030204" pitchFamily="49" charset="0"/>
+                <a:cs typeface="Consolas" panose="020B0609020204030204" pitchFamily="49" charset="0"/>
+              </a:rPr>
+              <a:t>15</a:t>
+            </a:r>
+            <a:endParaRPr lang="en-IE" dirty="0">
+              <a:solidFill>
+                <a:srgbClr val="FF0000"/>
+              </a:solidFill>
+              <a:latin typeface="Consolas" panose="020B0609020204030204" pitchFamily="49" charset="0"/>
+              <a:cs typeface="Consolas" panose="020B0609020204030204" pitchFamily="49" charset="0"/>
+            </a:endParaRPr>
+          </a:p>
+        </p:txBody>
+      </p:sp>
+      <p:sp>
+        <p:nvSpPr>
+          <p:cNvPr id="33" name="TextBox 32"/>
+          <p:cNvSpPr txBox="1"/>
+          <p:nvPr/>
+        </p:nvSpPr>
+        <p:spPr>
+          <a:xfrm>
+            <a:off x="4087422" y="3165331"/>
+            <a:ext cx="437940" cy="369332"/>
+          </a:xfrm>
+          <a:prstGeom prst="rect">
+            <a:avLst/>
+          </a:prstGeom>
+          <a:noFill/>
+        </p:spPr>
+        <p:txBody>
+          <a:bodyPr wrap="none" rtlCol="0">
+            <a:spAutoFit/>
+          </a:bodyPr>
+          <a:lstStyle/>
+          <a:p>
+            <a:r>
+              <a:rPr lang="en-US" dirty="0" smtClean="0">
+                <a:solidFill>
+                  <a:srgbClr val="FF0000"/>
+                </a:solidFill>
+                <a:latin typeface="Consolas" panose="020B0609020204030204" pitchFamily="49" charset="0"/>
+                <a:cs typeface="Consolas" panose="020B0609020204030204" pitchFamily="49" charset="0"/>
+              </a:rPr>
+              <a:t>16</a:t>
+            </a:r>
+            <a:endParaRPr lang="en-IE" dirty="0">
+              <a:solidFill>
+                <a:srgbClr val="FF0000"/>
+              </a:solidFill>
+              <a:latin typeface="Consolas" panose="020B0609020204030204" pitchFamily="49" charset="0"/>
+              <a:cs typeface="Consolas" panose="020B0609020204030204" pitchFamily="49" charset="0"/>
+            </a:endParaRPr>
+          </a:p>
+        </p:txBody>
+      </p:sp>
+      <p:sp>
+        <p:nvSpPr>
+          <p:cNvPr id="34" name="TextBox 33"/>
+          <p:cNvSpPr txBox="1"/>
+          <p:nvPr/>
+        </p:nvSpPr>
+        <p:spPr>
+          <a:xfrm>
+            <a:off x="1390229" y="3930711"/>
+            <a:ext cx="437940" cy="369332"/>
+          </a:xfrm>
+          <a:prstGeom prst="rect">
+            <a:avLst/>
+          </a:prstGeom>
+          <a:noFill/>
+        </p:spPr>
+        <p:txBody>
+          <a:bodyPr wrap="none" rtlCol="0">
+            <a:spAutoFit/>
+          </a:bodyPr>
+          <a:lstStyle/>
+          <a:p>
+            <a:r>
+              <a:rPr lang="en-US" dirty="0" smtClean="0">
+                <a:solidFill>
+                  <a:srgbClr val="FF0000"/>
+                </a:solidFill>
+                <a:latin typeface="Consolas" panose="020B0609020204030204" pitchFamily="49" charset="0"/>
+                <a:cs typeface="Consolas" panose="020B0609020204030204" pitchFamily="49" charset="0"/>
+              </a:rPr>
+              <a:t>17</a:t>
+            </a:r>
+            <a:endParaRPr lang="en-IE" dirty="0">
+              <a:solidFill>
+                <a:srgbClr val="FF0000"/>
+              </a:solidFill>
+              <a:latin typeface="Consolas" panose="020B0609020204030204" pitchFamily="49" charset="0"/>
+              <a:cs typeface="Consolas" panose="020B0609020204030204" pitchFamily="49" charset="0"/>
+            </a:endParaRPr>
+          </a:p>
+        </p:txBody>
+      </p:sp>
+      <p:sp>
+        <p:nvSpPr>
+          <p:cNvPr id="35" name="TextBox 34"/>
+          <p:cNvSpPr txBox="1"/>
+          <p:nvPr/>
+        </p:nvSpPr>
+        <p:spPr>
+          <a:xfrm>
+            <a:off x="1776715" y="3145292"/>
+            <a:ext cx="437940" cy="369332"/>
+          </a:xfrm>
+          <a:prstGeom prst="rect">
+            <a:avLst/>
+          </a:prstGeom>
+          <a:noFill/>
+        </p:spPr>
+        <p:txBody>
+          <a:bodyPr wrap="none" rtlCol="0">
+            <a:spAutoFit/>
+          </a:bodyPr>
+          <a:lstStyle/>
+          <a:p>
+            <a:r>
+              <a:rPr lang="en-US" dirty="0" smtClean="0">
+                <a:solidFill>
+                  <a:srgbClr val="FF0000"/>
+                </a:solidFill>
+                <a:latin typeface="Consolas" panose="020B0609020204030204" pitchFamily="49" charset="0"/>
+                <a:cs typeface="Consolas" panose="020B0609020204030204" pitchFamily="49" charset="0"/>
+              </a:rPr>
+              <a:t>18</a:t>
+            </a:r>
+            <a:endParaRPr lang="en-IE" dirty="0">
+              <a:solidFill>
+                <a:srgbClr val="FF0000"/>
+              </a:solidFill>
+              <a:latin typeface="Consolas" panose="020B0609020204030204" pitchFamily="49" charset="0"/>
+              <a:cs typeface="Consolas" panose="020B0609020204030204" pitchFamily="49" charset="0"/>
+            </a:endParaRPr>
+          </a:p>
+        </p:txBody>
+      </p:sp>
+      <p:sp>
+        <p:nvSpPr>
+          <p:cNvPr id="36" name="TextBox 35"/>
+          <p:cNvSpPr txBox="1"/>
+          <p:nvPr/>
+        </p:nvSpPr>
+        <p:spPr>
+          <a:xfrm>
+            <a:off x="1772217" y="3590919"/>
+            <a:ext cx="437940" cy="369332"/>
+          </a:xfrm>
+          <a:prstGeom prst="rect">
+            <a:avLst/>
+          </a:prstGeom>
+          <a:noFill/>
+        </p:spPr>
+        <p:txBody>
+          <a:bodyPr wrap="none" rtlCol="0">
+            <a:spAutoFit/>
+          </a:bodyPr>
+          <a:lstStyle/>
+          <a:p>
+            <a:r>
+              <a:rPr lang="en-US" dirty="0" smtClean="0">
+                <a:solidFill>
+                  <a:srgbClr val="FF0000"/>
+                </a:solidFill>
+                <a:latin typeface="Consolas" panose="020B0609020204030204" pitchFamily="49" charset="0"/>
+                <a:cs typeface="Consolas" panose="020B0609020204030204" pitchFamily="49" charset="0"/>
+              </a:rPr>
+              <a:t>19</a:t>
+            </a:r>
+            <a:endParaRPr lang="en-IE" dirty="0">
+              <a:solidFill>
+                <a:srgbClr val="FF0000"/>
+              </a:solidFill>
+              <a:latin typeface="Consolas" panose="020B0609020204030204" pitchFamily="49" charset="0"/>
+              <a:cs typeface="Consolas" panose="020B0609020204030204" pitchFamily="49" charset="0"/>
+            </a:endParaRPr>
+          </a:p>
+        </p:txBody>
+      </p:sp>
+      <p:sp>
+        <p:nvSpPr>
+          <p:cNvPr id="37" name="TextBox 36"/>
+          <p:cNvSpPr txBox="1"/>
+          <p:nvPr/>
+        </p:nvSpPr>
+        <p:spPr>
+          <a:xfrm>
+            <a:off x="1377493" y="4270503"/>
+            <a:ext cx="437940" cy="369332"/>
+          </a:xfrm>
+          <a:prstGeom prst="rect">
+            <a:avLst/>
+          </a:prstGeom>
+          <a:noFill/>
+        </p:spPr>
+        <p:txBody>
+          <a:bodyPr wrap="none" rtlCol="0">
+            <a:spAutoFit/>
+          </a:bodyPr>
+          <a:lstStyle/>
+          <a:p>
+            <a:r>
+              <a:rPr lang="en-US" dirty="0" smtClean="0">
+                <a:solidFill>
+                  <a:srgbClr val="FF0000"/>
+                </a:solidFill>
+                <a:latin typeface="Consolas" panose="020B0609020204030204" pitchFamily="49" charset="0"/>
+                <a:cs typeface="Consolas" panose="020B0609020204030204" pitchFamily="49" charset="0"/>
+              </a:rPr>
+              <a:t>20</a:t>
+            </a:r>
+            <a:endParaRPr lang="en-IE" dirty="0">
+              <a:solidFill>
+                <a:srgbClr val="FF0000"/>
+              </a:solidFill>
+              <a:latin typeface="Consolas" panose="020B0609020204030204" pitchFamily="49" charset="0"/>
+              <a:cs typeface="Consolas" panose="020B0609020204030204" pitchFamily="49" charset="0"/>
+            </a:endParaRPr>
+          </a:p>
+        </p:txBody>
+      </p:sp>
+      <p:sp>
+        <p:nvSpPr>
+          <p:cNvPr id="38" name="TextBox 37"/>
+          <p:cNvSpPr txBox="1"/>
+          <p:nvPr/>
+        </p:nvSpPr>
+        <p:spPr>
+          <a:xfrm>
+            <a:off x="4060281" y="5121340"/>
+            <a:ext cx="437940" cy="369332"/>
+          </a:xfrm>
+          <a:prstGeom prst="rect">
+            <a:avLst/>
+          </a:prstGeom>
+          <a:noFill/>
+        </p:spPr>
+        <p:txBody>
+          <a:bodyPr wrap="none" rtlCol="0">
+            <a:spAutoFit/>
+          </a:bodyPr>
+          <a:lstStyle/>
+          <a:p>
+            <a:r>
+              <a:rPr lang="en-US" dirty="0" smtClean="0">
+                <a:solidFill>
+                  <a:srgbClr val="FF0000"/>
+                </a:solidFill>
+                <a:latin typeface="Consolas" panose="020B0609020204030204" pitchFamily="49" charset="0"/>
+                <a:cs typeface="Consolas" panose="020B0609020204030204" pitchFamily="49" charset="0"/>
+              </a:rPr>
+              <a:t>21</a:t>
+            </a:r>
+            <a:endParaRPr lang="en-IE" dirty="0">
+              <a:solidFill>
+                <a:srgbClr val="FF0000"/>
+              </a:solidFill>
+              <a:latin typeface="Consolas" panose="020B0609020204030204" pitchFamily="49" charset="0"/>
+              <a:cs typeface="Consolas" panose="020B0609020204030204" pitchFamily="49" charset="0"/>
+            </a:endParaRPr>
+          </a:p>
+        </p:txBody>
+      </p:sp>
+      <p:sp>
+        <p:nvSpPr>
+          <p:cNvPr id="39" name="TextBox 38"/>
+          <p:cNvSpPr txBox="1"/>
+          <p:nvPr/>
+        </p:nvSpPr>
+        <p:spPr>
+          <a:xfrm>
+            <a:off x="1796197" y="4615838"/>
+            <a:ext cx="437940" cy="369332"/>
+          </a:xfrm>
+          <a:prstGeom prst="rect">
+            <a:avLst/>
+          </a:prstGeom>
+          <a:noFill/>
+        </p:spPr>
+        <p:txBody>
+          <a:bodyPr wrap="none" rtlCol="0">
+            <a:spAutoFit/>
+          </a:bodyPr>
+          <a:lstStyle/>
+          <a:p>
+            <a:r>
+              <a:rPr lang="en-US" dirty="0" smtClean="0">
+                <a:solidFill>
+                  <a:srgbClr val="FF0000"/>
+                </a:solidFill>
+                <a:latin typeface="Consolas" panose="020B0609020204030204" pitchFamily="49" charset="0"/>
+                <a:cs typeface="Consolas" panose="020B0609020204030204" pitchFamily="49" charset="0"/>
+              </a:rPr>
+              <a:t>22</a:t>
+            </a:r>
+            <a:endParaRPr lang="en-IE" dirty="0">
+              <a:solidFill>
+                <a:srgbClr val="FF0000"/>
+              </a:solidFill>
+              <a:latin typeface="Consolas" panose="020B0609020204030204" pitchFamily="49" charset="0"/>
+              <a:cs typeface="Consolas" panose="020B0609020204030204" pitchFamily="49" charset="0"/>
+            </a:endParaRPr>
+          </a:p>
+        </p:txBody>
+      </p:sp>
+      <p:sp>
+        <p:nvSpPr>
+          <p:cNvPr id="40" name="TextBox 39"/>
+          <p:cNvSpPr txBox="1"/>
+          <p:nvPr/>
+        </p:nvSpPr>
+        <p:spPr>
+          <a:xfrm>
+            <a:off x="1791126" y="5024675"/>
+            <a:ext cx="437940" cy="369332"/>
+          </a:xfrm>
+          <a:prstGeom prst="rect">
+            <a:avLst/>
+          </a:prstGeom>
+          <a:noFill/>
+        </p:spPr>
+        <p:txBody>
+          <a:bodyPr wrap="none" rtlCol="0">
+            <a:spAutoFit/>
+          </a:bodyPr>
+          <a:lstStyle/>
+          <a:p>
+            <a:r>
+              <a:rPr lang="en-US" dirty="0" smtClean="0">
+                <a:solidFill>
+                  <a:srgbClr val="FF0000"/>
+                </a:solidFill>
+                <a:latin typeface="Consolas" panose="020B0609020204030204" pitchFamily="49" charset="0"/>
+                <a:cs typeface="Consolas" panose="020B0609020204030204" pitchFamily="49" charset="0"/>
+              </a:rPr>
+              <a:t>23</a:t>
+            </a:r>
+            <a:endParaRPr lang="en-IE" dirty="0">
+              <a:solidFill>
+                <a:srgbClr val="FF0000"/>
+              </a:solidFill>
+              <a:latin typeface="Consolas" panose="020B0609020204030204" pitchFamily="49" charset="0"/>
+              <a:cs typeface="Consolas" panose="020B0609020204030204" pitchFamily="49" charset="0"/>
+            </a:endParaRPr>
+          </a:p>
+        </p:txBody>
+      </p:sp>
+      <p:sp>
+        <p:nvSpPr>
+          <p:cNvPr id="41" name="TextBox 40"/>
+          <p:cNvSpPr txBox="1"/>
+          <p:nvPr/>
+        </p:nvSpPr>
+        <p:spPr>
+          <a:xfrm>
+            <a:off x="1596463" y="5713249"/>
+            <a:ext cx="3783294" cy="461665"/>
+          </a:xfrm>
+          <a:prstGeom prst="rect">
+            <a:avLst/>
+          </a:prstGeom>
+          <a:noFill/>
+        </p:spPr>
+        <p:txBody>
+          <a:bodyPr wrap="square" rtlCol="0">
+            <a:spAutoFit/>
+          </a:bodyPr>
+          <a:lstStyle/>
+          <a:p>
+            <a:pPr algn="ctr"/>
+            <a:r>
+              <a:rPr lang="en-US" sz="2400" dirty="0" err="1">
+                <a:solidFill>
+                  <a:srgbClr val="FF0000"/>
+                </a:solidFill>
+                <a:latin typeface="Consolas" panose="020B0609020204030204" pitchFamily="49" charset="0"/>
+                <a:cs typeface="Consolas" panose="020B0609020204030204" pitchFamily="49" charset="0"/>
+              </a:rPr>
+              <a:t>t</a:t>
+            </a:r>
+            <a:r>
+              <a:rPr lang="en-US" sz="2400" dirty="0" err="1" smtClean="0">
+                <a:solidFill>
+                  <a:srgbClr val="FF0000"/>
+                </a:solidFill>
+                <a:latin typeface="Consolas" panose="020B0609020204030204" pitchFamily="49" charset="0"/>
+                <a:cs typeface="Consolas" panose="020B0609020204030204" pitchFamily="49" charset="0"/>
+              </a:rPr>
+              <a:t>ree_index</a:t>
+            </a:r>
+            <a:r>
+              <a:rPr lang="en-US" sz="2400" dirty="0" smtClean="0">
+                <a:solidFill>
+                  <a:srgbClr val="FF0000"/>
+                </a:solidFill>
+                <a:latin typeface="Consolas" panose="020B0609020204030204" pitchFamily="49" charset="0"/>
+                <a:cs typeface="Consolas" panose="020B0609020204030204" pitchFamily="49" charset="0"/>
+              </a:rPr>
+              <a:t> = 0</a:t>
+            </a:r>
+            <a:endParaRPr lang="en-IE" sz="1400" dirty="0">
+              <a:solidFill>
+                <a:srgbClr val="FF0000"/>
+              </a:solidFill>
+              <a:latin typeface="Consolas" panose="020B0609020204030204" pitchFamily="49" charset="0"/>
+              <a:cs typeface="Consolas" panose="020B0609020204030204" pitchFamily="49" charset="0"/>
+            </a:endParaRPr>
+          </a:p>
+        </p:txBody>
+      </p:sp>
+      <p:sp>
+        <p:nvSpPr>
+          <p:cNvPr id="42" name="TextBox 41"/>
+          <p:cNvSpPr txBox="1"/>
+          <p:nvPr/>
+        </p:nvSpPr>
+        <p:spPr>
+          <a:xfrm>
+            <a:off x="6481152" y="5711151"/>
+            <a:ext cx="3783294" cy="461665"/>
+          </a:xfrm>
+          <a:prstGeom prst="rect">
+            <a:avLst/>
+          </a:prstGeom>
+          <a:noFill/>
+        </p:spPr>
+        <p:txBody>
+          <a:bodyPr wrap="square" rtlCol="0">
+            <a:spAutoFit/>
+          </a:bodyPr>
+          <a:lstStyle/>
+          <a:p>
+            <a:pPr algn="ctr"/>
+            <a:r>
+              <a:rPr lang="en-US" sz="2400" dirty="0" err="1">
+                <a:solidFill>
+                  <a:srgbClr val="FF0000"/>
+                </a:solidFill>
+                <a:latin typeface="Consolas" panose="020B0609020204030204" pitchFamily="49" charset="0"/>
+                <a:cs typeface="Consolas" panose="020B0609020204030204" pitchFamily="49" charset="0"/>
+              </a:rPr>
+              <a:t>t</a:t>
+            </a:r>
+            <a:r>
+              <a:rPr lang="en-US" sz="2400" dirty="0" err="1" smtClean="0">
+                <a:solidFill>
+                  <a:srgbClr val="FF0000"/>
+                </a:solidFill>
+                <a:latin typeface="Consolas" panose="020B0609020204030204" pitchFamily="49" charset="0"/>
+                <a:cs typeface="Consolas" panose="020B0609020204030204" pitchFamily="49" charset="0"/>
+              </a:rPr>
+              <a:t>ree_index</a:t>
+            </a:r>
+            <a:r>
+              <a:rPr lang="en-US" sz="2400" dirty="0" smtClean="0">
+                <a:solidFill>
+                  <a:srgbClr val="FF0000"/>
+                </a:solidFill>
+                <a:latin typeface="Consolas" panose="020B0609020204030204" pitchFamily="49" charset="0"/>
+                <a:cs typeface="Consolas" panose="020B0609020204030204" pitchFamily="49" charset="0"/>
+              </a:rPr>
+              <a:t> = 1</a:t>
+            </a:r>
+            <a:endParaRPr lang="en-IE" sz="1400" dirty="0">
+              <a:solidFill>
+                <a:srgbClr val="FF0000"/>
+              </a:solidFill>
+              <a:latin typeface="Consolas" panose="020B0609020204030204" pitchFamily="49" charset="0"/>
+              <a:cs typeface="Consolas" panose="020B0609020204030204" pitchFamily="49" charset="0"/>
+            </a:endParaRPr>
+          </a:p>
+        </p:txBody>
+      </p:sp>
+    </p:spTree>
+    <p:extLst>
+      <p:ext uri="{BB962C8B-B14F-4D97-AF65-F5344CB8AC3E}">
+        <p14:creationId xmlns:p14="http://schemas.microsoft.com/office/powerpoint/2010/main" val="1380927402"/>
+      </p:ext>
+    </p:extLst>
+  </p:cSld>
+  <p:clrMapOvr>
+    <a:masterClrMapping/>
+  </p:clrMapOvr>
+</p:sld>
+</file>
+
+<file path=ppt/slides/slide3.xml><?xml version="1.0" encoding="utf-8"?>
+<p:sld xmlns:a="http://schemas.openxmlformats.org/drawingml/2006/main" xmlns:r="http://schemas.openxmlformats.org/officeDocument/2006/relationships" xmlns:p="http://schemas.openxmlformats.org/presentationml/2006/main">
+  <p:cSld>
+    <p:spTree>
+      <p:nvGrpSpPr>
+        <p:cNvPr id="1" name=""/>
+        <p:cNvGrpSpPr/>
+        <p:nvPr/>
+      </p:nvGrpSpPr>
+      <p:grpSpPr>
+        <a:xfrm>
+          <a:off x="0" y="0"/>
+          <a:ext cx="0" cy="0"/>
+          <a:chOff x="0" y="0"/>
+          <a:chExt cx="0" cy="0"/>
+        </a:xfrm>
+      </p:grpSpPr>
+      <p:pic>
+        <p:nvPicPr>
+          <p:cNvPr id="4" name="Picture 3"/>
+          <p:cNvPicPr>
+            <a:picLocks noChangeAspect="1"/>
+          </p:cNvPicPr>
+          <p:nvPr/>
+        </p:nvPicPr>
+        <p:blipFill>
+          <a:blip r:embed="rId2"/>
+          <a:stretch>
+            <a:fillRect/>
+          </a:stretch>
+        </p:blipFill>
+        <p:spPr>
+          <a:xfrm>
+            <a:off x="1662266" y="777978"/>
+            <a:ext cx="8691102" cy="4716102"/>
+          </a:xfrm>
+          <a:prstGeom prst="rect">
+            <a:avLst/>
+          </a:prstGeom>
+        </p:spPr>
+      </p:pic>
+      <p:sp>
+        <p:nvSpPr>
+          <p:cNvPr id="5" name="TextBox 4"/>
+          <p:cNvSpPr txBox="1"/>
+          <p:nvPr/>
+        </p:nvSpPr>
+        <p:spPr>
+          <a:xfrm>
+            <a:off x="9796288" y="1976283"/>
+            <a:ext cx="311304" cy="369332"/>
+          </a:xfrm>
+          <a:prstGeom prst="rect">
+            <a:avLst/>
+          </a:prstGeom>
+          <a:noFill/>
+        </p:spPr>
+        <p:txBody>
+          <a:bodyPr wrap="none" rtlCol="0">
+            <a:spAutoFit/>
+          </a:bodyPr>
+          <a:lstStyle/>
+          <a:p>
+            <a:r>
+              <a:rPr lang="en-US" dirty="0" smtClean="0">
+                <a:solidFill>
+                  <a:srgbClr val="FF0000"/>
+                </a:solidFill>
+                <a:latin typeface="Consolas" panose="020B0609020204030204" pitchFamily="49" charset="0"/>
+                <a:cs typeface="Consolas" panose="020B0609020204030204" pitchFamily="49" charset="0"/>
+              </a:rPr>
+              <a:t>6</a:t>
+            </a:r>
+            <a:endParaRPr lang="en-IE" dirty="0">
+              <a:solidFill>
+                <a:srgbClr val="FF0000"/>
+              </a:solidFill>
+              <a:latin typeface="Consolas" panose="020B0609020204030204" pitchFamily="49" charset="0"/>
+              <a:cs typeface="Consolas" panose="020B0609020204030204" pitchFamily="49" charset="0"/>
             </a:endParaRPr>
           </a:p>
         </p:txBody>
@@ -3128,7 +4828,7 @@
         <p:spPr>
           <a:xfrm>
             <a:off x="9796288" y="2433483"/>
-            <a:ext cx="301686" cy="369332"/>
+            <a:ext cx="311304" cy="369332"/>
           </a:xfrm>
           <a:prstGeom prst="rect">
             <a:avLst/>
@@ -3146,6 +4846,512 @@
                 <a:solidFill>
                   <a:srgbClr val="FF0000"/>
                 </a:solidFill>
+                <a:latin typeface="Consolas" panose="020B0609020204030204" pitchFamily="49" charset="0"/>
+                <a:cs typeface="Consolas" panose="020B0609020204030204" pitchFamily="49" charset="0"/>
+              </a:rPr>
+              <a:t>6</a:t>
+            </a:r>
+            <a:endParaRPr lang="en-IE" dirty="0">
+              <a:solidFill>
+                <a:srgbClr val="FF0000"/>
+              </a:solidFill>
+              <a:latin typeface="Consolas" panose="020B0609020204030204" pitchFamily="49" charset="0"/>
+              <a:cs typeface="Consolas" panose="020B0609020204030204" pitchFamily="49" charset="0"/>
+            </a:endParaRPr>
+          </a:p>
+        </p:txBody>
+      </p:sp>
+      <p:sp>
+        <p:nvSpPr>
+          <p:cNvPr id="7" name="TextBox 6"/>
+          <p:cNvSpPr txBox="1"/>
+          <p:nvPr/>
+        </p:nvSpPr>
+        <p:spPr>
+          <a:xfrm>
+            <a:off x="10179379" y="2766697"/>
+            <a:ext cx="437940" cy="369332"/>
+          </a:xfrm>
+          <a:prstGeom prst="rect">
+            <a:avLst/>
+          </a:prstGeom>
+          <a:noFill/>
+        </p:spPr>
+        <p:txBody>
+          <a:bodyPr wrap="none" rtlCol="0">
+            <a:spAutoFit/>
+          </a:bodyPr>
+          <a:lstStyle/>
+          <a:p>
+            <a:r>
+              <a:rPr lang="en-US" dirty="0" smtClean="0">
+                <a:solidFill>
+                  <a:srgbClr val="FF0000"/>
+                </a:solidFill>
+                <a:latin typeface="Consolas" panose="020B0609020204030204" pitchFamily="49" charset="0"/>
+                <a:cs typeface="Consolas" panose="020B0609020204030204" pitchFamily="49" charset="0"/>
+              </a:rPr>
+              <a:t>12</a:t>
+            </a:r>
+            <a:endParaRPr lang="en-IE" dirty="0">
+              <a:solidFill>
+                <a:srgbClr val="FF0000"/>
+              </a:solidFill>
+              <a:latin typeface="Consolas" panose="020B0609020204030204" pitchFamily="49" charset="0"/>
+              <a:cs typeface="Consolas" panose="020B0609020204030204" pitchFamily="49" charset="0"/>
+            </a:endParaRPr>
+          </a:p>
+        </p:txBody>
+      </p:sp>
+      <p:sp>
+        <p:nvSpPr>
+          <p:cNvPr id="8" name="TextBox 7"/>
+          <p:cNvSpPr txBox="1"/>
+          <p:nvPr/>
+        </p:nvSpPr>
+        <p:spPr>
+          <a:xfrm>
+            <a:off x="10179379" y="3136029"/>
+            <a:ext cx="437940" cy="369332"/>
+          </a:xfrm>
+          <a:prstGeom prst="rect">
+            <a:avLst/>
+          </a:prstGeom>
+          <a:noFill/>
+        </p:spPr>
+        <p:txBody>
+          <a:bodyPr wrap="none" rtlCol="0">
+            <a:spAutoFit/>
+          </a:bodyPr>
+          <a:lstStyle/>
+          <a:p>
+            <a:r>
+              <a:rPr lang="en-US" dirty="0" smtClean="0">
+                <a:solidFill>
+                  <a:srgbClr val="FF0000"/>
+                </a:solidFill>
+                <a:latin typeface="Consolas" panose="020B0609020204030204" pitchFamily="49" charset="0"/>
+                <a:cs typeface="Consolas" panose="020B0609020204030204" pitchFamily="49" charset="0"/>
+              </a:rPr>
+              <a:t>12</a:t>
+            </a:r>
+            <a:endParaRPr lang="en-IE" dirty="0">
+              <a:solidFill>
+                <a:srgbClr val="FF0000"/>
+              </a:solidFill>
+              <a:latin typeface="Consolas" panose="020B0609020204030204" pitchFamily="49" charset="0"/>
+              <a:cs typeface="Consolas" panose="020B0609020204030204" pitchFamily="49" charset="0"/>
+            </a:endParaRPr>
+          </a:p>
+        </p:txBody>
+      </p:sp>
+      <p:sp>
+        <p:nvSpPr>
+          <p:cNvPr id="9" name="TextBox 8"/>
+          <p:cNvSpPr txBox="1"/>
+          <p:nvPr/>
+        </p:nvSpPr>
+        <p:spPr>
+          <a:xfrm>
+            <a:off x="9796288" y="3453741"/>
+            <a:ext cx="311304" cy="369332"/>
+          </a:xfrm>
+          <a:prstGeom prst="rect">
+            <a:avLst/>
+          </a:prstGeom>
+          <a:noFill/>
+        </p:spPr>
+        <p:txBody>
+          <a:bodyPr wrap="none" rtlCol="0">
+            <a:spAutoFit/>
+          </a:bodyPr>
+          <a:lstStyle/>
+          <a:p>
+            <a:r>
+              <a:rPr lang="en-US" dirty="0" smtClean="0">
+                <a:solidFill>
+                  <a:srgbClr val="FF0000"/>
+                </a:solidFill>
+                <a:latin typeface="Consolas" panose="020B0609020204030204" pitchFamily="49" charset="0"/>
+                <a:cs typeface="Consolas" panose="020B0609020204030204" pitchFamily="49" charset="0"/>
+              </a:rPr>
+              <a:t>6</a:t>
+            </a:r>
+            <a:endParaRPr lang="en-IE" dirty="0">
+              <a:solidFill>
+                <a:srgbClr val="FF0000"/>
+              </a:solidFill>
+              <a:latin typeface="Consolas" panose="020B0609020204030204" pitchFamily="49" charset="0"/>
+              <a:cs typeface="Consolas" panose="020B0609020204030204" pitchFamily="49" charset="0"/>
+            </a:endParaRPr>
+          </a:p>
+        </p:txBody>
+      </p:sp>
+      <p:sp>
+        <p:nvSpPr>
+          <p:cNvPr id="10" name="TextBox 9"/>
+          <p:cNvSpPr txBox="1"/>
+          <p:nvPr/>
+        </p:nvSpPr>
+        <p:spPr>
+          <a:xfrm>
+            <a:off x="9796288" y="3903405"/>
+            <a:ext cx="311304" cy="369332"/>
+          </a:xfrm>
+          <a:prstGeom prst="rect">
+            <a:avLst/>
+          </a:prstGeom>
+          <a:noFill/>
+        </p:spPr>
+        <p:txBody>
+          <a:bodyPr wrap="none" rtlCol="0">
+            <a:spAutoFit/>
+          </a:bodyPr>
+          <a:lstStyle/>
+          <a:p>
+            <a:r>
+              <a:rPr lang="en-US" dirty="0" smtClean="0">
+                <a:solidFill>
+                  <a:srgbClr val="FF0000"/>
+                </a:solidFill>
+                <a:latin typeface="Consolas" panose="020B0609020204030204" pitchFamily="49" charset="0"/>
+                <a:cs typeface="Consolas" panose="020B0609020204030204" pitchFamily="49" charset="0"/>
+              </a:rPr>
+              <a:t>6</a:t>
+            </a:r>
+            <a:endParaRPr lang="en-IE" dirty="0">
+              <a:solidFill>
+                <a:srgbClr val="FF0000"/>
+              </a:solidFill>
+              <a:latin typeface="Consolas" panose="020B0609020204030204" pitchFamily="49" charset="0"/>
+              <a:cs typeface="Consolas" panose="020B0609020204030204" pitchFamily="49" charset="0"/>
+            </a:endParaRPr>
+          </a:p>
+        </p:txBody>
+      </p:sp>
+      <p:sp>
+        <p:nvSpPr>
+          <p:cNvPr id="11" name="TextBox 10"/>
+          <p:cNvSpPr txBox="1"/>
+          <p:nvPr/>
+        </p:nvSpPr>
+        <p:spPr>
+          <a:xfrm>
+            <a:off x="7600335" y="1907457"/>
+            <a:ext cx="311304" cy="369332"/>
+          </a:xfrm>
+          <a:prstGeom prst="rect">
+            <a:avLst/>
+          </a:prstGeom>
+          <a:noFill/>
+        </p:spPr>
+        <p:txBody>
+          <a:bodyPr wrap="none" rtlCol="0">
+            <a:spAutoFit/>
+          </a:bodyPr>
+          <a:lstStyle/>
+          <a:p>
+            <a:r>
+              <a:rPr lang="en-US" dirty="0">
+                <a:solidFill>
+                  <a:srgbClr val="FF0000"/>
+                </a:solidFill>
+                <a:latin typeface="Consolas" panose="020B0609020204030204" pitchFamily="49" charset="0"/>
+                <a:cs typeface="Consolas" panose="020B0609020204030204" pitchFamily="49" charset="0"/>
+              </a:rPr>
+              <a:t>4</a:t>
+            </a:r>
+            <a:endParaRPr lang="en-IE" dirty="0">
+              <a:solidFill>
+                <a:srgbClr val="FF0000"/>
+              </a:solidFill>
+              <a:latin typeface="Consolas" panose="020B0609020204030204" pitchFamily="49" charset="0"/>
+              <a:cs typeface="Consolas" panose="020B0609020204030204" pitchFamily="49" charset="0"/>
+            </a:endParaRPr>
+          </a:p>
+        </p:txBody>
+      </p:sp>
+      <p:sp>
+        <p:nvSpPr>
+          <p:cNvPr id="12" name="TextBox 11"/>
+          <p:cNvSpPr txBox="1"/>
+          <p:nvPr/>
+        </p:nvSpPr>
+        <p:spPr>
+          <a:xfrm>
+            <a:off x="7600335" y="4011560"/>
+            <a:ext cx="311304" cy="369332"/>
+          </a:xfrm>
+          <a:prstGeom prst="rect">
+            <a:avLst/>
+          </a:prstGeom>
+          <a:noFill/>
+        </p:spPr>
+        <p:txBody>
+          <a:bodyPr wrap="none" rtlCol="0">
+            <a:spAutoFit/>
+          </a:bodyPr>
+          <a:lstStyle/>
+          <a:p>
+            <a:r>
+              <a:rPr lang="en-US" dirty="0" smtClean="0">
+                <a:solidFill>
+                  <a:srgbClr val="FF0000"/>
+                </a:solidFill>
+                <a:latin typeface="Consolas" panose="020B0609020204030204" pitchFamily="49" charset="0"/>
+                <a:cs typeface="Consolas" panose="020B0609020204030204" pitchFamily="49" charset="0"/>
+              </a:rPr>
+              <a:t>4</a:t>
+            </a:r>
+            <a:endParaRPr lang="en-US" dirty="0" smtClean="0">
+              <a:solidFill>
+                <a:srgbClr val="FF0000"/>
+              </a:solidFill>
+              <a:latin typeface="Consolas" panose="020B0609020204030204" pitchFamily="49" charset="0"/>
+              <a:cs typeface="Consolas" panose="020B0609020204030204" pitchFamily="49" charset="0"/>
+            </a:endParaRPr>
+          </a:p>
+        </p:txBody>
+      </p:sp>
+      <p:sp>
+        <p:nvSpPr>
+          <p:cNvPr id="13" name="TextBox 12"/>
+          <p:cNvSpPr txBox="1"/>
+          <p:nvPr/>
+        </p:nvSpPr>
+        <p:spPr>
+          <a:xfrm>
+            <a:off x="6808838" y="2160949"/>
+            <a:ext cx="311304" cy="369332"/>
+          </a:xfrm>
+          <a:prstGeom prst="rect">
+            <a:avLst/>
+          </a:prstGeom>
+          <a:noFill/>
+        </p:spPr>
+        <p:txBody>
+          <a:bodyPr wrap="none" rtlCol="0">
+            <a:spAutoFit/>
+          </a:bodyPr>
+          <a:lstStyle/>
+          <a:p>
+            <a:r>
+              <a:rPr lang="en-US" dirty="0" smtClean="0">
+                <a:solidFill>
+                  <a:srgbClr val="FF0000"/>
+                </a:solidFill>
+                <a:latin typeface="Consolas" panose="020B0609020204030204" pitchFamily="49" charset="0"/>
+                <a:cs typeface="Consolas" panose="020B0609020204030204" pitchFamily="49" charset="0"/>
+              </a:rPr>
+              <a:t>2</a:t>
+            </a:r>
+            <a:endParaRPr lang="en-IE" dirty="0">
+              <a:solidFill>
+                <a:srgbClr val="FF0000"/>
+              </a:solidFill>
+              <a:latin typeface="Consolas" panose="020B0609020204030204" pitchFamily="49" charset="0"/>
+              <a:cs typeface="Consolas" panose="020B0609020204030204" pitchFamily="49" charset="0"/>
+            </a:endParaRPr>
+          </a:p>
+        </p:txBody>
+      </p:sp>
+      <p:sp>
+        <p:nvSpPr>
+          <p:cNvPr id="14" name="TextBox 13"/>
+          <p:cNvSpPr txBox="1"/>
+          <p:nvPr/>
+        </p:nvSpPr>
+        <p:spPr>
+          <a:xfrm>
+            <a:off x="6808838" y="3775585"/>
+            <a:ext cx="311304" cy="369332"/>
+          </a:xfrm>
+          <a:prstGeom prst="rect">
+            <a:avLst/>
+          </a:prstGeom>
+          <a:noFill/>
+        </p:spPr>
+        <p:txBody>
+          <a:bodyPr wrap="none" rtlCol="0">
+            <a:spAutoFit/>
+          </a:bodyPr>
+          <a:lstStyle/>
+          <a:p>
+            <a:r>
+              <a:rPr lang="en-US" dirty="0" smtClean="0">
+                <a:solidFill>
+                  <a:srgbClr val="FF0000"/>
+                </a:solidFill>
+                <a:latin typeface="Consolas" panose="020B0609020204030204" pitchFamily="49" charset="0"/>
+                <a:cs typeface="Consolas" panose="020B0609020204030204" pitchFamily="49" charset="0"/>
+              </a:rPr>
+              <a:t>2</a:t>
+            </a:r>
+            <a:endParaRPr lang="en-IE" dirty="0">
+              <a:solidFill>
+                <a:srgbClr val="FF0000"/>
+              </a:solidFill>
+              <a:latin typeface="Consolas" panose="020B0609020204030204" pitchFamily="49" charset="0"/>
+              <a:cs typeface="Consolas" panose="020B0609020204030204" pitchFamily="49" charset="0"/>
+            </a:endParaRPr>
+          </a:p>
+        </p:txBody>
+      </p:sp>
+      <p:sp>
+        <p:nvSpPr>
+          <p:cNvPr id="15" name="TextBox 14"/>
+          <p:cNvSpPr txBox="1"/>
+          <p:nvPr/>
+        </p:nvSpPr>
+        <p:spPr>
+          <a:xfrm>
+            <a:off x="6376219" y="2645498"/>
+            <a:ext cx="311304" cy="369332"/>
+          </a:xfrm>
+          <a:prstGeom prst="rect">
+            <a:avLst/>
+          </a:prstGeom>
+          <a:noFill/>
+        </p:spPr>
+        <p:txBody>
+          <a:bodyPr wrap="none" rtlCol="0">
+            <a:spAutoFit/>
+          </a:bodyPr>
+          <a:lstStyle/>
+          <a:p>
+            <a:r>
+              <a:rPr lang="en-US" dirty="0" smtClean="0">
+                <a:solidFill>
+                  <a:srgbClr val="FF0000"/>
+                </a:solidFill>
+                <a:latin typeface="Consolas" panose="020B0609020204030204" pitchFamily="49" charset="0"/>
+                <a:cs typeface="Consolas" panose="020B0609020204030204" pitchFamily="49" charset="0"/>
+              </a:rPr>
+              <a:t>2</a:t>
+            </a:r>
+            <a:endParaRPr lang="en-IE" dirty="0">
+              <a:solidFill>
+                <a:srgbClr val="FF0000"/>
+              </a:solidFill>
+              <a:latin typeface="Consolas" panose="020B0609020204030204" pitchFamily="49" charset="0"/>
+              <a:cs typeface="Consolas" panose="020B0609020204030204" pitchFamily="49" charset="0"/>
+            </a:endParaRPr>
+          </a:p>
+        </p:txBody>
+      </p:sp>
+      <p:sp>
+        <p:nvSpPr>
+          <p:cNvPr id="16" name="TextBox 15"/>
+          <p:cNvSpPr txBox="1"/>
+          <p:nvPr/>
+        </p:nvSpPr>
+        <p:spPr>
+          <a:xfrm>
+            <a:off x="5279922" y="1606951"/>
+            <a:ext cx="311304" cy="369332"/>
+          </a:xfrm>
+          <a:prstGeom prst="rect">
+            <a:avLst/>
+          </a:prstGeom>
+          <a:noFill/>
+        </p:spPr>
+        <p:txBody>
+          <a:bodyPr wrap="none" rtlCol="0">
+            <a:spAutoFit/>
+          </a:bodyPr>
+          <a:lstStyle/>
+          <a:p>
+            <a:r>
+              <a:rPr lang="en-US" dirty="0">
+                <a:solidFill>
+                  <a:srgbClr val="FF0000"/>
+                </a:solidFill>
+                <a:latin typeface="Consolas" panose="020B0609020204030204" pitchFamily="49" charset="0"/>
+                <a:cs typeface="Consolas" panose="020B0609020204030204" pitchFamily="49" charset="0"/>
+              </a:rPr>
+              <a:t>2</a:t>
+            </a:r>
+            <a:endParaRPr lang="en-IE" dirty="0">
+              <a:solidFill>
+                <a:srgbClr val="FF0000"/>
+              </a:solidFill>
+              <a:latin typeface="Consolas" panose="020B0609020204030204" pitchFamily="49" charset="0"/>
+              <a:cs typeface="Consolas" panose="020B0609020204030204" pitchFamily="49" charset="0"/>
+            </a:endParaRPr>
+          </a:p>
+        </p:txBody>
+      </p:sp>
+      <p:sp>
+        <p:nvSpPr>
+          <p:cNvPr id="17" name="TextBox 16"/>
+          <p:cNvSpPr txBox="1"/>
+          <p:nvPr/>
+        </p:nvSpPr>
+        <p:spPr>
+          <a:xfrm>
+            <a:off x="5288914" y="3823073"/>
+            <a:ext cx="311304" cy="369332"/>
+          </a:xfrm>
+          <a:prstGeom prst="rect">
+            <a:avLst/>
+          </a:prstGeom>
+          <a:noFill/>
+        </p:spPr>
+        <p:txBody>
+          <a:bodyPr wrap="none" rtlCol="0">
+            <a:spAutoFit/>
+          </a:bodyPr>
+          <a:lstStyle/>
+          <a:p>
+            <a:r>
+              <a:rPr lang="en-US" dirty="0">
+                <a:solidFill>
+                  <a:srgbClr val="FF0000"/>
+                </a:solidFill>
+                <a:latin typeface="Consolas" panose="020B0609020204030204" pitchFamily="49" charset="0"/>
+                <a:cs typeface="Consolas" panose="020B0609020204030204" pitchFamily="49" charset="0"/>
+              </a:rPr>
+              <a:t>2</a:t>
+            </a:r>
+            <a:endParaRPr lang="en-IE" dirty="0">
+              <a:solidFill>
+                <a:srgbClr val="FF0000"/>
+              </a:solidFill>
+              <a:latin typeface="Consolas" panose="020B0609020204030204" pitchFamily="49" charset="0"/>
+              <a:cs typeface="Consolas" panose="020B0609020204030204" pitchFamily="49" charset="0"/>
+            </a:endParaRPr>
+          </a:p>
+        </p:txBody>
+      </p:sp>
+      <p:sp>
+        <p:nvSpPr>
+          <p:cNvPr id="18" name="TextBox 17"/>
+          <p:cNvSpPr txBox="1"/>
+          <p:nvPr/>
+        </p:nvSpPr>
+        <p:spPr>
+          <a:xfrm>
+            <a:off x="5856974" y="2461453"/>
+            <a:ext cx="311304" cy="369332"/>
+          </a:xfrm>
+          <a:prstGeom prst="rect">
+            <a:avLst/>
+          </a:prstGeom>
+          <a:noFill/>
+        </p:spPr>
+        <p:txBody>
+          <a:bodyPr wrap="none" rtlCol="0">
+            <a:spAutoFit/>
+          </a:bodyPr>
+          <a:lstStyle/>
+          <a:p>
+            <a:r>
+              <a:rPr lang="en-US" dirty="0">
+                <a:solidFill>
+                  <a:srgbClr val="FF0000"/>
+                </a:solidFill>
+                <a:latin typeface="Consolas" panose="020B0609020204030204" pitchFamily="49" charset="0"/>
+                <a:cs typeface="Consolas" panose="020B0609020204030204" pitchFamily="49" charset="0"/>
               </a:rPr>
               <a:t>1</a:t>
             </a:r>
@@ -3153,6 +5359,1702 @@
               <a:solidFill>
                 <a:srgbClr val="FF0000"/>
               </a:solidFill>
+              <a:latin typeface="Consolas" panose="020B0609020204030204" pitchFamily="49" charset="0"/>
+              <a:cs typeface="Consolas" panose="020B0609020204030204" pitchFamily="49" charset="0"/>
+            </a:endParaRPr>
+          </a:p>
+        </p:txBody>
+      </p:sp>
+      <p:sp>
+        <p:nvSpPr>
+          <p:cNvPr id="2" name="TextBox 1"/>
+          <p:cNvSpPr txBox="1"/>
+          <p:nvPr/>
+        </p:nvSpPr>
+        <p:spPr>
+          <a:xfrm>
+            <a:off x="4189872" y="-31849"/>
+            <a:ext cx="3635890" cy="584775"/>
+          </a:xfrm>
+          <a:prstGeom prst="rect">
+            <a:avLst/>
+          </a:prstGeom>
+          <a:noFill/>
+        </p:spPr>
+        <p:txBody>
+          <a:bodyPr wrap="square" rtlCol="0">
+            <a:spAutoFit/>
+          </a:bodyPr>
+          <a:lstStyle/>
+          <a:p>
+            <a:pPr algn="ctr"/>
+            <a:r>
+              <a:rPr lang="en-US" sz="3200" dirty="0" smtClean="0">
+                <a:latin typeface="Consolas" panose="020B0609020204030204" pitchFamily="49" charset="0"/>
+                <a:cs typeface="Consolas" panose="020B0609020204030204" pitchFamily="49" charset="0"/>
+              </a:rPr>
+              <a:t>Lengths &amp; </a:t>
+            </a:r>
+            <a:r>
+              <a:rPr lang="en-US" sz="3200" dirty="0" err="1" smtClean="0">
+                <a:latin typeface="Consolas" panose="020B0609020204030204" pitchFamily="49" charset="0"/>
+                <a:cs typeface="Consolas" panose="020B0609020204030204" pitchFamily="49" charset="0"/>
+              </a:rPr>
+              <a:t>nseg</a:t>
+            </a:r>
+            <a:endParaRPr lang="en-IE" dirty="0">
+              <a:latin typeface="Consolas" panose="020B0609020204030204" pitchFamily="49" charset="0"/>
+              <a:cs typeface="Consolas" panose="020B0609020204030204" pitchFamily="49" charset="0"/>
+            </a:endParaRPr>
+          </a:p>
+        </p:txBody>
+      </p:sp>
+      <p:sp>
+        <p:nvSpPr>
+          <p:cNvPr id="20" name="TextBox 19"/>
+          <p:cNvSpPr txBox="1"/>
+          <p:nvPr/>
+        </p:nvSpPr>
+        <p:spPr>
+          <a:xfrm>
+            <a:off x="5559571" y="2791719"/>
+            <a:ext cx="311304" cy="369332"/>
+          </a:xfrm>
+          <a:prstGeom prst="rect">
+            <a:avLst/>
+          </a:prstGeom>
+          <a:noFill/>
+        </p:spPr>
+        <p:txBody>
+          <a:bodyPr wrap="none" rtlCol="0">
+            <a:spAutoFit/>
+          </a:bodyPr>
+          <a:lstStyle/>
+          <a:p>
+            <a:r>
+              <a:rPr lang="en-US" dirty="0" smtClean="0">
+                <a:solidFill>
+                  <a:srgbClr val="FF0000"/>
+                </a:solidFill>
+                <a:latin typeface="Consolas" panose="020B0609020204030204" pitchFamily="49" charset="0"/>
+                <a:cs typeface="Consolas" panose="020B0609020204030204" pitchFamily="49" charset="0"/>
+              </a:rPr>
+              <a:t>2</a:t>
+            </a:r>
+            <a:endParaRPr lang="en-IE" dirty="0">
+              <a:solidFill>
+                <a:srgbClr val="FF0000"/>
+              </a:solidFill>
+              <a:latin typeface="Consolas" panose="020B0609020204030204" pitchFamily="49" charset="0"/>
+              <a:cs typeface="Consolas" panose="020B0609020204030204" pitchFamily="49" charset="0"/>
+            </a:endParaRPr>
+          </a:p>
+        </p:txBody>
+      </p:sp>
+      <p:sp>
+        <p:nvSpPr>
+          <p:cNvPr id="21" name="TextBox 20"/>
+          <p:cNvSpPr txBox="1"/>
+          <p:nvPr/>
+        </p:nvSpPr>
+        <p:spPr>
+          <a:xfrm>
+            <a:off x="4880790" y="1125617"/>
+            <a:ext cx="311304" cy="369332"/>
+          </a:xfrm>
+          <a:prstGeom prst="rect">
+            <a:avLst/>
+          </a:prstGeom>
+          <a:noFill/>
+        </p:spPr>
+        <p:txBody>
+          <a:bodyPr wrap="none" rtlCol="0">
+            <a:spAutoFit/>
+          </a:bodyPr>
+          <a:lstStyle/>
+          <a:p>
+            <a:r>
+              <a:rPr lang="en-US" dirty="0" smtClean="0">
+                <a:solidFill>
+                  <a:srgbClr val="FF0000"/>
+                </a:solidFill>
+                <a:latin typeface="Consolas" panose="020B0609020204030204" pitchFamily="49" charset="0"/>
+                <a:cs typeface="Consolas" panose="020B0609020204030204" pitchFamily="49" charset="0"/>
+              </a:rPr>
+              <a:t>2</a:t>
+            </a:r>
+            <a:endParaRPr lang="en-IE" dirty="0">
+              <a:solidFill>
+                <a:srgbClr val="FF0000"/>
+              </a:solidFill>
+              <a:latin typeface="Consolas" panose="020B0609020204030204" pitchFamily="49" charset="0"/>
+              <a:cs typeface="Consolas" panose="020B0609020204030204" pitchFamily="49" charset="0"/>
+            </a:endParaRPr>
+          </a:p>
+        </p:txBody>
+      </p:sp>
+      <p:sp>
+        <p:nvSpPr>
+          <p:cNvPr id="22" name="TextBox 21"/>
+          <p:cNvSpPr txBox="1"/>
+          <p:nvPr/>
+        </p:nvSpPr>
+        <p:spPr>
+          <a:xfrm>
+            <a:off x="4868597" y="2092121"/>
+            <a:ext cx="311304" cy="369332"/>
+          </a:xfrm>
+          <a:prstGeom prst="rect">
+            <a:avLst/>
+          </a:prstGeom>
+          <a:noFill/>
+        </p:spPr>
+        <p:txBody>
+          <a:bodyPr wrap="none" rtlCol="0">
+            <a:spAutoFit/>
+          </a:bodyPr>
+          <a:lstStyle/>
+          <a:p>
+            <a:r>
+              <a:rPr lang="en-US" dirty="0" smtClean="0">
+                <a:solidFill>
+                  <a:srgbClr val="FF0000"/>
+                </a:solidFill>
+                <a:latin typeface="Consolas" panose="020B0609020204030204" pitchFamily="49" charset="0"/>
+                <a:cs typeface="Consolas" panose="020B0609020204030204" pitchFamily="49" charset="0"/>
+              </a:rPr>
+              <a:t>2</a:t>
+            </a:r>
+            <a:endParaRPr lang="en-IE" dirty="0">
+              <a:solidFill>
+                <a:srgbClr val="FF0000"/>
+              </a:solidFill>
+              <a:latin typeface="Consolas" panose="020B0609020204030204" pitchFamily="49" charset="0"/>
+              <a:cs typeface="Consolas" panose="020B0609020204030204" pitchFamily="49" charset="0"/>
+            </a:endParaRPr>
+          </a:p>
+        </p:txBody>
+      </p:sp>
+      <p:sp>
+        <p:nvSpPr>
+          <p:cNvPr id="23" name="TextBox 22"/>
+          <p:cNvSpPr txBox="1"/>
+          <p:nvPr/>
+        </p:nvSpPr>
+        <p:spPr>
+          <a:xfrm>
+            <a:off x="4118790" y="930946"/>
+            <a:ext cx="311304" cy="369332"/>
+          </a:xfrm>
+          <a:prstGeom prst="rect">
+            <a:avLst/>
+          </a:prstGeom>
+          <a:noFill/>
+        </p:spPr>
+        <p:txBody>
+          <a:bodyPr wrap="none" rtlCol="0">
+            <a:spAutoFit/>
+          </a:bodyPr>
+          <a:lstStyle/>
+          <a:p>
+            <a:r>
+              <a:rPr lang="en-US" dirty="0" smtClean="0">
+                <a:solidFill>
+                  <a:srgbClr val="FF0000"/>
+                </a:solidFill>
+                <a:latin typeface="Consolas" panose="020B0609020204030204" pitchFamily="49" charset="0"/>
+                <a:cs typeface="Consolas" panose="020B0609020204030204" pitchFamily="49" charset="0"/>
+              </a:rPr>
+              <a:t>4</a:t>
+            </a:r>
+            <a:endParaRPr lang="en-IE" dirty="0">
+              <a:solidFill>
+                <a:srgbClr val="FF0000"/>
+              </a:solidFill>
+              <a:latin typeface="Consolas" panose="020B0609020204030204" pitchFamily="49" charset="0"/>
+              <a:cs typeface="Consolas" panose="020B0609020204030204" pitchFamily="49" charset="0"/>
+            </a:endParaRPr>
+          </a:p>
+        </p:txBody>
+      </p:sp>
+      <p:sp>
+        <p:nvSpPr>
+          <p:cNvPr id="24" name="TextBox 23"/>
+          <p:cNvSpPr txBox="1"/>
+          <p:nvPr/>
+        </p:nvSpPr>
+        <p:spPr>
+          <a:xfrm>
+            <a:off x="1371328" y="1682215"/>
+            <a:ext cx="437940" cy="369332"/>
+          </a:xfrm>
+          <a:prstGeom prst="rect">
+            <a:avLst/>
+          </a:prstGeom>
+          <a:noFill/>
+        </p:spPr>
+        <p:txBody>
+          <a:bodyPr wrap="none" rtlCol="0">
+            <a:spAutoFit/>
+          </a:bodyPr>
+          <a:lstStyle/>
+          <a:p>
+            <a:r>
+              <a:rPr lang="en-US" dirty="0" smtClean="0">
+                <a:solidFill>
+                  <a:srgbClr val="FF0000"/>
+                </a:solidFill>
+                <a:latin typeface="Consolas" panose="020B0609020204030204" pitchFamily="49" charset="0"/>
+                <a:cs typeface="Consolas" panose="020B0609020204030204" pitchFamily="49" charset="0"/>
+              </a:rPr>
+              <a:t>12</a:t>
+            </a:r>
+            <a:endParaRPr lang="en-IE" dirty="0">
+              <a:solidFill>
+                <a:srgbClr val="FF0000"/>
+              </a:solidFill>
+              <a:latin typeface="Consolas" panose="020B0609020204030204" pitchFamily="49" charset="0"/>
+              <a:cs typeface="Consolas" panose="020B0609020204030204" pitchFamily="49" charset="0"/>
+            </a:endParaRPr>
+          </a:p>
+        </p:txBody>
+      </p:sp>
+      <p:sp>
+        <p:nvSpPr>
+          <p:cNvPr id="25" name="TextBox 24"/>
+          <p:cNvSpPr txBox="1"/>
+          <p:nvPr/>
+        </p:nvSpPr>
+        <p:spPr>
+          <a:xfrm>
+            <a:off x="1894574" y="906805"/>
+            <a:ext cx="311304" cy="369332"/>
+          </a:xfrm>
+          <a:prstGeom prst="rect">
+            <a:avLst/>
+          </a:prstGeom>
+          <a:noFill/>
+        </p:spPr>
+        <p:txBody>
+          <a:bodyPr wrap="none" rtlCol="0">
+            <a:spAutoFit/>
+          </a:bodyPr>
+          <a:lstStyle/>
+          <a:p>
+            <a:r>
+              <a:rPr lang="en-US" dirty="0" smtClean="0">
+                <a:solidFill>
+                  <a:srgbClr val="FF0000"/>
+                </a:solidFill>
+                <a:latin typeface="Consolas" panose="020B0609020204030204" pitchFamily="49" charset="0"/>
+                <a:cs typeface="Consolas" panose="020B0609020204030204" pitchFamily="49" charset="0"/>
+              </a:rPr>
+              <a:t>6</a:t>
+            </a:r>
+            <a:endParaRPr lang="en-IE" dirty="0">
+              <a:solidFill>
+                <a:srgbClr val="FF0000"/>
+              </a:solidFill>
+              <a:latin typeface="Consolas" panose="020B0609020204030204" pitchFamily="49" charset="0"/>
+              <a:cs typeface="Consolas" panose="020B0609020204030204" pitchFamily="49" charset="0"/>
+            </a:endParaRPr>
+          </a:p>
+        </p:txBody>
+      </p:sp>
+      <p:sp>
+        <p:nvSpPr>
+          <p:cNvPr id="26" name="TextBox 25"/>
+          <p:cNvSpPr txBox="1"/>
+          <p:nvPr/>
+        </p:nvSpPr>
+        <p:spPr>
+          <a:xfrm>
+            <a:off x="1894574" y="1334882"/>
+            <a:ext cx="311304" cy="369332"/>
+          </a:xfrm>
+          <a:prstGeom prst="rect">
+            <a:avLst/>
+          </a:prstGeom>
+          <a:noFill/>
+        </p:spPr>
+        <p:txBody>
+          <a:bodyPr wrap="none" rtlCol="0">
+            <a:spAutoFit/>
+          </a:bodyPr>
+          <a:lstStyle/>
+          <a:p>
+            <a:r>
+              <a:rPr lang="en-US" dirty="0" smtClean="0">
+                <a:solidFill>
+                  <a:srgbClr val="FF0000"/>
+                </a:solidFill>
+                <a:latin typeface="Consolas" panose="020B0609020204030204" pitchFamily="49" charset="0"/>
+                <a:cs typeface="Consolas" panose="020B0609020204030204" pitchFamily="49" charset="0"/>
+              </a:rPr>
+              <a:t>6</a:t>
+            </a:r>
+            <a:endParaRPr lang="en-IE" dirty="0">
+              <a:solidFill>
+                <a:srgbClr val="FF0000"/>
+              </a:solidFill>
+              <a:latin typeface="Consolas" panose="020B0609020204030204" pitchFamily="49" charset="0"/>
+              <a:cs typeface="Consolas" panose="020B0609020204030204" pitchFamily="49" charset="0"/>
+            </a:endParaRPr>
+          </a:p>
+        </p:txBody>
+      </p:sp>
+      <p:sp>
+        <p:nvSpPr>
+          <p:cNvPr id="27" name="TextBox 26"/>
+          <p:cNvSpPr txBox="1"/>
+          <p:nvPr/>
+        </p:nvSpPr>
+        <p:spPr>
+          <a:xfrm>
+            <a:off x="1377493" y="2077838"/>
+            <a:ext cx="437940" cy="369332"/>
+          </a:xfrm>
+          <a:prstGeom prst="rect">
+            <a:avLst/>
+          </a:prstGeom>
+          <a:noFill/>
+        </p:spPr>
+        <p:txBody>
+          <a:bodyPr wrap="none" rtlCol="0">
+            <a:spAutoFit/>
+          </a:bodyPr>
+          <a:lstStyle/>
+          <a:p>
+            <a:r>
+              <a:rPr lang="en-US" dirty="0" smtClean="0">
+                <a:solidFill>
+                  <a:srgbClr val="FF0000"/>
+                </a:solidFill>
+                <a:latin typeface="Consolas" panose="020B0609020204030204" pitchFamily="49" charset="0"/>
+                <a:cs typeface="Consolas" panose="020B0609020204030204" pitchFamily="49" charset="0"/>
+              </a:rPr>
+              <a:t>12</a:t>
+            </a:r>
+            <a:endParaRPr lang="en-IE" dirty="0">
+              <a:solidFill>
+                <a:srgbClr val="FF0000"/>
+              </a:solidFill>
+              <a:latin typeface="Consolas" panose="020B0609020204030204" pitchFamily="49" charset="0"/>
+              <a:cs typeface="Consolas" panose="020B0609020204030204" pitchFamily="49" charset="0"/>
+            </a:endParaRPr>
+          </a:p>
+        </p:txBody>
+      </p:sp>
+      <p:sp>
+        <p:nvSpPr>
+          <p:cNvPr id="28" name="TextBox 27"/>
+          <p:cNvSpPr txBox="1"/>
+          <p:nvPr/>
+        </p:nvSpPr>
+        <p:spPr>
+          <a:xfrm>
+            <a:off x="4089853" y="2802815"/>
+            <a:ext cx="311304" cy="369332"/>
+          </a:xfrm>
+          <a:prstGeom prst="rect">
+            <a:avLst/>
+          </a:prstGeom>
+          <a:noFill/>
+        </p:spPr>
+        <p:txBody>
+          <a:bodyPr wrap="none" rtlCol="0">
+            <a:spAutoFit/>
+          </a:bodyPr>
+          <a:lstStyle/>
+          <a:p>
+            <a:r>
+              <a:rPr lang="en-US" dirty="0" smtClean="0">
+                <a:solidFill>
+                  <a:srgbClr val="FF0000"/>
+                </a:solidFill>
+                <a:latin typeface="Consolas" panose="020B0609020204030204" pitchFamily="49" charset="0"/>
+                <a:cs typeface="Consolas" panose="020B0609020204030204" pitchFamily="49" charset="0"/>
+              </a:rPr>
+              <a:t>4</a:t>
+            </a:r>
+            <a:endParaRPr lang="en-IE" dirty="0">
+              <a:solidFill>
+                <a:srgbClr val="FF0000"/>
+              </a:solidFill>
+              <a:latin typeface="Consolas" panose="020B0609020204030204" pitchFamily="49" charset="0"/>
+              <a:cs typeface="Consolas" panose="020B0609020204030204" pitchFamily="49" charset="0"/>
+            </a:endParaRPr>
+          </a:p>
+        </p:txBody>
+      </p:sp>
+      <p:sp>
+        <p:nvSpPr>
+          <p:cNvPr id="29" name="TextBox 28"/>
+          <p:cNvSpPr txBox="1"/>
+          <p:nvPr/>
+        </p:nvSpPr>
+        <p:spPr>
+          <a:xfrm>
+            <a:off x="1777556" y="2367342"/>
+            <a:ext cx="311304" cy="369332"/>
+          </a:xfrm>
+          <a:prstGeom prst="rect">
+            <a:avLst/>
+          </a:prstGeom>
+          <a:noFill/>
+        </p:spPr>
+        <p:txBody>
+          <a:bodyPr wrap="none" rtlCol="0">
+            <a:spAutoFit/>
+          </a:bodyPr>
+          <a:lstStyle/>
+          <a:p>
+            <a:r>
+              <a:rPr lang="en-US" dirty="0" smtClean="0">
+                <a:solidFill>
+                  <a:srgbClr val="FF0000"/>
+                </a:solidFill>
+                <a:latin typeface="Consolas" panose="020B0609020204030204" pitchFamily="49" charset="0"/>
+                <a:cs typeface="Consolas" panose="020B0609020204030204" pitchFamily="49" charset="0"/>
+              </a:rPr>
+              <a:t>6</a:t>
+            </a:r>
+            <a:endParaRPr lang="en-IE" dirty="0">
+              <a:solidFill>
+                <a:srgbClr val="FF0000"/>
+              </a:solidFill>
+              <a:latin typeface="Consolas" panose="020B0609020204030204" pitchFamily="49" charset="0"/>
+              <a:cs typeface="Consolas" panose="020B0609020204030204" pitchFamily="49" charset="0"/>
+            </a:endParaRPr>
+          </a:p>
+        </p:txBody>
+      </p:sp>
+      <p:sp>
+        <p:nvSpPr>
+          <p:cNvPr id="30" name="TextBox 29"/>
+          <p:cNvSpPr txBox="1"/>
+          <p:nvPr/>
+        </p:nvSpPr>
+        <p:spPr>
+          <a:xfrm>
+            <a:off x="1772217" y="2817220"/>
+            <a:ext cx="311304" cy="369332"/>
+          </a:xfrm>
+          <a:prstGeom prst="rect">
+            <a:avLst/>
+          </a:prstGeom>
+          <a:noFill/>
+        </p:spPr>
+        <p:txBody>
+          <a:bodyPr wrap="none" rtlCol="0">
+            <a:spAutoFit/>
+          </a:bodyPr>
+          <a:lstStyle/>
+          <a:p>
+            <a:r>
+              <a:rPr lang="en-US" dirty="0" smtClean="0">
+                <a:solidFill>
+                  <a:srgbClr val="FF0000"/>
+                </a:solidFill>
+                <a:latin typeface="Consolas" panose="020B0609020204030204" pitchFamily="49" charset="0"/>
+                <a:cs typeface="Consolas" panose="020B0609020204030204" pitchFamily="49" charset="0"/>
+              </a:rPr>
+              <a:t>6</a:t>
+            </a:r>
+            <a:endParaRPr lang="en-IE" dirty="0">
+              <a:solidFill>
+                <a:srgbClr val="FF0000"/>
+              </a:solidFill>
+              <a:latin typeface="Consolas" panose="020B0609020204030204" pitchFamily="49" charset="0"/>
+              <a:cs typeface="Consolas" panose="020B0609020204030204" pitchFamily="49" charset="0"/>
+            </a:endParaRPr>
+          </a:p>
+        </p:txBody>
+      </p:sp>
+      <p:sp>
+        <p:nvSpPr>
+          <p:cNvPr id="31" name="TextBox 30"/>
+          <p:cNvSpPr txBox="1"/>
+          <p:nvPr/>
+        </p:nvSpPr>
+        <p:spPr>
+          <a:xfrm>
+            <a:off x="4822281" y="3324224"/>
+            <a:ext cx="311304" cy="369332"/>
+          </a:xfrm>
+          <a:prstGeom prst="rect">
+            <a:avLst/>
+          </a:prstGeom>
+          <a:noFill/>
+        </p:spPr>
+        <p:txBody>
+          <a:bodyPr wrap="none" rtlCol="0">
+            <a:spAutoFit/>
+          </a:bodyPr>
+          <a:lstStyle/>
+          <a:p>
+            <a:r>
+              <a:rPr lang="en-US" dirty="0" smtClean="0">
+                <a:solidFill>
+                  <a:srgbClr val="FF0000"/>
+                </a:solidFill>
+                <a:latin typeface="Consolas" panose="020B0609020204030204" pitchFamily="49" charset="0"/>
+                <a:cs typeface="Consolas" panose="020B0609020204030204" pitchFamily="49" charset="0"/>
+              </a:rPr>
+              <a:t>2</a:t>
+            </a:r>
+            <a:endParaRPr lang="en-IE" dirty="0">
+              <a:solidFill>
+                <a:srgbClr val="FF0000"/>
+              </a:solidFill>
+              <a:latin typeface="Consolas" panose="020B0609020204030204" pitchFamily="49" charset="0"/>
+              <a:cs typeface="Consolas" panose="020B0609020204030204" pitchFamily="49" charset="0"/>
+            </a:endParaRPr>
+          </a:p>
+        </p:txBody>
+      </p:sp>
+      <p:sp>
+        <p:nvSpPr>
+          <p:cNvPr id="32" name="TextBox 31"/>
+          <p:cNvSpPr txBox="1"/>
+          <p:nvPr/>
+        </p:nvSpPr>
+        <p:spPr>
+          <a:xfrm>
+            <a:off x="4810088" y="4290728"/>
+            <a:ext cx="311304" cy="369332"/>
+          </a:xfrm>
+          <a:prstGeom prst="rect">
+            <a:avLst/>
+          </a:prstGeom>
+          <a:noFill/>
+        </p:spPr>
+        <p:txBody>
+          <a:bodyPr wrap="none" rtlCol="0">
+            <a:spAutoFit/>
+          </a:bodyPr>
+          <a:lstStyle/>
+          <a:p>
+            <a:r>
+              <a:rPr lang="en-US" dirty="0" smtClean="0">
+                <a:solidFill>
+                  <a:srgbClr val="FF0000"/>
+                </a:solidFill>
+                <a:latin typeface="Consolas" panose="020B0609020204030204" pitchFamily="49" charset="0"/>
+                <a:cs typeface="Consolas" panose="020B0609020204030204" pitchFamily="49" charset="0"/>
+              </a:rPr>
+              <a:t>2</a:t>
+            </a:r>
+            <a:endParaRPr lang="en-IE" dirty="0">
+              <a:solidFill>
+                <a:srgbClr val="FF0000"/>
+              </a:solidFill>
+              <a:latin typeface="Consolas" panose="020B0609020204030204" pitchFamily="49" charset="0"/>
+              <a:cs typeface="Consolas" panose="020B0609020204030204" pitchFamily="49" charset="0"/>
+            </a:endParaRPr>
+          </a:p>
+        </p:txBody>
+      </p:sp>
+      <p:sp>
+        <p:nvSpPr>
+          <p:cNvPr id="33" name="TextBox 32"/>
+          <p:cNvSpPr txBox="1"/>
+          <p:nvPr/>
+        </p:nvSpPr>
+        <p:spPr>
+          <a:xfrm>
+            <a:off x="4087422" y="3165331"/>
+            <a:ext cx="311304" cy="369332"/>
+          </a:xfrm>
+          <a:prstGeom prst="rect">
+            <a:avLst/>
+          </a:prstGeom>
+          <a:noFill/>
+        </p:spPr>
+        <p:txBody>
+          <a:bodyPr wrap="none" rtlCol="0">
+            <a:spAutoFit/>
+          </a:bodyPr>
+          <a:lstStyle/>
+          <a:p>
+            <a:r>
+              <a:rPr lang="en-US" dirty="0" smtClean="0">
+                <a:solidFill>
+                  <a:srgbClr val="FF0000"/>
+                </a:solidFill>
+                <a:latin typeface="Consolas" panose="020B0609020204030204" pitchFamily="49" charset="0"/>
+                <a:cs typeface="Consolas" panose="020B0609020204030204" pitchFamily="49" charset="0"/>
+              </a:rPr>
+              <a:t>4</a:t>
+            </a:r>
+            <a:endParaRPr lang="en-IE" dirty="0">
+              <a:solidFill>
+                <a:srgbClr val="FF0000"/>
+              </a:solidFill>
+              <a:latin typeface="Consolas" panose="020B0609020204030204" pitchFamily="49" charset="0"/>
+              <a:cs typeface="Consolas" panose="020B0609020204030204" pitchFamily="49" charset="0"/>
+            </a:endParaRPr>
+          </a:p>
+        </p:txBody>
+      </p:sp>
+      <p:sp>
+        <p:nvSpPr>
+          <p:cNvPr id="34" name="TextBox 33"/>
+          <p:cNvSpPr txBox="1"/>
+          <p:nvPr/>
+        </p:nvSpPr>
+        <p:spPr>
+          <a:xfrm>
+            <a:off x="1390229" y="3930711"/>
+            <a:ext cx="437940" cy="369332"/>
+          </a:xfrm>
+          <a:prstGeom prst="rect">
+            <a:avLst/>
+          </a:prstGeom>
+          <a:noFill/>
+        </p:spPr>
+        <p:txBody>
+          <a:bodyPr wrap="none" rtlCol="0">
+            <a:spAutoFit/>
+          </a:bodyPr>
+          <a:lstStyle/>
+          <a:p>
+            <a:r>
+              <a:rPr lang="en-US" dirty="0" smtClean="0">
+                <a:solidFill>
+                  <a:srgbClr val="FF0000"/>
+                </a:solidFill>
+                <a:latin typeface="Consolas" panose="020B0609020204030204" pitchFamily="49" charset="0"/>
+                <a:cs typeface="Consolas" panose="020B0609020204030204" pitchFamily="49" charset="0"/>
+              </a:rPr>
+              <a:t>12</a:t>
+            </a:r>
+            <a:endParaRPr lang="en-IE" dirty="0">
+              <a:solidFill>
+                <a:srgbClr val="FF0000"/>
+              </a:solidFill>
+              <a:latin typeface="Consolas" panose="020B0609020204030204" pitchFamily="49" charset="0"/>
+              <a:cs typeface="Consolas" panose="020B0609020204030204" pitchFamily="49" charset="0"/>
+            </a:endParaRPr>
+          </a:p>
+        </p:txBody>
+      </p:sp>
+      <p:sp>
+        <p:nvSpPr>
+          <p:cNvPr id="35" name="TextBox 34"/>
+          <p:cNvSpPr txBox="1"/>
+          <p:nvPr/>
+        </p:nvSpPr>
+        <p:spPr>
+          <a:xfrm>
+            <a:off x="1776715" y="3145292"/>
+            <a:ext cx="311304" cy="369332"/>
+          </a:xfrm>
+          <a:prstGeom prst="rect">
+            <a:avLst/>
+          </a:prstGeom>
+          <a:noFill/>
+        </p:spPr>
+        <p:txBody>
+          <a:bodyPr wrap="none" rtlCol="0">
+            <a:spAutoFit/>
+          </a:bodyPr>
+          <a:lstStyle/>
+          <a:p>
+            <a:r>
+              <a:rPr lang="en-US" dirty="0" smtClean="0">
+                <a:solidFill>
+                  <a:srgbClr val="FF0000"/>
+                </a:solidFill>
+                <a:latin typeface="Consolas" panose="020B0609020204030204" pitchFamily="49" charset="0"/>
+                <a:cs typeface="Consolas" panose="020B0609020204030204" pitchFamily="49" charset="0"/>
+              </a:rPr>
+              <a:t>6</a:t>
+            </a:r>
+            <a:endParaRPr lang="en-IE" dirty="0">
+              <a:solidFill>
+                <a:srgbClr val="FF0000"/>
+              </a:solidFill>
+              <a:latin typeface="Consolas" panose="020B0609020204030204" pitchFamily="49" charset="0"/>
+              <a:cs typeface="Consolas" panose="020B0609020204030204" pitchFamily="49" charset="0"/>
+            </a:endParaRPr>
+          </a:p>
+        </p:txBody>
+      </p:sp>
+      <p:sp>
+        <p:nvSpPr>
+          <p:cNvPr id="36" name="TextBox 35"/>
+          <p:cNvSpPr txBox="1"/>
+          <p:nvPr/>
+        </p:nvSpPr>
+        <p:spPr>
+          <a:xfrm>
+            <a:off x="1772217" y="3590919"/>
+            <a:ext cx="311304" cy="369332"/>
+          </a:xfrm>
+          <a:prstGeom prst="rect">
+            <a:avLst/>
+          </a:prstGeom>
+          <a:noFill/>
+        </p:spPr>
+        <p:txBody>
+          <a:bodyPr wrap="none" rtlCol="0">
+            <a:spAutoFit/>
+          </a:bodyPr>
+          <a:lstStyle/>
+          <a:p>
+            <a:r>
+              <a:rPr lang="en-US" dirty="0" smtClean="0">
+                <a:solidFill>
+                  <a:srgbClr val="FF0000"/>
+                </a:solidFill>
+                <a:latin typeface="Consolas" panose="020B0609020204030204" pitchFamily="49" charset="0"/>
+                <a:cs typeface="Consolas" panose="020B0609020204030204" pitchFamily="49" charset="0"/>
+              </a:rPr>
+              <a:t>6</a:t>
+            </a:r>
+            <a:endParaRPr lang="en-IE" dirty="0">
+              <a:solidFill>
+                <a:srgbClr val="FF0000"/>
+              </a:solidFill>
+              <a:latin typeface="Consolas" panose="020B0609020204030204" pitchFamily="49" charset="0"/>
+              <a:cs typeface="Consolas" panose="020B0609020204030204" pitchFamily="49" charset="0"/>
+            </a:endParaRPr>
+          </a:p>
+        </p:txBody>
+      </p:sp>
+      <p:sp>
+        <p:nvSpPr>
+          <p:cNvPr id="37" name="TextBox 36"/>
+          <p:cNvSpPr txBox="1"/>
+          <p:nvPr/>
+        </p:nvSpPr>
+        <p:spPr>
+          <a:xfrm>
+            <a:off x="1377493" y="4270503"/>
+            <a:ext cx="437940" cy="369332"/>
+          </a:xfrm>
+          <a:prstGeom prst="rect">
+            <a:avLst/>
+          </a:prstGeom>
+          <a:noFill/>
+        </p:spPr>
+        <p:txBody>
+          <a:bodyPr wrap="none" rtlCol="0">
+            <a:spAutoFit/>
+          </a:bodyPr>
+          <a:lstStyle/>
+          <a:p>
+            <a:r>
+              <a:rPr lang="en-US" dirty="0" smtClean="0">
+                <a:solidFill>
+                  <a:srgbClr val="FF0000"/>
+                </a:solidFill>
+                <a:latin typeface="Consolas" panose="020B0609020204030204" pitchFamily="49" charset="0"/>
+                <a:cs typeface="Consolas" panose="020B0609020204030204" pitchFamily="49" charset="0"/>
+              </a:rPr>
+              <a:t>12</a:t>
+            </a:r>
+            <a:endParaRPr lang="en-IE" dirty="0">
+              <a:solidFill>
+                <a:srgbClr val="FF0000"/>
+              </a:solidFill>
+              <a:latin typeface="Consolas" panose="020B0609020204030204" pitchFamily="49" charset="0"/>
+              <a:cs typeface="Consolas" panose="020B0609020204030204" pitchFamily="49" charset="0"/>
+            </a:endParaRPr>
+          </a:p>
+        </p:txBody>
+      </p:sp>
+      <p:sp>
+        <p:nvSpPr>
+          <p:cNvPr id="38" name="TextBox 37"/>
+          <p:cNvSpPr txBox="1"/>
+          <p:nvPr/>
+        </p:nvSpPr>
+        <p:spPr>
+          <a:xfrm>
+            <a:off x="4060281" y="5121340"/>
+            <a:ext cx="311304" cy="369332"/>
+          </a:xfrm>
+          <a:prstGeom prst="rect">
+            <a:avLst/>
+          </a:prstGeom>
+          <a:noFill/>
+        </p:spPr>
+        <p:txBody>
+          <a:bodyPr wrap="none" rtlCol="0">
+            <a:spAutoFit/>
+          </a:bodyPr>
+          <a:lstStyle/>
+          <a:p>
+            <a:r>
+              <a:rPr lang="en-US" dirty="0" smtClean="0">
+                <a:solidFill>
+                  <a:srgbClr val="FF0000"/>
+                </a:solidFill>
+                <a:latin typeface="Consolas" panose="020B0609020204030204" pitchFamily="49" charset="0"/>
+                <a:cs typeface="Consolas" panose="020B0609020204030204" pitchFamily="49" charset="0"/>
+              </a:rPr>
+              <a:t>4</a:t>
+            </a:r>
+            <a:endParaRPr lang="en-IE" dirty="0">
+              <a:solidFill>
+                <a:srgbClr val="FF0000"/>
+              </a:solidFill>
+              <a:latin typeface="Consolas" panose="020B0609020204030204" pitchFamily="49" charset="0"/>
+              <a:cs typeface="Consolas" panose="020B0609020204030204" pitchFamily="49" charset="0"/>
+            </a:endParaRPr>
+          </a:p>
+        </p:txBody>
+      </p:sp>
+      <p:sp>
+        <p:nvSpPr>
+          <p:cNvPr id="39" name="TextBox 38"/>
+          <p:cNvSpPr txBox="1"/>
+          <p:nvPr/>
+        </p:nvSpPr>
+        <p:spPr>
+          <a:xfrm>
+            <a:off x="1796197" y="4615838"/>
+            <a:ext cx="311304" cy="369332"/>
+          </a:xfrm>
+          <a:prstGeom prst="rect">
+            <a:avLst/>
+          </a:prstGeom>
+          <a:noFill/>
+        </p:spPr>
+        <p:txBody>
+          <a:bodyPr wrap="none" rtlCol="0">
+            <a:spAutoFit/>
+          </a:bodyPr>
+          <a:lstStyle/>
+          <a:p>
+            <a:r>
+              <a:rPr lang="en-US" dirty="0" smtClean="0">
+                <a:solidFill>
+                  <a:srgbClr val="FF0000"/>
+                </a:solidFill>
+                <a:latin typeface="Consolas" panose="020B0609020204030204" pitchFamily="49" charset="0"/>
+                <a:cs typeface="Consolas" panose="020B0609020204030204" pitchFamily="49" charset="0"/>
+              </a:rPr>
+              <a:t>6</a:t>
+            </a:r>
+            <a:endParaRPr lang="en-IE" dirty="0">
+              <a:solidFill>
+                <a:srgbClr val="FF0000"/>
+              </a:solidFill>
+              <a:latin typeface="Consolas" panose="020B0609020204030204" pitchFamily="49" charset="0"/>
+              <a:cs typeface="Consolas" panose="020B0609020204030204" pitchFamily="49" charset="0"/>
+            </a:endParaRPr>
+          </a:p>
+        </p:txBody>
+      </p:sp>
+      <p:sp>
+        <p:nvSpPr>
+          <p:cNvPr id="40" name="TextBox 39"/>
+          <p:cNvSpPr txBox="1"/>
+          <p:nvPr/>
+        </p:nvSpPr>
+        <p:spPr>
+          <a:xfrm>
+            <a:off x="1791126" y="5024675"/>
+            <a:ext cx="311304" cy="369332"/>
+          </a:xfrm>
+          <a:prstGeom prst="rect">
+            <a:avLst/>
+          </a:prstGeom>
+          <a:noFill/>
+        </p:spPr>
+        <p:txBody>
+          <a:bodyPr wrap="none" rtlCol="0">
+            <a:spAutoFit/>
+          </a:bodyPr>
+          <a:lstStyle/>
+          <a:p>
+            <a:r>
+              <a:rPr lang="en-US" dirty="0" smtClean="0">
+                <a:solidFill>
+                  <a:srgbClr val="FF0000"/>
+                </a:solidFill>
+                <a:latin typeface="Consolas" panose="020B0609020204030204" pitchFamily="49" charset="0"/>
+                <a:cs typeface="Consolas" panose="020B0609020204030204" pitchFamily="49" charset="0"/>
+              </a:rPr>
+              <a:t>6</a:t>
+            </a:r>
+            <a:endParaRPr lang="en-IE" dirty="0">
+              <a:solidFill>
+                <a:srgbClr val="FF0000"/>
+              </a:solidFill>
+              <a:latin typeface="Consolas" panose="020B0609020204030204" pitchFamily="49" charset="0"/>
+              <a:cs typeface="Consolas" panose="020B0609020204030204" pitchFamily="49" charset="0"/>
+            </a:endParaRPr>
+          </a:p>
+        </p:txBody>
+      </p:sp>
+      <p:cxnSp>
+        <p:nvCxnSpPr>
+          <p:cNvPr id="19" name="Straight Connector 18"/>
+          <p:cNvCxnSpPr/>
+          <p:nvPr/>
+        </p:nvCxnSpPr>
+        <p:spPr>
+          <a:xfrm>
+            <a:off x="6312719" y="1682172"/>
+            <a:ext cx="0" cy="2977888"/>
+          </a:xfrm>
+          <a:prstGeom prst="line">
+            <a:avLst/>
+          </a:prstGeom>
+          <a:ln w="12700">
+            <a:solidFill>
+              <a:srgbClr val="00B050"/>
+            </a:solidFill>
+            <a:prstDash val="dash"/>
+          </a:ln>
+        </p:spPr>
+        <p:style>
+          <a:lnRef idx="1">
+            <a:schemeClr val="accent1"/>
+          </a:lnRef>
+          <a:fillRef idx="0">
+            <a:schemeClr val="accent1"/>
+          </a:fillRef>
+          <a:effectRef idx="0">
+            <a:schemeClr val="accent1"/>
+          </a:effectRef>
+          <a:fontRef idx="minor">
+            <a:schemeClr val="tx1"/>
+          </a:fontRef>
+        </p:style>
+      </p:cxnSp>
+      <p:cxnSp>
+        <p:nvCxnSpPr>
+          <p:cNvPr id="43" name="Straight Connector 42"/>
+          <p:cNvCxnSpPr/>
+          <p:nvPr/>
+        </p:nvCxnSpPr>
+        <p:spPr>
+          <a:xfrm>
+            <a:off x="6725623" y="1666114"/>
+            <a:ext cx="0" cy="2977888"/>
+          </a:xfrm>
+          <a:prstGeom prst="line">
+            <a:avLst/>
+          </a:prstGeom>
+          <a:ln w="12700">
+            <a:solidFill>
+              <a:srgbClr val="00B050"/>
+            </a:solidFill>
+            <a:prstDash val="dash"/>
+          </a:ln>
+        </p:spPr>
+        <p:style>
+          <a:lnRef idx="1">
+            <a:schemeClr val="accent1"/>
+          </a:lnRef>
+          <a:fillRef idx="0">
+            <a:schemeClr val="accent1"/>
+          </a:fillRef>
+          <a:effectRef idx="0">
+            <a:schemeClr val="accent1"/>
+          </a:effectRef>
+          <a:fontRef idx="minor">
+            <a:schemeClr val="tx1"/>
+          </a:fontRef>
+        </p:style>
+      </p:cxnSp>
+      <p:cxnSp>
+        <p:nvCxnSpPr>
+          <p:cNvPr id="44" name="Straight Connector 43"/>
+          <p:cNvCxnSpPr/>
+          <p:nvPr/>
+        </p:nvCxnSpPr>
+        <p:spPr>
+          <a:xfrm>
+            <a:off x="7159061" y="1679825"/>
+            <a:ext cx="0" cy="2977888"/>
+          </a:xfrm>
+          <a:prstGeom prst="line">
+            <a:avLst/>
+          </a:prstGeom>
+          <a:ln w="12700">
+            <a:solidFill>
+              <a:srgbClr val="00B050"/>
+            </a:solidFill>
+            <a:prstDash val="dash"/>
+          </a:ln>
+        </p:spPr>
+        <p:style>
+          <a:lnRef idx="1">
+            <a:schemeClr val="accent1"/>
+          </a:lnRef>
+          <a:fillRef idx="0">
+            <a:schemeClr val="accent1"/>
+          </a:fillRef>
+          <a:effectRef idx="0">
+            <a:schemeClr val="accent1"/>
+          </a:effectRef>
+          <a:fontRef idx="minor">
+            <a:schemeClr val="tx1"/>
+          </a:fontRef>
+        </p:style>
+      </p:cxnSp>
+      <p:cxnSp>
+        <p:nvCxnSpPr>
+          <p:cNvPr id="45" name="Straight Connector 44"/>
+          <p:cNvCxnSpPr/>
+          <p:nvPr/>
+        </p:nvCxnSpPr>
+        <p:spPr>
+          <a:xfrm>
+            <a:off x="8205019" y="1695903"/>
+            <a:ext cx="0" cy="2977888"/>
+          </a:xfrm>
+          <a:prstGeom prst="line">
+            <a:avLst/>
+          </a:prstGeom>
+          <a:ln w="12700">
+            <a:solidFill>
+              <a:srgbClr val="00B050"/>
+            </a:solidFill>
+            <a:prstDash val="dash"/>
+          </a:ln>
+        </p:spPr>
+        <p:style>
+          <a:lnRef idx="1">
+            <a:schemeClr val="accent1"/>
+          </a:lnRef>
+          <a:fillRef idx="0">
+            <a:schemeClr val="accent1"/>
+          </a:fillRef>
+          <a:effectRef idx="0">
+            <a:schemeClr val="accent1"/>
+          </a:effectRef>
+          <a:fontRef idx="minor">
+            <a:schemeClr val="tx1"/>
+          </a:fontRef>
+        </p:style>
+      </p:cxnSp>
+      <p:cxnSp>
+        <p:nvCxnSpPr>
+          <p:cNvPr id="46" name="Straight Connector 45"/>
+          <p:cNvCxnSpPr/>
+          <p:nvPr/>
+        </p:nvCxnSpPr>
+        <p:spPr>
+          <a:xfrm>
+            <a:off x="9797107" y="1704214"/>
+            <a:ext cx="0" cy="2977888"/>
+          </a:xfrm>
+          <a:prstGeom prst="line">
+            <a:avLst/>
+          </a:prstGeom>
+          <a:ln w="12700">
+            <a:solidFill>
+              <a:srgbClr val="00B050"/>
+            </a:solidFill>
+            <a:prstDash val="dash"/>
+          </a:ln>
+        </p:spPr>
+        <p:style>
+          <a:lnRef idx="1">
+            <a:schemeClr val="accent1"/>
+          </a:lnRef>
+          <a:fillRef idx="0">
+            <a:schemeClr val="accent1"/>
+          </a:fillRef>
+          <a:effectRef idx="0">
+            <a:schemeClr val="accent1"/>
+          </a:effectRef>
+          <a:fontRef idx="minor">
+            <a:schemeClr val="tx1"/>
+          </a:fontRef>
+        </p:style>
+      </p:cxnSp>
+      <p:cxnSp>
+        <p:nvCxnSpPr>
+          <p:cNvPr id="47" name="Straight Connector 46"/>
+          <p:cNvCxnSpPr/>
+          <p:nvPr/>
+        </p:nvCxnSpPr>
+        <p:spPr>
+          <a:xfrm>
+            <a:off x="10192898" y="1704214"/>
+            <a:ext cx="0" cy="2977888"/>
+          </a:xfrm>
+          <a:prstGeom prst="line">
+            <a:avLst/>
+          </a:prstGeom>
+          <a:ln w="12700">
+            <a:solidFill>
+              <a:srgbClr val="00B050"/>
+            </a:solidFill>
+            <a:prstDash val="dash"/>
+          </a:ln>
+        </p:spPr>
+        <p:style>
+          <a:lnRef idx="1">
+            <a:schemeClr val="accent1"/>
+          </a:lnRef>
+          <a:fillRef idx="0">
+            <a:schemeClr val="accent1"/>
+          </a:fillRef>
+          <a:effectRef idx="0">
+            <a:schemeClr val="accent1"/>
+          </a:effectRef>
+          <a:fontRef idx="minor">
+            <a:schemeClr val="tx1"/>
+          </a:fontRef>
+        </p:style>
+      </p:cxnSp>
+      <p:sp>
+        <p:nvSpPr>
+          <p:cNvPr id="48" name="TextBox 47"/>
+          <p:cNvSpPr txBox="1"/>
+          <p:nvPr/>
+        </p:nvSpPr>
+        <p:spPr>
+          <a:xfrm>
+            <a:off x="6169848" y="1167240"/>
+            <a:ext cx="311304" cy="369332"/>
+          </a:xfrm>
+          <a:prstGeom prst="rect">
+            <a:avLst/>
+          </a:prstGeom>
+          <a:noFill/>
+        </p:spPr>
+        <p:txBody>
+          <a:bodyPr wrap="none" rtlCol="0">
+            <a:spAutoFit/>
+          </a:bodyPr>
+          <a:lstStyle/>
+          <a:p>
+            <a:r>
+              <a:rPr lang="en-US" dirty="0">
+                <a:solidFill>
+                  <a:srgbClr val="00B050"/>
+                </a:solidFill>
+                <a:latin typeface="Consolas" panose="020B0609020204030204" pitchFamily="49" charset="0"/>
+                <a:cs typeface="Consolas" panose="020B0609020204030204" pitchFamily="49" charset="0"/>
+              </a:rPr>
+              <a:t>0</a:t>
+            </a:r>
+            <a:endParaRPr lang="en-IE" dirty="0">
+              <a:solidFill>
+                <a:srgbClr val="00B050"/>
+              </a:solidFill>
+              <a:latin typeface="Consolas" panose="020B0609020204030204" pitchFamily="49" charset="0"/>
+              <a:cs typeface="Consolas" panose="020B0609020204030204" pitchFamily="49" charset="0"/>
+            </a:endParaRPr>
+          </a:p>
+        </p:txBody>
+      </p:sp>
+      <p:sp>
+        <p:nvSpPr>
+          <p:cNvPr id="49" name="TextBox 48"/>
+          <p:cNvSpPr txBox="1"/>
+          <p:nvPr/>
+        </p:nvSpPr>
+        <p:spPr>
+          <a:xfrm>
+            <a:off x="6569971" y="1167240"/>
+            <a:ext cx="437940" cy="369332"/>
+          </a:xfrm>
+          <a:prstGeom prst="rect">
+            <a:avLst/>
+          </a:prstGeom>
+          <a:noFill/>
+        </p:spPr>
+        <p:txBody>
+          <a:bodyPr wrap="none" rtlCol="0">
+            <a:spAutoFit/>
+          </a:bodyPr>
+          <a:lstStyle/>
+          <a:p>
+            <a:pPr algn="ctr"/>
+            <a:r>
+              <a:rPr lang="en-US" dirty="0" smtClean="0">
+                <a:solidFill>
+                  <a:srgbClr val="00B050"/>
+                </a:solidFill>
+                <a:latin typeface="Consolas" panose="020B0609020204030204" pitchFamily="49" charset="0"/>
+                <a:cs typeface="Consolas" panose="020B0609020204030204" pitchFamily="49" charset="0"/>
+              </a:rPr>
+              <a:t>40</a:t>
+            </a:r>
+            <a:endParaRPr lang="en-IE" dirty="0">
+              <a:solidFill>
+                <a:srgbClr val="00B050"/>
+              </a:solidFill>
+              <a:latin typeface="Consolas" panose="020B0609020204030204" pitchFamily="49" charset="0"/>
+              <a:cs typeface="Consolas" panose="020B0609020204030204" pitchFamily="49" charset="0"/>
+            </a:endParaRPr>
+          </a:p>
+        </p:txBody>
+      </p:sp>
+      <p:sp>
+        <p:nvSpPr>
+          <p:cNvPr id="50" name="TextBox 49"/>
+          <p:cNvSpPr txBox="1"/>
+          <p:nvPr/>
+        </p:nvSpPr>
+        <p:spPr>
+          <a:xfrm>
+            <a:off x="7014578" y="1167240"/>
+            <a:ext cx="437940" cy="369332"/>
+          </a:xfrm>
+          <a:prstGeom prst="rect">
+            <a:avLst/>
+          </a:prstGeom>
+          <a:noFill/>
+        </p:spPr>
+        <p:txBody>
+          <a:bodyPr wrap="none" rtlCol="0">
+            <a:spAutoFit/>
+          </a:bodyPr>
+          <a:lstStyle/>
+          <a:p>
+            <a:r>
+              <a:rPr lang="en-US" dirty="0" smtClean="0">
+                <a:solidFill>
+                  <a:srgbClr val="00B050"/>
+                </a:solidFill>
+                <a:latin typeface="Consolas" panose="020B0609020204030204" pitchFamily="49" charset="0"/>
+                <a:cs typeface="Consolas" panose="020B0609020204030204" pitchFamily="49" charset="0"/>
+              </a:rPr>
+              <a:t>80</a:t>
+            </a:r>
+            <a:endParaRPr lang="en-IE" dirty="0">
+              <a:solidFill>
+                <a:srgbClr val="00B050"/>
+              </a:solidFill>
+              <a:latin typeface="Consolas" panose="020B0609020204030204" pitchFamily="49" charset="0"/>
+              <a:cs typeface="Consolas" panose="020B0609020204030204" pitchFamily="49" charset="0"/>
+            </a:endParaRPr>
+          </a:p>
+        </p:txBody>
+      </p:sp>
+      <p:sp>
+        <p:nvSpPr>
+          <p:cNvPr id="51" name="TextBox 50"/>
+          <p:cNvSpPr txBox="1"/>
+          <p:nvPr/>
+        </p:nvSpPr>
+        <p:spPr>
+          <a:xfrm>
+            <a:off x="7904587" y="1167240"/>
+            <a:ext cx="564578" cy="369332"/>
+          </a:xfrm>
+          <a:prstGeom prst="rect">
+            <a:avLst/>
+          </a:prstGeom>
+          <a:noFill/>
+        </p:spPr>
+        <p:txBody>
+          <a:bodyPr wrap="none" rtlCol="0">
+            <a:spAutoFit/>
+          </a:bodyPr>
+          <a:lstStyle/>
+          <a:p>
+            <a:r>
+              <a:rPr lang="en-US" dirty="0" smtClean="0">
+                <a:solidFill>
+                  <a:srgbClr val="00B050"/>
+                </a:solidFill>
+                <a:latin typeface="Consolas" panose="020B0609020204030204" pitchFamily="49" charset="0"/>
+                <a:cs typeface="Consolas" panose="020B0609020204030204" pitchFamily="49" charset="0"/>
+              </a:rPr>
+              <a:t>180</a:t>
+            </a:r>
+            <a:endParaRPr lang="en-IE" dirty="0">
+              <a:solidFill>
+                <a:srgbClr val="00B050"/>
+              </a:solidFill>
+              <a:latin typeface="Consolas" panose="020B0609020204030204" pitchFamily="49" charset="0"/>
+              <a:cs typeface="Consolas" panose="020B0609020204030204" pitchFamily="49" charset="0"/>
+            </a:endParaRPr>
+          </a:p>
+        </p:txBody>
+      </p:sp>
+      <p:sp>
+        <p:nvSpPr>
+          <p:cNvPr id="52" name="TextBox 51"/>
+          <p:cNvSpPr txBox="1"/>
+          <p:nvPr/>
+        </p:nvSpPr>
+        <p:spPr>
+          <a:xfrm>
+            <a:off x="9495856" y="1167240"/>
+            <a:ext cx="564578" cy="369332"/>
+          </a:xfrm>
+          <a:prstGeom prst="rect">
+            <a:avLst/>
+          </a:prstGeom>
+          <a:noFill/>
+        </p:spPr>
+        <p:txBody>
+          <a:bodyPr wrap="none" rtlCol="0">
+            <a:spAutoFit/>
+          </a:bodyPr>
+          <a:lstStyle/>
+          <a:p>
+            <a:r>
+              <a:rPr lang="en-US" dirty="0">
+                <a:solidFill>
+                  <a:srgbClr val="00B050"/>
+                </a:solidFill>
+                <a:latin typeface="Consolas" panose="020B0609020204030204" pitchFamily="49" charset="0"/>
+                <a:cs typeface="Consolas" panose="020B0609020204030204" pitchFamily="49" charset="0"/>
+              </a:rPr>
+              <a:t>3</a:t>
+            </a:r>
+            <a:r>
+              <a:rPr lang="en-US" dirty="0" smtClean="0">
+                <a:solidFill>
+                  <a:srgbClr val="00B050"/>
+                </a:solidFill>
+                <a:latin typeface="Consolas" panose="020B0609020204030204" pitchFamily="49" charset="0"/>
+                <a:cs typeface="Consolas" panose="020B0609020204030204" pitchFamily="49" charset="0"/>
+              </a:rPr>
+              <a:t>30</a:t>
+            </a:r>
+            <a:endParaRPr lang="en-IE" dirty="0">
+              <a:solidFill>
+                <a:srgbClr val="00B050"/>
+              </a:solidFill>
+              <a:latin typeface="Consolas" panose="020B0609020204030204" pitchFamily="49" charset="0"/>
+              <a:cs typeface="Consolas" panose="020B0609020204030204" pitchFamily="49" charset="0"/>
+            </a:endParaRPr>
+          </a:p>
+        </p:txBody>
+      </p:sp>
+      <p:sp>
+        <p:nvSpPr>
+          <p:cNvPr id="53" name="TextBox 52"/>
+          <p:cNvSpPr txBox="1"/>
+          <p:nvPr/>
+        </p:nvSpPr>
+        <p:spPr>
+          <a:xfrm>
+            <a:off x="10042064" y="1167240"/>
+            <a:ext cx="564578" cy="369332"/>
+          </a:xfrm>
+          <a:prstGeom prst="rect">
+            <a:avLst/>
+          </a:prstGeom>
+          <a:noFill/>
+        </p:spPr>
+        <p:txBody>
+          <a:bodyPr wrap="none" rtlCol="0">
+            <a:spAutoFit/>
+          </a:bodyPr>
+          <a:lstStyle/>
+          <a:p>
+            <a:r>
+              <a:rPr lang="en-US" dirty="0" smtClean="0">
+                <a:solidFill>
+                  <a:srgbClr val="00B050"/>
+                </a:solidFill>
+                <a:latin typeface="Consolas" panose="020B0609020204030204" pitchFamily="49" charset="0"/>
+                <a:cs typeface="Consolas" panose="020B0609020204030204" pitchFamily="49" charset="0"/>
+              </a:rPr>
+              <a:t>369</a:t>
+            </a:r>
+            <a:endParaRPr lang="en-IE" dirty="0">
+              <a:solidFill>
+                <a:srgbClr val="00B050"/>
+              </a:solidFill>
+              <a:latin typeface="Consolas" panose="020B0609020204030204" pitchFamily="49" charset="0"/>
+              <a:cs typeface="Consolas" panose="020B0609020204030204" pitchFamily="49" charset="0"/>
+            </a:endParaRPr>
+          </a:p>
+        </p:txBody>
+      </p:sp>
+      <p:cxnSp>
+        <p:nvCxnSpPr>
+          <p:cNvPr id="54" name="Straight Connector 53"/>
+          <p:cNvCxnSpPr/>
+          <p:nvPr/>
+        </p:nvCxnSpPr>
+        <p:spPr>
+          <a:xfrm>
+            <a:off x="8569663" y="1683811"/>
+            <a:ext cx="0" cy="2977888"/>
+          </a:xfrm>
+          <a:prstGeom prst="line">
+            <a:avLst/>
+          </a:prstGeom>
+          <a:ln w="12700">
+            <a:solidFill>
+              <a:srgbClr val="00B050"/>
+            </a:solidFill>
+            <a:prstDash val="dash"/>
+          </a:ln>
+        </p:spPr>
+        <p:style>
+          <a:lnRef idx="1">
+            <a:schemeClr val="accent1"/>
+          </a:lnRef>
+          <a:fillRef idx="0">
+            <a:schemeClr val="accent1"/>
+          </a:fillRef>
+          <a:effectRef idx="0">
+            <a:schemeClr val="accent1"/>
+          </a:effectRef>
+          <a:fontRef idx="minor">
+            <a:schemeClr val="tx1"/>
+          </a:fontRef>
+        </p:style>
+      </p:cxnSp>
+      <p:sp>
+        <p:nvSpPr>
+          <p:cNvPr id="55" name="TextBox 54"/>
+          <p:cNvSpPr txBox="1"/>
+          <p:nvPr/>
+        </p:nvSpPr>
+        <p:spPr>
+          <a:xfrm>
+            <a:off x="8417932" y="1171503"/>
+            <a:ext cx="564578" cy="369332"/>
+          </a:xfrm>
+          <a:prstGeom prst="rect">
+            <a:avLst/>
+          </a:prstGeom>
+          <a:noFill/>
+        </p:spPr>
+        <p:txBody>
+          <a:bodyPr wrap="none" rtlCol="0">
+            <a:spAutoFit/>
+          </a:bodyPr>
+          <a:lstStyle/>
+          <a:p>
+            <a:r>
+              <a:rPr lang="en-US" dirty="0" smtClean="0">
+                <a:solidFill>
+                  <a:srgbClr val="00B050"/>
+                </a:solidFill>
+                <a:latin typeface="Consolas" panose="020B0609020204030204" pitchFamily="49" charset="0"/>
+                <a:cs typeface="Consolas" panose="020B0609020204030204" pitchFamily="49" charset="0"/>
+              </a:rPr>
+              <a:t>220</a:t>
+            </a:r>
+            <a:endParaRPr lang="en-IE" dirty="0">
+              <a:solidFill>
+                <a:srgbClr val="00B050"/>
+              </a:solidFill>
+              <a:latin typeface="Consolas" panose="020B0609020204030204" pitchFamily="49" charset="0"/>
+              <a:cs typeface="Consolas" panose="020B0609020204030204" pitchFamily="49" charset="0"/>
+            </a:endParaRPr>
+          </a:p>
+        </p:txBody>
+      </p:sp>
+      <p:sp>
+        <p:nvSpPr>
+          <p:cNvPr id="56" name="TextBox 55"/>
+          <p:cNvSpPr txBox="1"/>
+          <p:nvPr/>
+        </p:nvSpPr>
+        <p:spPr>
+          <a:xfrm>
+            <a:off x="4284879" y="5769014"/>
+            <a:ext cx="3783294" cy="461665"/>
+          </a:xfrm>
+          <a:prstGeom prst="rect">
+            <a:avLst/>
+          </a:prstGeom>
+          <a:noFill/>
+        </p:spPr>
+        <p:txBody>
+          <a:bodyPr wrap="square" rtlCol="0">
+            <a:spAutoFit/>
+          </a:bodyPr>
+          <a:lstStyle/>
+          <a:p>
+            <a:pPr algn="ctr"/>
+            <a:r>
+              <a:rPr lang="en-US" sz="2400" dirty="0" smtClean="0">
+                <a:solidFill>
+                  <a:srgbClr val="FF0000"/>
+                </a:solidFill>
+                <a:latin typeface="Consolas" panose="020B0609020204030204" pitchFamily="49" charset="0"/>
+                <a:cs typeface="Consolas" panose="020B0609020204030204" pitchFamily="49" charset="0"/>
+              </a:rPr>
+              <a:t>Total </a:t>
+            </a:r>
+            <a:r>
+              <a:rPr lang="en-US" sz="2400" dirty="0" err="1" smtClean="0">
+                <a:solidFill>
+                  <a:srgbClr val="FF0000"/>
+                </a:solidFill>
+                <a:latin typeface="Consolas" panose="020B0609020204030204" pitchFamily="49" charset="0"/>
+                <a:cs typeface="Consolas" panose="020B0609020204030204" pitchFamily="49" charset="0"/>
+              </a:rPr>
+              <a:t>nseg</a:t>
+            </a:r>
+            <a:r>
+              <a:rPr lang="en-US" sz="2400" dirty="0" smtClean="0">
+                <a:solidFill>
+                  <a:srgbClr val="FF0000"/>
+                </a:solidFill>
+                <a:latin typeface="Consolas" panose="020B0609020204030204" pitchFamily="49" charset="0"/>
+                <a:cs typeface="Consolas" panose="020B0609020204030204" pitchFamily="49" charset="0"/>
+              </a:rPr>
+              <a:t> = </a:t>
+            </a:r>
+            <a:r>
+              <a:rPr lang="en-US" sz="2400" dirty="0" smtClean="0">
+                <a:solidFill>
+                  <a:srgbClr val="FF0000"/>
+                </a:solidFill>
+                <a:latin typeface="Consolas" panose="020B0609020204030204" pitchFamily="49" charset="0"/>
+                <a:cs typeface="Consolas" panose="020B0609020204030204" pitchFamily="49" charset="0"/>
+              </a:rPr>
+              <a:t>189</a:t>
+            </a:r>
+            <a:endParaRPr lang="en-IE" sz="1400" dirty="0">
+              <a:solidFill>
+                <a:srgbClr val="FF0000"/>
+              </a:solidFill>
+              <a:latin typeface="Consolas" panose="020B0609020204030204" pitchFamily="49" charset="0"/>
+              <a:cs typeface="Consolas" panose="020B0609020204030204" pitchFamily="49" charset="0"/>
+            </a:endParaRPr>
+          </a:p>
+        </p:txBody>
+      </p:sp>
+    </p:spTree>
+    <p:extLst>
+      <p:ext uri="{BB962C8B-B14F-4D97-AF65-F5344CB8AC3E}">
+        <p14:creationId xmlns:p14="http://schemas.microsoft.com/office/powerpoint/2010/main" val="3913091955"/>
+      </p:ext>
+    </p:extLst>
+  </p:cSld>
+  <p:clrMapOvr>
+    <a:masterClrMapping/>
+  </p:clrMapOvr>
+</p:sld>
+</file>
+
+<file path=ppt/slides/slide4.xml><?xml version="1.0" encoding="utf-8"?>
+<p:sld xmlns:a="http://schemas.openxmlformats.org/drawingml/2006/main" xmlns:r="http://schemas.openxmlformats.org/officeDocument/2006/relationships" xmlns:p="http://schemas.openxmlformats.org/presentationml/2006/main">
+  <p:cSld>
+    <p:spTree>
+      <p:nvGrpSpPr>
+        <p:cNvPr id="1" name=""/>
+        <p:cNvGrpSpPr/>
+        <p:nvPr/>
+      </p:nvGrpSpPr>
+      <p:grpSpPr>
+        <a:xfrm>
+          <a:off x="0" y="0"/>
+          <a:ext cx="0" cy="0"/>
+          <a:chOff x="0" y="0"/>
+          <a:chExt cx="0" cy="0"/>
+        </a:xfrm>
+      </p:grpSpPr>
+      <p:pic>
+        <p:nvPicPr>
+          <p:cNvPr id="4" name="Picture 3"/>
+          <p:cNvPicPr>
+            <a:picLocks noChangeAspect="1"/>
+          </p:cNvPicPr>
+          <p:nvPr/>
+        </p:nvPicPr>
+        <p:blipFill>
+          <a:blip r:embed="rId2"/>
+          <a:stretch>
+            <a:fillRect/>
+          </a:stretch>
+        </p:blipFill>
+        <p:spPr>
+          <a:xfrm>
+            <a:off x="1662266" y="777978"/>
+            <a:ext cx="8691102" cy="4716102"/>
+          </a:xfrm>
+          <a:prstGeom prst="rect">
+            <a:avLst/>
+          </a:prstGeom>
+        </p:spPr>
+      </p:pic>
+      <p:sp>
+        <p:nvSpPr>
+          <p:cNvPr id="5" name="TextBox 4"/>
+          <p:cNvSpPr txBox="1"/>
+          <p:nvPr/>
+        </p:nvSpPr>
+        <p:spPr>
+          <a:xfrm>
+            <a:off x="9796288" y="1976283"/>
+            <a:ext cx="691215" cy="369332"/>
+          </a:xfrm>
+          <a:prstGeom prst="rect">
+            <a:avLst/>
+          </a:prstGeom>
+          <a:noFill/>
+        </p:spPr>
+        <p:txBody>
+          <a:bodyPr wrap="none" rtlCol="0">
+            <a:spAutoFit/>
+          </a:bodyPr>
+          <a:lstStyle/>
+          <a:p>
+            <a:r>
+              <a:rPr lang="en-US" dirty="0" smtClean="0">
+                <a:solidFill>
+                  <a:srgbClr val="FF0000"/>
+                </a:solidFill>
+                <a:latin typeface="Consolas" panose="020B0609020204030204" pitchFamily="49" charset="0"/>
+                <a:cs typeface="Consolas" panose="020B0609020204030204" pitchFamily="49" charset="0"/>
+              </a:rPr>
+              <a:t>0.49</a:t>
+            </a:r>
+            <a:endParaRPr lang="en-IE" dirty="0">
+              <a:solidFill>
+                <a:srgbClr val="FF0000"/>
+              </a:solidFill>
+              <a:latin typeface="Consolas" panose="020B0609020204030204" pitchFamily="49" charset="0"/>
+              <a:cs typeface="Consolas" panose="020B0609020204030204" pitchFamily="49" charset="0"/>
+            </a:endParaRPr>
+          </a:p>
+        </p:txBody>
+      </p:sp>
+      <p:sp>
+        <p:nvSpPr>
+          <p:cNvPr id="6" name="TextBox 5"/>
+          <p:cNvSpPr txBox="1"/>
+          <p:nvPr/>
+        </p:nvSpPr>
+        <p:spPr>
+          <a:xfrm>
+            <a:off x="9796288" y="2433483"/>
+            <a:ext cx="691215" cy="369332"/>
+          </a:xfrm>
+          <a:prstGeom prst="rect">
+            <a:avLst/>
+          </a:prstGeom>
+          <a:noFill/>
+        </p:spPr>
+        <p:txBody>
+          <a:bodyPr wrap="none" rtlCol="0">
+            <a:spAutoFit/>
+          </a:bodyPr>
+          <a:lstStyle/>
+          <a:p>
+            <a:r>
+              <a:rPr lang="en-US" dirty="0" smtClean="0">
+                <a:solidFill>
+                  <a:srgbClr val="FF0000"/>
+                </a:solidFill>
+                <a:latin typeface="Consolas" panose="020B0609020204030204" pitchFamily="49" charset="0"/>
+                <a:cs typeface="Consolas" panose="020B0609020204030204" pitchFamily="49" charset="0"/>
+              </a:rPr>
+              <a:t>0.49</a:t>
+            </a:r>
+            <a:endParaRPr lang="en-IE" dirty="0">
+              <a:solidFill>
+                <a:srgbClr val="FF0000"/>
+              </a:solidFill>
+              <a:latin typeface="Consolas" panose="020B0609020204030204" pitchFamily="49" charset="0"/>
+              <a:cs typeface="Consolas" panose="020B0609020204030204" pitchFamily="49" charset="0"/>
             </a:endParaRPr>
           </a:p>
         </p:txBody>
@@ -3166,7 +7068,7 @@
         <p:spPr>
           <a:xfrm>
             <a:off x="10179379" y="2766697"/>
-            <a:ext cx="301686" cy="369332"/>
+            <a:ext cx="691215" cy="369332"/>
           </a:xfrm>
           <a:prstGeom prst="rect">
             <a:avLst/>
@@ -3184,6 +7086,819 @@
                 <a:solidFill>
                   <a:srgbClr val="FF0000"/>
                 </a:solidFill>
+                <a:latin typeface="Consolas" panose="020B0609020204030204" pitchFamily="49" charset="0"/>
+                <a:cs typeface="Consolas" panose="020B0609020204030204" pitchFamily="49" charset="0"/>
+              </a:rPr>
+              <a:t>0.77</a:t>
+            </a:r>
+            <a:endParaRPr lang="en-IE" dirty="0">
+              <a:solidFill>
+                <a:srgbClr val="FF0000"/>
+              </a:solidFill>
+              <a:latin typeface="Consolas" panose="020B0609020204030204" pitchFamily="49" charset="0"/>
+              <a:cs typeface="Consolas" panose="020B0609020204030204" pitchFamily="49" charset="0"/>
+            </a:endParaRPr>
+          </a:p>
+        </p:txBody>
+      </p:sp>
+      <p:sp>
+        <p:nvSpPr>
+          <p:cNvPr id="8" name="TextBox 7"/>
+          <p:cNvSpPr txBox="1"/>
+          <p:nvPr/>
+        </p:nvSpPr>
+        <p:spPr>
+          <a:xfrm>
+            <a:off x="10179379" y="3136029"/>
+            <a:ext cx="691215" cy="369332"/>
+          </a:xfrm>
+          <a:prstGeom prst="rect">
+            <a:avLst/>
+          </a:prstGeom>
+          <a:noFill/>
+        </p:spPr>
+        <p:txBody>
+          <a:bodyPr wrap="none" rtlCol="0">
+            <a:spAutoFit/>
+          </a:bodyPr>
+          <a:lstStyle/>
+          <a:p>
+            <a:r>
+              <a:rPr lang="en-US" dirty="0" smtClean="0">
+                <a:solidFill>
+                  <a:srgbClr val="FF0000"/>
+                </a:solidFill>
+                <a:latin typeface="Consolas" panose="020B0609020204030204" pitchFamily="49" charset="0"/>
+                <a:cs typeface="Consolas" panose="020B0609020204030204" pitchFamily="49" charset="0"/>
+              </a:rPr>
+              <a:t>0.77</a:t>
+            </a:r>
+            <a:endParaRPr lang="en-IE" dirty="0">
+              <a:solidFill>
+                <a:srgbClr val="FF0000"/>
+              </a:solidFill>
+              <a:latin typeface="Consolas" panose="020B0609020204030204" pitchFamily="49" charset="0"/>
+              <a:cs typeface="Consolas" panose="020B0609020204030204" pitchFamily="49" charset="0"/>
+            </a:endParaRPr>
+          </a:p>
+        </p:txBody>
+      </p:sp>
+      <p:sp>
+        <p:nvSpPr>
+          <p:cNvPr id="11" name="TextBox 10"/>
+          <p:cNvSpPr txBox="1"/>
+          <p:nvPr/>
+        </p:nvSpPr>
+        <p:spPr>
+          <a:xfrm>
+            <a:off x="7471037" y="1907760"/>
+            <a:ext cx="691215" cy="369332"/>
+          </a:xfrm>
+          <a:prstGeom prst="rect">
+            <a:avLst/>
+          </a:prstGeom>
+          <a:noFill/>
+        </p:spPr>
+        <p:txBody>
+          <a:bodyPr wrap="none" rtlCol="0">
+            <a:spAutoFit/>
+          </a:bodyPr>
+          <a:lstStyle/>
+          <a:p>
+            <a:r>
+              <a:rPr lang="en-US" dirty="0" smtClean="0">
+                <a:solidFill>
+                  <a:srgbClr val="FF0000"/>
+                </a:solidFill>
+                <a:latin typeface="Consolas" panose="020B0609020204030204" pitchFamily="49" charset="0"/>
+                <a:cs typeface="Consolas" panose="020B0609020204030204" pitchFamily="49" charset="0"/>
+              </a:rPr>
+              <a:t>0.77</a:t>
+            </a:r>
+            <a:endParaRPr lang="en-IE" dirty="0">
+              <a:solidFill>
+                <a:srgbClr val="FF0000"/>
+              </a:solidFill>
+              <a:latin typeface="Consolas" panose="020B0609020204030204" pitchFamily="49" charset="0"/>
+              <a:cs typeface="Consolas" panose="020B0609020204030204" pitchFamily="49" charset="0"/>
+            </a:endParaRPr>
+          </a:p>
+        </p:txBody>
+      </p:sp>
+      <p:sp>
+        <p:nvSpPr>
+          <p:cNvPr id="13" name="TextBox 12"/>
+          <p:cNvSpPr txBox="1"/>
+          <p:nvPr/>
+        </p:nvSpPr>
+        <p:spPr>
+          <a:xfrm>
+            <a:off x="6459823" y="2193823"/>
+            <a:ext cx="691215" cy="369332"/>
+          </a:xfrm>
+          <a:prstGeom prst="rect">
+            <a:avLst/>
+          </a:prstGeom>
+          <a:noFill/>
+        </p:spPr>
+        <p:txBody>
+          <a:bodyPr wrap="none" rtlCol="0">
+            <a:spAutoFit/>
+          </a:bodyPr>
+          <a:lstStyle/>
+          <a:p>
+            <a:r>
+              <a:rPr lang="en-US" dirty="0" smtClean="0">
+                <a:solidFill>
+                  <a:srgbClr val="FF0000"/>
+                </a:solidFill>
+                <a:latin typeface="Consolas" panose="020B0609020204030204" pitchFamily="49" charset="0"/>
+                <a:cs typeface="Consolas" panose="020B0609020204030204" pitchFamily="49" charset="0"/>
+              </a:rPr>
+              <a:t>1.23</a:t>
+            </a:r>
+            <a:endParaRPr lang="en-IE" dirty="0">
+              <a:solidFill>
+                <a:srgbClr val="FF0000"/>
+              </a:solidFill>
+              <a:latin typeface="Consolas" panose="020B0609020204030204" pitchFamily="49" charset="0"/>
+              <a:cs typeface="Consolas" panose="020B0609020204030204" pitchFamily="49" charset="0"/>
+            </a:endParaRPr>
+          </a:p>
+        </p:txBody>
+      </p:sp>
+      <p:sp>
+        <p:nvSpPr>
+          <p:cNvPr id="15" name="TextBox 14"/>
+          <p:cNvSpPr txBox="1"/>
+          <p:nvPr/>
+        </p:nvSpPr>
+        <p:spPr>
+          <a:xfrm>
+            <a:off x="6075944" y="2664857"/>
+            <a:ext cx="691215" cy="369332"/>
+          </a:xfrm>
+          <a:prstGeom prst="rect">
+            <a:avLst/>
+          </a:prstGeom>
+          <a:noFill/>
+        </p:spPr>
+        <p:txBody>
+          <a:bodyPr wrap="none" rtlCol="0">
+            <a:spAutoFit/>
+          </a:bodyPr>
+          <a:lstStyle/>
+          <a:p>
+            <a:r>
+              <a:rPr lang="en-US" dirty="0" smtClean="0">
+                <a:solidFill>
+                  <a:srgbClr val="FF0000"/>
+                </a:solidFill>
+                <a:latin typeface="Consolas" panose="020B0609020204030204" pitchFamily="49" charset="0"/>
+                <a:cs typeface="Consolas" panose="020B0609020204030204" pitchFamily="49" charset="0"/>
+              </a:rPr>
+              <a:t>1.95</a:t>
+            </a:r>
+            <a:endParaRPr lang="en-IE" dirty="0">
+              <a:solidFill>
+                <a:srgbClr val="FF0000"/>
+              </a:solidFill>
+              <a:latin typeface="Consolas" panose="020B0609020204030204" pitchFamily="49" charset="0"/>
+              <a:cs typeface="Consolas" panose="020B0609020204030204" pitchFamily="49" charset="0"/>
+            </a:endParaRPr>
+          </a:p>
+        </p:txBody>
+      </p:sp>
+      <p:sp>
+        <p:nvSpPr>
+          <p:cNvPr id="16" name="TextBox 15"/>
+          <p:cNvSpPr txBox="1"/>
+          <p:nvPr/>
+        </p:nvSpPr>
+        <p:spPr>
+          <a:xfrm>
+            <a:off x="5279922" y="1606951"/>
+            <a:ext cx="691215" cy="369332"/>
+          </a:xfrm>
+          <a:prstGeom prst="rect">
+            <a:avLst/>
+          </a:prstGeom>
+          <a:noFill/>
+        </p:spPr>
+        <p:txBody>
+          <a:bodyPr wrap="none" rtlCol="0">
+            <a:spAutoFit/>
+          </a:bodyPr>
+          <a:lstStyle/>
+          <a:p>
+            <a:r>
+              <a:rPr lang="en-US" dirty="0" smtClean="0">
+                <a:solidFill>
+                  <a:srgbClr val="FF0000"/>
+                </a:solidFill>
+                <a:latin typeface="Consolas" panose="020B0609020204030204" pitchFamily="49" charset="0"/>
+                <a:cs typeface="Consolas" panose="020B0609020204030204" pitchFamily="49" charset="0"/>
+              </a:rPr>
+              <a:t>1.95</a:t>
+            </a:r>
+            <a:endParaRPr lang="en-IE" dirty="0">
+              <a:solidFill>
+                <a:srgbClr val="FF0000"/>
+              </a:solidFill>
+              <a:latin typeface="Consolas" panose="020B0609020204030204" pitchFamily="49" charset="0"/>
+              <a:cs typeface="Consolas" panose="020B0609020204030204" pitchFamily="49" charset="0"/>
+            </a:endParaRPr>
+          </a:p>
+        </p:txBody>
+      </p:sp>
+      <p:sp>
+        <p:nvSpPr>
+          <p:cNvPr id="18" name="TextBox 17"/>
+          <p:cNvSpPr txBox="1"/>
+          <p:nvPr/>
+        </p:nvSpPr>
+        <p:spPr>
+          <a:xfrm>
+            <a:off x="5856974" y="2461453"/>
+            <a:ext cx="311304" cy="369332"/>
+          </a:xfrm>
+          <a:prstGeom prst="rect">
+            <a:avLst/>
+          </a:prstGeom>
+          <a:noFill/>
+        </p:spPr>
+        <p:txBody>
+          <a:bodyPr wrap="none" rtlCol="0">
+            <a:spAutoFit/>
+          </a:bodyPr>
+          <a:lstStyle/>
+          <a:p>
+            <a:r>
+              <a:rPr lang="en-US" dirty="0">
+                <a:solidFill>
+                  <a:srgbClr val="FF0000"/>
+                </a:solidFill>
+                <a:latin typeface="Consolas" panose="020B0609020204030204" pitchFamily="49" charset="0"/>
+                <a:cs typeface="Consolas" panose="020B0609020204030204" pitchFamily="49" charset="0"/>
+              </a:rPr>
+              <a:t>0</a:t>
+            </a:r>
+            <a:endParaRPr lang="en-IE" dirty="0">
+              <a:solidFill>
+                <a:srgbClr val="FF0000"/>
+              </a:solidFill>
+              <a:latin typeface="Consolas" panose="020B0609020204030204" pitchFamily="49" charset="0"/>
+              <a:cs typeface="Consolas" panose="020B0609020204030204" pitchFamily="49" charset="0"/>
+            </a:endParaRPr>
+          </a:p>
+        </p:txBody>
+      </p:sp>
+      <p:sp>
+        <p:nvSpPr>
+          <p:cNvPr id="2" name="TextBox 1"/>
+          <p:cNvSpPr txBox="1"/>
+          <p:nvPr/>
+        </p:nvSpPr>
+        <p:spPr>
+          <a:xfrm>
+            <a:off x="4963562" y="-8508"/>
+            <a:ext cx="2088509" cy="584775"/>
+          </a:xfrm>
+          <a:prstGeom prst="rect">
+            <a:avLst/>
+          </a:prstGeom>
+          <a:noFill/>
+        </p:spPr>
+        <p:txBody>
+          <a:bodyPr wrap="square" rtlCol="0">
+            <a:spAutoFit/>
+          </a:bodyPr>
+          <a:lstStyle/>
+          <a:p>
+            <a:pPr algn="ctr"/>
+            <a:r>
+              <a:rPr lang="en-US" sz="3200" dirty="0" smtClean="0">
+                <a:latin typeface="Consolas" panose="020B0609020204030204" pitchFamily="49" charset="0"/>
+                <a:cs typeface="Consolas" panose="020B0609020204030204" pitchFamily="49" charset="0"/>
+              </a:rPr>
+              <a:t>Diameter</a:t>
+            </a:r>
+            <a:endParaRPr lang="en-IE" dirty="0">
+              <a:latin typeface="Consolas" panose="020B0609020204030204" pitchFamily="49" charset="0"/>
+              <a:cs typeface="Consolas" panose="020B0609020204030204" pitchFamily="49" charset="0"/>
+            </a:endParaRPr>
+          </a:p>
+        </p:txBody>
+      </p:sp>
+      <p:sp>
+        <p:nvSpPr>
+          <p:cNvPr id="20" name="TextBox 19"/>
+          <p:cNvSpPr txBox="1"/>
+          <p:nvPr/>
+        </p:nvSpPr>
+        <p:spPr>
+          <a:xfrm>
+            <a:off x="5559571" y="2791719"/>
+            <a:ext cx="564578" cy="369332"/>
+          </a:xfrm>
+          <a:prstGeom prst="rect">
+            <a:avLst/>
+          </a:prstGeom>
+          <a:noFill/>
+        </p:spPr>
+        <p:txBody>
+          <a:bodyPr wrap="none" rtlCol="0">
+            <a:spAutoFit/>
+          </a:bodyPr>
+          <a:lstStyle/>
+          <a:p>
+            <a:r>
+              <a:rPr lang="en-US" dirty="0" smtClean="0">
+                <a:solidFill>
+                  <a:srgbClr val="FF0000"/>
+                </a:solidFill>
+                <a:latin typeface="Consolas" panose="020B0609020204030204" pitchFamily="49" charset="0"/>
+                <a:cs typeface="Consolas" panose="020B0609020204030204" pitchFamily="49" charset="0"/>
+              </a:rPr>
+              <a:t>3.1</a:t>
+            </a:r>
+            <a:endParaRPr lang="en-IE" dirty="0">
+              <a:solidFill>
+                <a:srgbClr val="FF0000"/>
+              </a:solidFill>
+              <a:latin typeface="Consolas" panose="020B0609020204030204" pitchFamily="49" charset="0"/>
+              <a:cs typeface="Consolas" panose="020B0609020204030204" pitchFamily="49" charset="0"/>
+            </a:endParaRPr>
+          </a:p>
+        </p:txBody>
+      </p:sp>
+      <p:sp>
+        <p:nvSpPr>
+          <p:cNvPr id="21" name="TextBox 20"/>
+          <p:cNvSpPr txBox="1"/>
+          <p:nvPr/>
+        </p:nvSpPr>
+        <p:spPr>
+          <a:xfrm>
+            <a:off x="4880790" y="1125617"/>
+            <a:ext cx="691215" cy="369332"/>
+          </a:xfrm>
+          <a:prstGeom prst="rect">
+            <a:avLst/>
+          </a:prstGeom>
+          <a:noFill/>
+        </p:spPr>
+        <p:txBody>
+          <a:bodyPr wrap="none" rtlCol="0">
+            <a:spAutoFit/>
+          </a:bodyPr>
+          <a:lstStyle/>
+          <a:p>
+            <a:r>
+              <a:rPr lang="en-US" dirty="0" smtClean="0">
+                <a:solidFill>
+                  <a:srgbClr val="FF0000"/>
+                </a:solidFill>
+                <a:latin typeface="Consolas" panose="020B0609020204030204" pitchFamily="49" charset="0"/>
+                <a:cs typeface="Consolas" panose="020B0609020204030204" pitchFamily="49" charset="0"/>
+              </a:rPr>
+              <a:t>1.23</a:t>
+            </a:r>
+            <a:endParaRPr lang="en-IE" dirty="0">
+              <a:solidFill>
+                <a:srgbClr val="FF0000"/>
+              </a:solidFill>
+              <a:latin typeface="Consolas" panose="020B0609020204030204" pitchFamily="49" charset="0"/>
+              <a:cs typeface="Consolas" panose="020B0609020204030204" pitchFamily="49" charset="0"/>
+            </a:endParaRPr>
+          </a:p>
+        </p:txBody>
+      </p:sp>
+      <p:sp>
+        <p:nvSpPr>
+          <p:cNvPr id="23" name="TextBox 22"/>
+          <p:cNvSpPr txBox="1"/>
+          <p:nvPr/>
+        </p:nvSpPr>
+        <p:spPr>
+          <a:xfrm>
+            <a:off x="4118790" y="930946"/>
+            <a:ext cx="691215" cy="369332"/>
+          </a:xfrm>
+          <a:prstGeom prst="rect">
+            <a:avLst/>
+          </a:prstGeom>
+          <a:noFill/>
+        </p:spPr>
+        <p:txBody>
+          <a:bodyPr wrap="none" rtlCol="0">
+            <a:spAutoFit/>
+          </a:bodyPr>
+          <a:lstStyle/>
+          <a:p>
+            <a:r>
+              <a:rPr lang="en-US" dirty="0" smtClean="0">
+                <a:solidFill>
+                  <a:srgbClr val="FF0000"/>
+                </a:solidFill>
+                <a:latin typeface="Consolas" panose="020B0609020204030204" pitchFamily="49" charset="0"/>
+                <a:cs typeface="Consolas" panose="020B0609020204030204" pitchFamily="49" charset="0"/>
+              </a:rPr>
+              <a:t>0.77</a:t>
+            </a:r>
+            <a:endParaRPr lang="en-IE" dirty="0">
+              <a:solidFill>
+                <a:srgbClr val="FF0000"/>
+              </a:solidFill>
+              <a:latin typeface="Consolas" panose="020B0609020204030204" pitchFamily="49" charset="0"/>
+              <a:cs typeface="Consolas" panose="020B0609020204030204" pitchFamily="49" charset="0"/>
+            </a:endParaRPr>
+          </a:p>
+        </p:txBody>
+      </p:sp>
+      <p:sp>
+        <p:nvSpPr>
+          <p:cNvPr id="24" name="TextBox 23"/>
+          <p:cNvSpPr txBox="1"/>
+          <p:nvPr/>
+        </p:nvSpPr>
+        <p:spPr>
+          <a:xfrm>
+            <a:off x="1087205" y="1708506"/>
+            <a:ext cx="691215" cy="369332"/>
+          </a:xfrm>
+          <a:prstGeom prst="rect">
+            <a:avLst/>
+          </a:prstGeom>
+          <a:noFill/>
+        </p:spPr>
+        <p:txBody>
+          <a:bodyPr wrap="none" rtlCol="0">
+            <a:spAutoFit/>
+          </a:bodyPr>
+          <a:lstStyle/>
+          <a:p>
+            <a:r>
+              <a:rPr lang="en-US" dirty="0" smtClean="0">
+                <a:solidFill>
+                  <a:srgbClr val="FF0000"/>
+                </a:solidFill>
+                <a:latin typeface="Consolas" panose="020B0609020204030204" pitchFamily="49" charset="0"/>
+                <a:cs typeface="Consolas" panose="020B0609020204030204" pitchFamily="49" charset="0"/>
+              </a:rPr>
+              <a:t>0.77</a:t>
+            </a:r>
+            <a:endParaRPr lang="en-IE" dirty="0">
+              <a:solidFill>
+                <a:srgbClr val="FF0000"/>
+              </a:solidFill>
+              <a:latin typeface="Consolas" panose="020B0609020204030204" pitchFamily="49" charset="0"/>
+              <a:cs typeface="Consolas" panose="020B0609020204030204" pitchFamily="49" charset="0"/>
+            </a:endParaRPr>
+          </a:p>
+        </p:txBody>
+      </p:sp>
+      <p:sp>
+        <p:nvSpPr>
+          <p:cNvPr id="25" name="TextBox 24"/>
+          <p:cNvSpPr txBox="1"/>
+          <p:nvPr/>
+        </p:nvSpPr>
+        <p:spPr>
+          <a:xfrm>
+            <a:off x="1503596" y="930946"/>
+            <a:ext cx="691215" cy="369332"/>
+          </a:xfrm>
+          <a:prstGeom prst="rect">
+            <a:avLst/>
+          </a:prstGeom>
+          <a:noFill/>
+        </p:spPr>
+        <p:txBody>
+          <a:bodyPr wrap="none" rtlCol="0">
+            <a:spAutoFit/>
+          </a:bodyPr>
+          <a:lstStyle/>
+          <a:p>
+            <a:r>
+              <a:rPr lang="en-US" dirty="0" smtClean="0">
+                <a:solidFill>
+                  <a:srgbClr val="FF0000"/>
+                </a:solidFill>
+                <a:latin typeface="Consolas" panose="020B0609020204030204" pitchFamily="49" charset="0"/>
+                <a:cs typeface="Consolas" panose="020B0609020204030204" pitchFamily="49" charset="0"/>
+              </a:rPr>
+              <a:t>0.49</a:t>
+            </a:r>
+            <a:endParaRPr lang="en-IE" dirty="0">
+              <a:solidFill>
+                <a:srgbClr val="FF0000"/>
+              </a:solidFill>
+              <a:latin typeface="Consolas" panose="020B0609020204030204" pitchFamily="49" charset="0"/>
+              <a:cs typeface="Consolas" panose="020B0609020204030204" pitchFamily="49" charset="0"/>
+            </a:endParaRPr>
+          </a:p>
+        </p:txBody>
+      </p:sp>
+      <p:sp>
+        <p:nvSpPr>
+          <p:cNvPr id="26" name="TextBox 25"/>
+          <p:cNvSpPr txBox="1"/>
+          <p:nvPr/>
+        </p:nvSpPr>
+        <p:spPr>
+          <a:xfrm>
+            <a:off x="1503597" y="1366987"/>
+            <a:ext cx="691215" cy="369332"/>
+          </a:xfrm>
+          <a:prstGeom prst="rect">
+            <a:avLst/>
+          </a:prstGeom>
+          <a:noFill/>
+        </p:spPr>
+        <p:txBody>
+          <a:bodyPr wrap="none" rtlCol="0">
+            <a:spAutoFit/>
+          </a:bodyPr>
+          <a:lstStyle/>
+          <a:p>
+            <a:r>
+              <a:rPr lang="en-US" dirty="0" smtClean="0">
+                <a:solidFill>
+                  <a:srgbClr val="FF0000"/>
+                </a:solidFill>
+                <a:latin typeface="Consolas" panose="020B0609020204030204" pitchFamily="49" charset="0"/>
+                <a:cs typeface="Consolas" panose="020B0609020204030204" pitchFamily="49" charset="0"/>
+              </a:rPr>
+              <a:t>0.49</a:t>
+            </a:r>
+            <a:endParaRPr lang="en-IE" dirty="0">
+              <a:solidFill>
+                <a:srgbClr val="FF0000"/>
+              </a:solidFill>
+              <a:latin typeface="Consolas" panose="020B0609020204030204" pitchFamily="49" charset="0"/>
+              <a:cs typeface="Consolas" panose="020B0609020204030204" pitchFamily="49" charset="0"/>
+            </a:endParaRPr>
+          </a:p>
+        </p:txBody>
+      </p:sp>
+      <p:sp>
+        <p:nvSpPr>
+          <p:cNvPr id="27" name="TextBox 26"/>
+          <p:cNvSpPr txBox="1"/>
+          <p:nvPr/>
+        </p:nvSpPr>
+        <p:spPr>
+          <a:xfrm>
+            <a:off x="1087205" y="2067383"/>
+            <a:ext cx="691215" cy="369332"/>
+          </a:xfrm>
+          <a:prstGeom prst="rect">
+            <a:avLst/>
+          </a:prstGeom>
+          <a:noFill/>
+        </p:spPr>
+        <p:txBody>
+          <a:bodyPr wrap="none" rtlCol="0">
+            <a:spAutoFit/>
+          </a:bodyPr>
+          <a:lstStyle/>
+          <a:p>
+            <a:r>
+              <a:rPr lang="en-US" dirty="0" smtClean="0">
+                <a:solidFill>
+                  <a:srgbClr val="FF0000"/>
+                </a:solidFill>
+                <a:latin typeface="Consolas" panose="020B0609020204030204" pitchFamily="49" charset="0"/>
+                <a:cs typeface="Consolas" panose="020B0609020204030204" pitchFamily="49" charset="0"/>
+              </a:rPr>
+              <a:t>0.77</a:t>
+            </a:r>
+            <a:endParaRPr lang="en-IE" dirty="0">
+              <a:solidFill>
+                <a:srgbClr val="FF0000"/>
+              </a:solidFill>
+              <a:latin typeface="Consolas" panose="020B0609020204030204" pitchFamily="49" charset="0"/>
+              <a:cs typeface="Consolas" panose="020B0609020204030204" pitchFamily="49" charset="0"/>
+            </a:endParaRPr>
+          </a:p>
+        </p:txBody>
+      </p:sp>
+      <p:sp>
+        <p:nvSpPr>
+          <p:cNvPr id="41" name="TextBox 40"/>
+          <p:cNvSpPr txBox="1"/>
+          <p:nvPr/>
+        </p:nvSpPr>
+        <p:spPr>
+          <a:xfrm>
+            <a:off x="3333135" y="5713047"/>
+            <a:ext cx="4829117" cy="830997"/>
+          </a:xfrm>
+          <a:prstGeom prst="rect">
+            <a:avLst/>
+          </a:prstGeom>
+          <a:noFill/>
+        </p:spPr>
+        <p:txBody>
+          <a:bodyPr wrap="square" rtlCol="0">
+            <a:spAutoFit/>
+          </a:bodyPr>
+          <a:lstStyle/>
+          <a:p>
+            <a:pPr algn="ctr"/>
+            <a:r>
+              <a:rPr lang="en-US" sz="2400" dirty="0" smtClean="0">
+                <a:solidFill>
+                  <a:srgbClr val="FF0000"/>
+                </a:solidFill>
+                <a:latin typeface="Consolas" panose="020B0609020204030204" pitchFamily="49" charset="0"/>
+                <a:cs typeface="Consolas" panose="020B0609020204030204" pitchFamily="49" charset="0"/>
+              </a:rPr>
+              <a:t>Note: diameters are symmetrical (3 same trees)</a:t>
+            </a:r>
+            <a:endParaRPr lang="en-IE" sz="1400" dirty="0">
+              <a:solidFill>
+                <a:srgbClr val="FF0000"/>
+              </a:solidFill>
+              <a:latin typeface="Consolas" panose="020B0609020204030204" pitchFamily="49" charset="0"/>
+              <a:cs typeface="Consolas" panose="020B0609020204030204" pitchFamily="49" charset="0"/>
+            </a:endParaRPr>
+          </a:p>
+        </p:txBody>
+      </p:sp>
+      <p:sp>
+        <p:nvSpPr>
+          <p:cNvPr id="3" name="Rectangle 2"/>
+          <p:cNvSpPr/>
+          <p:nvPr/>
+        </p:nvSpPr>
+        <p:spPr>
+          <a:xfrm>
+            <a:off x="6272980" y="3253156"/>
+            <a:ext cx="2290917" cy="1505657"/>
+          </a:xfrm>
+          <a:prstGeom prst="rect">
+            <a:avLst/>
+          </a:prstGeom>
+          <a:noFill/>
+          <a:ln w="38100">
+            <a:solidFill>
+              <a:srgbClr val="00B050"/>
+            </a:solidFill>
+          </a:ln>
+        </p:spPr>
+        <p:style>
+          <a:lnRef idx="2">
+            <a:schemeClr val="accent1">
+              <a:shade val="50000"/>
+            </a:schemeClr>
+          </a:lnRef>
+          <a:fillRef idx="1">
+            <a:schemeClr val="accent1"/>
+          </a:fillRef>
+          <a:effectRef idx="0">
+            <a:schemeClr val="accent1"/>
+          </a:effectRef>
+          <a:fontRef idx="minor">
+            <a:schemeClr val="lt1"/>
+          </a:fontRef>
+        </p:style>
+        <p:txBody>
+          <a:bodyPr rtlCol="0" anchor="ctr"/>
+          <a:lstStyle/>
+          <a:p>
+            <a:pPr algn="ctr"/>
+            <a:endParaRPr lang="en-IE"/>
+          </a:p>
+        </p:txBody>
+      </p:sp>
+      <p:sp>
+        <p:nvSpPr>
+          <p:cNvPr id="42" name="TextBox 41"/>
+          <p:cNvSpPr txBox="1"/>
+          <p:nvPr/>
+        </p:nvSpPr>
+        <p:spPr>
+          <a:xfrm>
+            <a:off x="5658386" y="4807500"/>
+            <a:ext cx="4829117" cy="461665"/>
+          </a:xfrm>
+          <a:prstGeom prst="rect">
+            <a:avLst/>
+          </a:prstGeom>
+          <a:noFill/>
+        </p:spPr>
+        <p:txBody>
+          <a:bodyPr wrap="square" rtlCol="0">
+            <a:spAutoFit/>
+          </a:bodyPr>
+          <a:lstStyle/>
+          <a:p>
+            <a:pPr algn="ctr"/>
+            <a:r>
+              <a:rPr lang="en-US" sz="2400" dirty="0" smtClean="0">
+                <a:solidFill>
+                  <a:srgbClr val="00B050"/>
+                </a:solidFill>
+                <a:latin typeface="Consolas" panose="020B0609020204030204" pitchFamily="49" charset="0"/>
+                <a:cs typeface="Consolas" panose="020B0609020204030204" pitchFamily="49" charset="0"/>
+              </a:rPr>
+              <a:t>diameter scale factors</a:t>
+            </a:r>
+            <a:endParaRPr lang="en-IE" sz="1400" dirty="0">
+              <a:solidFill>
+                <a:srgbClr val="00B050"/>
+              </a:solidFill>
+              <a:latin typeface="Consolas" panose="020B0609020204030204" pitchFamily="49" charset="0"/>
+              <a:cs typeface="Consolas" panose="020B0609020204030204" pitchFamily="49" charset="0"/>
+            </a:endParaRPr>
+          </a:p>
+        </p:txBody>
+      </p:sp>
+    </p:spTree>
+    <p:extLst>
+      <p:ext uri="{BB962C8B-B14F-4D97-AF65-F5344CB8AC3E}">
+        <p14:creationId xmlns:p14="http://schemas.microsoft.com/office/powerpoint/2010/main" val="3122139535"/>
+      </p:ext>
+    </p:extLst>
+  </p:cSld>
+  <p:clrMapOvr>
+    <a:masterClrMapping/>
+  </p:clrMapOvr>
+</p:sld>
+</file>
+
+<file path=ppt/slides/slide5.xml><?xml version="1.0" encoding="utf-8"?>
+<p:sld xmlns:a="http://schemas.openxmlformats.org/drawingml/2006/main" xmlns:r="http://schemas.openxmlformats.org/officeDocument/2006/relationships" xmlns:p="http://schemas.openxmlformats.org/presentationml/2006/main">
+  <p:cSld>
+    <p:spTree>
+      <p:nvGrpSpPr>
+        <p:cNvPr id="1" name=""/>
+        <p:cNvGrpSpPr/>
+        <p:nvPr/>
+      </p:nvGrpSpPr>
+      <p:grpSpPr>
+        <a:xfrm>
+          <a:off x="0" y="0"/>
+          <a:ext cx="0" cy="0"/>
+          <a:chOff x="0" y="0"/>
+          <a:chExt cx="0" cy="0"/>
+        </a:xfrm>
+      </p:grpSpPr>
+      <p:pic>
+        <p:nvPicPr>
+          <p:cNvPr id="4" name="Picture 3"/>
+          <p:cNvPicPr>
+            <a:picLocks noChangeAspect="1"/>
+          </p:cNvPicPr>
+          <p:nvPr/>
+        </p:nvPicPr>
+        <p:blipFill>
+          <a:blip r:embed="rId2"/>
+          <a:stretch>
+            <a:fillRect/>
+          </a:stretch>
+        </p:blipFill>
+        <p:spPr>
+          <a:xfrm>
+            <a:off x="1662266" y="777978"/>
+            <a:ext cx="8691102" cy="4716102"/>
+          </a:xfrm>
+          <a:prstGeom prst="rect">
+            <a:avLst/>
+          </a:prstGeom>
+        </p:spPr>
+      </p:pic>
+      <p:sp>
+        <p:nvSpPr>
+          <p:cNvPr id="5" name="TextBox 4"/>
+          <p:cNvSpPr txBox="1"/>
+          <p:nvPr/>
+        </p:nvSpPr>
+        <p:spPr>
+          <a:xfrm>
+            <a:off x="9796288" y="1976283"/>
+            <a:ext cx="311304" cy="369332"/>
+          </a:xfrm>
+          <a:prstGeom prst="rect">
+            <a:avLst/>
+          </a:prstGeom>
+          <a:noFill/>
+        </p:spPr>
+        <p:txBody>
+          <a:bodyPr wrap="none" rtlCol="0">
+            <a:spAutoFit/>
+          </a:bodyPr>
+          <a:lstStyle/>
+          <a:p>
+            <a:r>
+              <a:rPr lang="en-US" dirty="0" smtClean="0">
+                <a:solidFill>
+                  <a:srgbClr val="FF0000"/>
+                </a:solidFill>
+                <a:latin typeface="Consolas" panose="020B0609020204030204" pitchFamily="49" charset="0"/>
+                <a:cs typeface="Consolas" panose="020B0609020204030204" pitchFamily="49" charset="0"/>
               </a:rPr>
               <a:t>1</a:t>
             </a:r>
@@ -3191,6 +7906,92 @@
               <a:solidFill>
                 <a:srgbClr val="FF0000"/>
               </a:solidFill>
+              <a:latin typeface="Consolas" panose="020B0609020204030204" pitchFamily="49" charset="0"/>
+              <a:cs typeface="Consolas" panose="020B0609020204030204" pitchFamily="49" charset="0"/>
+            </a:endParaRPr>
+          </a:p>
+        </p:txBody>
+      </p:sp>
+      <p:sp>
+        <p:nvSpPr>
+          <p:cNvPr id="6" name="TextBox 5"/>
+          <p:cNvSpPr txBox="1"/>
+          <p:nvPr/>
+        </p:nvSpPr>
+        <p:spPr>
+          <a:xfrm>
+            <a:off x="9796288" y="2433483"/>
+            <a:ext cx="311304" cy="369332"/>
+          </a:xfrm>
+          <a:prstGeom prst="rect">
+            <a:avLst/>
+          </a:prstGeom>
+          <a:noFill/>
+        </p:spPr>
+        <p:txBody>
+          <a:bodyPr wrap="none" rtlCol="0">
+            <a:spAutoFit/>
+          </a:bodyPr>
+          <a:lstStyle/>
+          <a:p>
+            <a:r>
+              <a:rPr lang="en-US" dirty="0" smtClean="0">
+                <a:solidFill>
+                  <a:srgbClr val="FF0000"/>
+                </a:solidFill>
+                <a:latin typeface="Consolas" panose="020B0609020204030204" pitchFamily="49" charset="0"/>
+                <a:cs typeface="Consolas" panose="020B0609020204030204" pitchFamily="49" charset="0"/>
+              </a:rPr>
+              <a:t>1</a:t>
+            </a:r>
+            <a:endParaRPr lang="en-IE" dirty="0">
+              <a:solidFill>
+                <a:srgbClr val="FF0000"/>
+              </a:solidFill>
+              <a:latin typeface="Consolas" panose="020B0609020204030204" pitchFamily="49" charset="0"/>
+              <a:cs typeface="Consolas" panose="020B0609020204030204" pitchFamily="49" charset="0"/>
+            </a:endParaRPr>
+          </a:p>
+        </p:txBody>
+      </p:sp>
+      <p:sp>
+        <p:nvSpPr>
+          <p:cNvPr id="7" name="TextBox 6"/>
+          <p:cNvSpPr txBox="1"/>
+          <p:nvPr/>
+        </p:nvSpPr>
+        <p:spPr>
+          <a:xfrm>
+            <a:off x="10179379" y="2766697"/>
+            <a:ext cx="311304" cy="369332"/>
+          </a:xfrm>
+          <a:prstGeom prst="rect">
+            <a:avLst/>
+          </a:prstGeom>
+          <a:noFill/>
+        </p:spPr>
+        <p:txBody>
+          <a:bodyPr wrap="none" rtlCol="0">
+            <a:spAutoFit/>
+          </a:bodyPr>
+          <a:lstStyle/>
+          <a:p>
+            <a:r>
+              <a:rPr lang="en-US" dirty="0" smtClean="0">
+                <a:solidFill>
+                  <a:srgbClr val="FF0000"/>
+                </a:solidFill>
+                <a:latin typeface="Consolas" panose="020B0609020204030204" pitchFamily="49" charset="0"/>
+                <a:cs typeface="Consolas" panose="020B0609020204030204" pitchFamily="49" charset="0"/>
+              </a:rPr>
+              <a:t>1</a:t>
+            </a:r>
+            <a:endParaRPr lang="en-IE" dirty="0">
+              <a:solidFill>
+                <a:srgbClr val="FF0000"/>
+              </a:solidFill>
+              <a:latin typeface="Consolas" panose="020B0609020204030204" pitchFamily="49" charset="0"/>
+              <a:cs typeface="Consolas" panose="020B0609020204030204" pitchFamily="49" charset="0"/>
             </a:endParaRPr>
           </a:p>
         </p:txBody>
@@ -3204,7 +8005,7 @@
         <p:spPr>
           <a:xfrm>
             <a:off x="10179379" y="3136029"/>
-            <a:ext cx="301686" cy="369332"/>
+            <a:ext cx="311304" cy="369332"/>
           </a:xfrm>
           <a:prstGeom prst="rect">
             <a:avLst/>
@@ -3222,6 +8023,8 @@
                 <a:solidFill>
                   <a:srgbClr val="FF0000"/>
                 </a:solidFill>
+                <a:latin typeface="Consolas" panose="020B0609020204030204" pitchFamily="49" charset="0"/>
+                <a:cs typeface="Consolas" panose="020B0609020204030204" pitchFamily="49" charset="0"/>
               </a:rPr>
               <a:t>1</a:t>
             </a:r>
@@ -3229,6 +8032,8 @@
               <a:solidFill>
                 <a:srgbClr val="FF0000"/>
               </a:solidFill>
+              <a:latin typeface="Consolas" panose="020B0609020204030204" pitchFamily="49" charset="0"/>
+              <a:cs typeface="Consolas" panose="020B0609020204030204" pitchFamily="49" charset="0"/>
             </a:endParaRPr>
           </a:p>
         </p:txBody>
@@ -3242,7 +8047,7 @@
         <p:spPr>
           <a:xfrm>
             <a:off x="9796288" y="3453741"/>
-            <a:ext cx="301686" cy="369332"/>
+            <a:ext cx="311304" cy="369332"/>
           </a:xfrm>
           <a:prstGeom prst="rect">
             <a:avLst/>
@@ -3260,6 +8065,8 @@
                 <a:solidFill>
                   <a:srgbClr val="FF0000"/>
                 </a:solidFill>
+                <a:latin typeface="Consolas" panose="020B0609020204030204" pitchFamily="49" charset="0"/>
+                <a:cs typeface="Consolas" panose="020B0609020204030204" pitchFamily="49" charset="0"/>
               </a:rPr>
               <a:t>1</a:t>
             </a:r>
@@ -3267,6 +8074,8 @@
               <a:solidFill>
                 <a:srgbClr val="FF0000"/>
               </a:solidFill>
+              <a:latin typeface="Consolas" panose="020B0609020204030204" pitchFamily="49" charset="0"/>
+              <a:cs typeface="Consolas" panose="020B0609020204030204" pitchFamily="49" charset="0"/>
             </a:endParaRPr>
           </a:p>
         </p:txBody>
@@ -3280,7 +8089,7 @@
         <p:spPr>
           <a:xfrm>
             <a:off x="9796288" y="3903405"/>
-            <a:ext cx="301686" cy="369332"/>
+            <a:ext cx="311304" cy="369332"/>
           </a:xfrm>
           <a:prstGeom prst="rect">
             <a:avLst/>
@@ -3298,6 +8107,8 @@
                 <a:solidFill>
                   <a:srgbClr val="FF0000"/>
                 </a:solidFill>
+                <a:latin typeface="Consolas" panose="020B0609020204030204" pitchFamily="49" charset="0"/>
+                <a:cs typeface="Consolas" panose="020B0609020204030204" pitchFamily="49" charset="0"/>
               </a:rPr>
               <a:t>1</a:t>
             </a:r>
@@ -3305,6 +8116,8 @@
               <a:solidFill>
                 <a:srgbClr val="FF0000"/>
               </a:solidFill>
+              <a:latin typeface="Consolas" panose="020B0609020204030204" pitchFamily="49" charset="0"/>
+              <a:cs typeface="Consolas" panose="020B0609020204030204" pitchFamily="49" charset="0"/>
             </a:endParaRPr>
           </a:p>
         </p:txBody>
@@ -3318,7 +8131,7 @@
         <p:spPr>
           <a:xfrm>
             <a:off x="7600335" y="1907457"/>
-            <a:ext cx="301686" cy="369332"/>
+            <a:ext cx="311304" cy="369332"/>
           </a:xfrm>
           <a:prstGeom prst="rect">
             <a:avLst/>
@@ -3336,6 +8149,8 @@
                 <a:solidFill>
                   <a:srgbClr val="FF0000"/>
                 </a:solidFill>
+                <a:latin typeface="Consolas" panose="020B0609020204030204" pitchFamily="49" charset="0"/>
+                <a:cs typeface="Consolas" panose="020B0609020204030204" pitchFamily="49" charset="0"/>
               </a:rPr>
               <a:t>2</a:t>
             </a:r>
@@ -3343,6 +8158,8 @@
               <a:solidFill>
                 <a:srgbClr val="FF0000"/>
               </a:solidFill>
+              <a:latin typeface="Consolas" panose="020B0609020204030204" pitchFamily="49" charset="0"/>
+              <a:cs typeface="Consolas" panose="020B0609020204030204" pitchFamily="49" charset="0"/>
             </a:endParaRPr>
           </a:p>
         </p:txBody>
@@ -3356,7 +8173,7 @@
         <p:spPr>
           <a:xfrm>
             <a:off x="7600335" y="4011560"/>
-            <a:ext cx="301686" cy="369332"/>
+            <a:ext cx="311304" cy="369332"/>
           </a:xfrm>
           <a:prstGeom prst="rect">
             <a:avLst/>
@@ -3374,6 +8191,8 @@
                 <a:solidFill>
                   <a:srgbClr val="FF0000"/>
                 </a:solidFill>
+                <a:latin typeface="Consolas" panose="020B0609020204030204" pitchFamily="49" charset="0"/>
+                <a:cs typeface="Consolas" panose="020B0609020204030204" pitchFamily="49" charset="0"/>
               </a:rPr>
               <a:t>2</a:t>
             </a:r>
@@ -3389,7 +8208,7 @@
         <p:spPr>
           <a:xfrm>
             <a:off x="6808838" y="2160949"/>
-            <a:ext cx="301686" cy="369332"/>
+            <a:ext cx="311304" cy="369332"/>
           </a:xfrm>
           <a:prstGeom prst="rect">
             <a:avLst/>
@@ -3407,6 +8226,8 @@
                 <a:solidFill>
                   <a:srgbClr val="FF0000"/>
                 </a:solidFill>
+                <a:latin typeface="Consolas" panose="020B0609020204030204" pitchFamily="49" charset="0"/>
+                <a:cs typeface="Consolas" panose="020B0609020204030204" pitchFamily="49" charset="0"/>
               </a:rPr>
               <a:t>2</a:t>
             </a:r>
@@ -3414,6 +8235,8 @@
               <a:solidFill>
                 <a:srgbClr val="FF0000"/>
               </a:solidFill>
+              <a:latin typeface="Consolas" panose="020B0609020204030204" pitchFamily="49" charset="0"/>
+              <a:cs typeface="Consolas" panose="020B0609020204030204" pitchFamily="49" charset="0"/>
             </a:endParaRPr>
           </a:p>
         </p:txBody>
@@ -3427,7 +8250,7 @@
         <p:spPr>
           <a:xfrm>
             <a:off x="6808838" y="3775585"/>
-            <a:ext cx="301686" cy="369332"/>
+            <a:ext cx="311304" cy="369332"/>
           </a:xfrm>
           <a:prstGeom prst="rect">
             <a:avLst/>
@@ -3445,6 +8268,8 @@
                 <a:solidFill>
                   <a:srgbClr val="FF0000"/>
                 </a:solidFill>
+                <a:latin typeface="Consolas" panose="020B0609020204030204" pitchFamily="49" charset="0"/>
+                <a:cs typeface="Consolas" panose="020B0609020204030204" pitchFamily="49" charset="0"/>
               </a:rPr>
               <a:t>2</a:t>
             </a:r>
@@ -3452,6 +8277,8 @@
               <a:solidFill>
                 <a:srgbClr val="FF0000"/>
               </a:solidFill>
+              <a:latin typeface="Consolas" panose="020B0609020204030204" pitchFamily="49" charset="0"/>
+              <a:cs typeface="Consolas" panose="020B0609020204030204" pitchFamily="49" charset="0"/>
             </a:endParaRPr>
           </a:p>
         </p:txBody>
@@ -3465,7 +8292,7 @@
         <p:spPr>
           <a:xfrm>
             <a:off x="6376219" y="2645498"/>
-            <a:ext cx="301686" cy="369332"/>
+            <a:ext cx="311304" cy="369332"/>
           </a:xfrm>
           <a:prstGeom prst="rect">
             <a:avLst/>
@@ -3483,6 +8310,8 @@
                 <a:solidFill>
                   <a:srgbClr val="FF0000"/>
                 </a:solidFill>
+                <a:latin typeface="Consolas" panose="020B0609020204030204" pitchFamily="49" charset="0"/>
+                <a:cs typeface="Consolas" panose="020B0609020204030204" pitchFamily="49" charset="0"/>
               </a:rPr>
               <a:t>3</a:t>
             </a:r>
@@ -3490,6 +8319,8 @@
               <a:solidFill>
                 <a:srgbClr val="FF0000"/>
               </a:solidFill>
+              <a:latin typeface="Consolas" panose="020B0609020204030204" pitchFamily="49" charset="0"/>
+              <a:cs typeface="Consolas" panose="020B0609020204030204" pitchFamily="49" charset="0"/>
             </a:endParaRPr>
           </a:p>
         </p:txBody>
@@ -3503,7 +8334,7 @@
         <p:spPr>
           <a:xfrm>
             <a:off x="5279922" y="1606951"/>
-            <a:ext cx="301686" cy="369332"/>
+            <a:ext cx="311304" cy="369332"/>
           </a:xfrm>
           <a:prstGeom prst="rect">
             <a:avLst/>
@@ -3521,6 +8352,8 @@
                 <a:solidFill>
                   <a:srgbClr val="FF0000"/>
                 </a:solidFill>
+                <a:latin typeface="Consolas" panose="020B0609020204030204" pitchFamily="49" charset="0"/>
+                <a:cs typeface="Consolas" panose="020B0609020204030204" pitchFamily="49" charset="0"/>
               </a:rPr>
               <a:t>3</a:t>
             </a:r>
@@ -3528,6 +8361,8 @@
               <a:solidFill>
                 <a:srgbClr val="FF0000"/>
               </a:solidFill>
+              <a:latin typeface="Consolas" panose="020B0609020204030204" pitchFamily="49" charset="0"/>
+              <a:cs typeface="Consolas" panose="020B0609020204030204" pitchFamily="49" charset="0"/>
             </a:endParaRPr>
           </a:p>
         </p:txBody>
@@ -3541,7 +8376,7 @@
         <p:spPr>
           <a:xfrm>
             <a:off x="5288914" y="3823073"/>
-            <a:ext cx="301686" cy="369332"/>
+            <a:ext cx="311304" cy="369332"/>
           </a:xfrm>
           <a:prstGeom prst="rect">
             <a:avLst/>
@@ -3559,6 +8394,8 @@
                 <a:solidFill>
                   <a:srgbClr val="FF0000"/>
                 </a:solidFill>
+                <a:latin typeface="Consolas" panose="020B0609020204030204" pitchFamily="49" charset="0"/>
+                <a:cs typeface="Consolas" panose="020B0609020204030204" pitchFamily="49" charset="0"/>
               </a:rPr>
               <a:t>3</a:t>
             </a:r>
@@ -3566,6 +8403,8 @@
               <a:solidFill>
                 <a:srgbClr val="FF0000"/>
               </a:solidFill>
+              <a:latin typeface="Consolas" panose="020B0609020204030204" pitchFamily="49" charset="0"/>
+              <a:cs typeface="Consolas" panose="020B0609020204030204" pitchFamily="49" charset="0"/>
             </a:endParaRPr>
           </a:p>
         </p:txBody>
@@ -3579,7 +8418,7 @@
         <p:spPr>
           <a:xfrm>
             <a:off x="5856974" y="2461453"/>
-            <a:ext cx="301686" cy="369332"/>
+            <a:ext cx="311304" cy="369332"/>
           </a:xfrm>
           <a:prstGeom prst="rect">
             <a:avLst/>
@@ -3597,6 +8436,8 @@
                 <a:solidFill>
                   <a:srgbClr val="FF0000"/>
                 </a:solidFill>
+                <a:latin typeface="Consolas" panose="020B0609020204030204" pitchFamily="49" charset="0"/>
+                <a:cs typeface="Consolas" panose="020B0609020204030204" pitchFamily="49" charset="0"/>
               </a:rPr>
               <a:t>4</a:t>
             </a:r>
@@ -3604,6 +8445,45 @@
               <a:solidFill>
                 <a:srgbClr val="FF0000"/>
               </a:solidFill>
+              <a:latin typeface="Consolas" panose="020B0609020204030204" pitchFamily="49" charset="0"/>
+              <a:cs typeface="Consolas" panose="020B0609020204030204" pitchFamily="49" charset="0"/>
+            </a:endParaRPr>
+          </a:p>
+        </p:txBody>
+      </p:sp>
+      <p:sp>
+        <p:nvSpPr>
+          <p:cNvPr id="19" name="TextBox 18"/>
+          <p:cNvSpPr txBox="1"/>
+          <p:nvPr/>
+        </p:nvSpPr>
+        <p:spPr>
+          <a:xfrm>
+            <a:off x="3608746" y="-79149"/>
+            <a:ext cx="4798142" cy="584775"/>
+          </a:xfrm>
+          <a:prstGeom prst="rect">
+            <a:avLst/>
+          </a:prstGeom>
+          <a:noFill/>
+        </p:spPr>
+        <p:txBody>
+          <a:bodyPr wrap="square" rtlCol="0">
+            <a:spAutoFit/>
+          </a:bodyPr>
+          <a:lstStyle/>
+          <a:p>
+            <a:pPr algn="ctr"/>
+            <a:r>
+              <a:rPr lang="en-US" sz="3200" dirty="0" smtClean="0">
+                <a:latin typeface="Consolas" panose="020B0609020204030204" pitchFamily="49" charset="0"/>
+                <a:cs typeface="Consolas" panose="020B0609020204030204" pitchFamily="49" charset="0"/>
+              </a:rPr>
+              <a:t>Strahler numbers</a:t>
+            </a:r>
+            <a:endParaRPr lang="en-IE" dirty="0">
+              <a:latin typeface="Consolas" panose="020B0609020204030204" pitchFamily="49" charset="0"/>
+              <a:cs typeface="Consolas" panose="020B0609020204030204" pitchFamily="49" charset="0"/>
             </a:endParaRPr>
           </a:p>
         </p:txBody>
@@ -3612,6 +8492,517 @@
     <p:extLst>
       <p:ext uri="{BB962C8B-B14F-4D97-AF65-F5344CB8AC3E}">
         <p14:creationId xmlns:p14="http://schemas.microsoft.com/office/powerpoint/2010/main" val="3086730176"/>
+      </p:ext>
+    </p:extLst>
+  </p:cSld>
+  <p:clrMapOvr>
+    <a:masterClrMapping/>
+  </p:clrMapOvr>
+</p:sld>
+</file>
+
+<file path=ppt/slides/slide6.xml><?xml version="1.0" encoding="utf-8"?>
+<p:sld xmlns:a="http://schemas.openxmlformats.org/drawingml/2006/main" xmlns:r="http://schemas.openxmlformats.org/officeDocument/2006/relationships" xmlns:p="http://schemas.openxmlformats.org/presentationml/2006/main">
+  <p:cSld>
+    <p:spTree>
+      <p:nvGrpSpPr>
+        <p:cNvPr id="1" name=""/>
+        <p:cNvGrpSpPr/>
+        <p:nvPr/>
+      </p:nvGrpSpPr>
+      <p:grpSpPr>
+        <a:xfrm>
+          <a:off x="0" y="0"/>
+          <a:ext cx="0" cy="0"/>
+          <a:chOff x="0" y="0"/>
+          <a:chExt cx="0" cy="0"/>
+        </a:xfrm>
+      </p:grpSpPr>
+      <p:pic>
+        <p:nvPicPr>
+          <p:cNvPr id="4" name="Picture 3"/>
+          <p:cNvPicPr>
+            <a:picLocks noChangeAspect="1"/>
+          </p:cNvPicPr>
+          <p:nvPr/>
+        </p:nvPicPr>
+        <p:blipFill>
+          <a:blip r:embed="rId2"/>
+          <a:stretch>
+            <a:fillRect/>
+          </a:stretch>
+        </p:blipFill>
+        <p:spPr>
+          <a:xfrm>
+            <a:off x="1662266" y="777978"/>
+            <a:ext cx="8691102" cy="4716102"/>
+          </a:xfrm>
+          <a:prstGeom prst="rect">
+            <a:avLst/>
+          </a:prstGeom>
+        </p:spPr>
+      </p:pic>
+      <p:sp>
+        <p:nvSpPr>
+          <p:cNvPr id="16" name="TextBox 15"/>
+          <p:cNvSpPr txBox="1"/>
+          <p:nvPr/>
+        </p:nvSpPr>
+        <p:spPr>
+          <a:xfrm>
+            <a:off x="5479393" y="1601949"/>
+            <a:ext cx="817853" cy="369332"/>
+          </a:xfrm>
+          <a:prstGeom prst="rect">
+            <a:avLst/>
+          </a:prstGeom>
+          <a:noFill/>
+        </p:spPr>
+        <p:txBody>
+          <a:bodyPr wrap="none" rtlCol="0">
+            <a:spAutoFit/>
+          </a:bodyPr>
+          <a:lstStyle/>
+          <a:p>
+            <a:r>
+              <a:rPr lang="en-US" dirty="0" smtClean="0">
+                <a:solidFill>
+                  <a:srgbClr val="FF0000"/>
+                </a:solidFill>
+                <a:latin typeface="Consolas" panose="020B0609020204030204" pitchFamily="49" charset="0"/>
+                <a:cs typeface="Consolas" panose="020B0609020204030204" pitchFamily="49" charset="0"/>
+              </a:rPr>
+              <a:t>0.024</a:t>
+            </a:r>
+            <a:endParaRPr lang="en-IE" dirty="0">
+              <a:solidFill>
+                <a:srgbClr val="FF0000"/>
+              </a:solidFill>
+              <a:latin typeface="Consolas" panose="020B0609020204030204" pitchFamily="49" charset="0"/>
+              <a:cs typeface="Consolas" panose="020B0609020204030204" pitchFamily="49" charset="0"/>
+            </a:endParaRPr>
+          </a:p>
+        </p:txBody>
+      </p:sp>
+      <p:sp>
+        <p:nvSpPr>
+          <p:cNvPr id="2" name="TextBox 1"/>
+          <p:cNvSpPr txBox="1"/>
+          <p:nvPr/>
+        </p:nvSpPr>
+        <p:spPr>
+          <a:xfrm>
+            <a:off x="4420476" y="-8508"/>
+            <a:ext cx="3787902" cy="584775"/>
+          </a:xfrm>
+          <a:prstGeom prst="rect">
+            <a:avLst/>
+          </a:prstGeom>
+          <a:noFill/>
+        </p:spPr>
+        <p:txBody>
+          <a:bodyPr wrap="square" rtlCol="0">
+            <a:spAutoFit/>
+          </a:bodyPr>
+          <a:lstStyle/>
+          <a:p>
+            <a:pPr algn="ctr"/>
+            <a:r>
+              <a:rPr lang="en-US" sz="3200" dirty="0" smtClean="0">
+                <a:latin typeface="Consolas" panose="020B0609020204030204" pitchFamily="49" charset="0"/>
+                <a:cs typeface="Consolas" panose="020B0609020204030204" pitchFamily="49" charset="0"/>
+              </a:rPr>
+              <a:t>L/lambda(f=100)</a:t>
+            </a:r>
+            <a:endParaRPr lang="en-IE" dirty="0">
+              <a:latin typeface="Consolas" panose="020B0609020204030204" pitchFamily="49" charset="0"/>
+              <a:cs typeface="Consolas" panose="020B0609020204030204" pitchFamily="49" charset="0"/>
+            </a:endParaRPr>
+          </a:p>
+        </p:txBody>
+      </p:sp>
+      <p:sp>
+        <p:nvSpPr>
+          <p:cNvPr id="21" name="TextBox 20"/>
+          <p:cNvSpPr txBox="1"/>
+          <p:nvPr/>
+        </p:nvSpPr>
+        <p:spPr>
+          <a:xfrm>
+            <a:off x="5043984" y="1135778"/>
+            <a:ext cx="817853" cy="369332"/>
+          </a:xfrm>
+          <a:prstGeom prst="rect">
+            <a:avLst/>
+          </a:prstGeom>
+          <a:noFill/>
+        </p:spPr>
+        <p:txBody>
+          <a:bodyPr wrap="none" rtlCol="0">
+            <a:spAutoFit/>
+          </a:bodyPr>
+          <a:lstStyle/>
+          <a:p>
+            <a:r>
+              <a:rPr lang="en-US" dirty="0" smtClean="0">
+                <a:solidFill>
+                  <a:srgbClr val="FF0000"/>
+                </a:solidFill>
+                <a:latin typeface="Consolas" panose="020B0609020204030204" pitchFamily="49" charset="0"/>
+                <a:cs typeface="Consolas" panose="020B0609020204030204" pitchFamily="49" charset="0"/>
+              </a:rPr>
+              <a:t>0.149</a:t>
+            </a:r>
+            <a:endParaRPr lang="en-IE" dirty="0">
+              <a:solidFill>
+                <a:srgbClr val="FF0000"/>
+              </a:solidFill>
+              <a:latin typeface="Consolas" panose="020B0609020204030204" pitchFamily="49" charset="0"/>
+              <a:cs typeface="Consolas" panose="020B0609020204030204" pitchFamily="49" charset="0"/>
+            </a:endParaRPr>
+          </a:p>
+        </p:txBody>
+      </p:sp>
+      <p:sp>
+        <p:nvSpPr>
+          <p:cNvPr id="23" name="TextBox 22"/>
+          <p:cNvSpPr txBox="1"/>
+          <p:nvPr/>
+        </p:nvSpPr>
+        <p:spPr>
+          <a:xfrm>
+            <a:off x="3524842" y="624318"/>
+            <a:ext cx="817853" cy="369332"/>
+          </a:xfrm>
+          <a:prstGeom prst="rect">
+            <a:avLst/>
+          </a:prstGeom>
+          <a:noFill/>
+        </p:spPr>
+        <p:txBody>
+          <a:bodyPr wrap="none" rtlCol="0">
+            <a:spAutoFit/>
+          </a:bodyPr>
+          <a:lstStyle/>
+          <a:p>
+            <a:r>
+              <a:rPr lang="en-US" dirty="0" smtClean="0">
+                <a:solidFill>
+                  <a:srgbClr val="FF0000"/>
+                </a:solidFill>
+                <a:latin typeface="Consolas" panose="020B0609020204030204" pitchFamily="49" charset="0"/>
+                <a:cs typeface="Consolas" panose="020B0609020204030204" pitchFamily="49" charset="0"/>
+              </a:rPr>
+              <a:t>0.801</a:t>
+            </a:r>
+            <a:endParaRPr lang="en-IE" dirty="0">
+              <a:solidFill>
+                <a:srgbClr val="FF0000"/>
+              </a:solidFill>
+              <a:latin typeface="Consolas" panose="020B0609020204030204" pitchFamily="49" charset="0"/>
+              <a:cs typeface="Consolas" panose="020B0609020204030204" pitchFamily="49" charset="0"/>
+            </a:endParaRPr>
+          </a:p>
+        </p:txBody>
+      </p:sp>
+      <p:sp>
+        <p:nvSpPr>
+          <p:cNvPr id="24" name="TextBox 23"/>
+          <p:cNvSpPr txBox="1"/>
+          <p:nvPr/>
+        </p:nvSpPr>
+        <p:spPr>
+          <a:xfrm>
+            <a:off x="995353" y="1721564"/>
+            <a:ext cx="817853" cy="369332"/>
+          </a:xfrm>
+          <a:prstGeom prst="rect">
+            <a:avLst/>
+          </a:prstGeom>
+          <a:noFill/>
+        </p:spPr>
+        <p:txBody>
+          <a:bodyPr wrap="none" rtlCol="0">
+            <a:spAutoFit/>
+          </a:bodyPr>
+          <a:lstStyle/>
+          <a:p>
+            <a:r>
+              <a:rPr lang="en-US" dirty="0" smtClean="0">
+                <a:solidFill>
+                  <a:srgbClr val="FF0000"/>
+                </a:solidFill>
+                <a:latin typeface="Consolas" panose="020B0609020204030204" pitchFamily="49" charset="0"/>
+                <a:cs typeface="Consolas" panose="020B0609020204030204" pitchFamily="49" charset="0"/>
+              </a:rPr>
+              <a:t>1.737</a:t>
+            </a:r>
+            <a:endParaRPr lang="en-IE" dirty="0">
+              <a:solidFill>
+                <a:srgbClr val="FF0000"/>
+              </a:solidFill>
+              <a:latin typeface="Consolas" panose="020B0609020204030204" pitchFamily="49" charset="0"/>
+              <a:cs typeface="Consolas" panose="020B0609020204030204" pitchFamily="49" charset="0"/>
+            </a:endParaRPr>
+          </a:p>
+        </p:txBody>
+      </p:sp>
+      <p:sp>
+        <p:nvSpPr>
+          <p:cNvPr id="25" name="TextBox 24"/>
+          <p:cNvSpPr txBox="1"/>
+          <p:nvPr/>
+        </p:nvSpPr>
+        <p:spPr>
+          <a:xfrm>
+            <a:off x="1382150" y="908065"/>
+            <a:ext cx="817853" cy="369332"/>
+          </a:xfrm>
+          <a:prstGeom prst="rect">
+            <a:avLst/>
+          </a:prstGeom>
+          <a:noFill/>
+        </p:spPr>
+        <p:txBody>
+          <a:bodyPr wrap="none" rtlCol="0">
+            <a:spAutoFit/>
+          </a:bodyPr>
+          <a:lstStyle/>
+          <a:p>
+            <a:r>
+              <a:rPr lang="en-US" dirty="0" smtClean="0">
+                <a:solidFill>
+                  <a:srgbClr val="FF0000"/>
+                </a:solidFill>
+                <a:latin typeface="Consolas" panose="020B0609020204030204" pitchFamily="49" charset="0"/>
+                <a:cs typeface="Consolas" panose="020B0609020204030204" pitchFamily="49" charset="0"/>
+              </a:rPr>
+              <a:t>1.735</a:t>
+            </a:r>
+            <a:endParaRPr lang="en-IE" dirty="0">
+              <a:solidFill>
+                <a:srgbClr val="FF0000"/>
+              </a:solidFill>
+              <a:latin typeface="Consolas" panose="020B0609020204030204" pitchFamily="49" charset="0"/>
+              <a:cs typeface="Consolas" panose="020B0609020204030204" pitchFamily="49" charset="0"/>
+            </a:endParaRPr>
+          </a:p>
+        </p:txBody>
+      </p:sp>
+      <p:sp>
+        <p:nvSpPr>
+          <p:cNvPr id="26" name="TextBox 25"/>
+          <p:cNvSpPr txBox="1"/>
+          <p:nvPr/>
+        </p:nvSpPr>
+        <p:spPr>
+          <a:xfrm>
+            <a:off x="1401059" y="1335187"/>
+            <a:ext cx="817853" cy="369332"/>
+          </a:xfrm>
+          <a:prstGeom prst="rect">
+            <a:avLst/>
+          </a:prstGeom>
+          <a:noFill/>
+        </p:spPr>
+        <p:txBody>
+          <a:bodyPr wrap="none" rtlCol="0">
+            <a:spAutoFit/>
+          </a:bodyPr>
+          <a:lstStyle/>
+          <a:p>
+            <a:r>
+              <a:rPr lang="en-US" dirty="0" smtClean="0">
+                <a:solidFill>
+                  <a:srgbClr val="FF0000"/>
+                </a:solidFill>
+                <a:latin typeface="Consolas" panose="020B0609020204030204" pitchFamily="49" charset="0"/>
+                <a:cs typeface="Consolas" panose="020B0609020204030204" pitchFamily="49" charset="0"/>
+              </a:rPr>
+              <a:t>1.735</a:t>
+            </a:r>
+            <a:endParaRPr lang="en-IE" dirty="0">
+              <a:solidFill>
+                <a:srgbClr val="FF0000"/>
+              </a:solidFill>
+              <a:latin typeface="Consolas" panose="020B0609020204030204" pitchFamily="49" charset="0"/>
+              <a:cs typeface="Consolas" panose="020B0609020204030204" pitchFamily="49" charset="0"/>
+            </a:endParaRPr>
+          </a:p>
+        </p:txBody>
+      </p:sp>
+      <p:sp>
+        <p:nvSpPr>
+          <p:cNvPr id="41" name="TextBox 40"/>
+          <p:cNvSpPr txBox="1"/>
+          <p:nvPr/>
+        </p:nvSpPr>
+        <p:spPr>
+          <a:xfrm>
+            <a:off x="4506902" y="874282"/>
+            <a:ext cx="817853" cy="369332"/>
+          </a:xfrm>
+          <a:prstGeom prst="rect">
+            <a:avLst/>
+          </a:prstGeom>
+          <a:noFill/>
+        </p:spPr>
+        <p:txBody>
+          <a:bodyPr wrap="none" rtlCol="0">
+            <a:spAutoFit/>
+          </a:bodyPr>
+          <a:lstStyle/>
+          <a:p>
+            <a:r>
+              <a:rPr lang="en-US" dirty="0" smtClean="0">
+                <a:solidFill>
+                  <a:srgbClr val="FF0000"/>
+                </a:solidFill>
+                <a:latin typeface="Consolas" panose="020B0609020204030204" pitchFamily="49" charset="0"/>
+                <a:cs typeface="Consolas" panose="020B0609020204030204" pitchFamily="49" charset="0"/>
+              </a:rPr>
+              <a:t>0.306</a:t>
+            </a:r>
+            <a:endParaRPr lang="en-IE" dirty="0">
+              <a:solidFill>
+                <a:srgbClr val="FF0000"/>
+              </a:solidFill>
+              <a:latin typeface="Consolas" panose="020B0609020204030204" pitchFamily="49" charset="0"/>
+              <a:cs typeface="Consolas" panose="020B0609020204030204" pitchFamily="49" charset="0"/>
+            </a:endParaRPr>
+          </a:p>
+        </p:txBody>
+      </p:sp>
+      <p:sp>
+        <p:nvSpPr>
+          <p:cNvPr id="42" name="TextBox 41"/>
+          <p:cNvSpPr txBox="1"/>
+          <p:nvPr/>
+        </p:nvSpPr>
+        <p:spPr>
+          <a:xfrm>
+            <a:off x="974933" y="2080998"/>
+            <a:ext cx="817853" cy="369332"/>
+          </a:xfrm>
+          <a:prstGeom prst="rect">
+            <a:avLst/>
+          </a:prstGeom>
+          <a:noFill/>
+        </p:spPr>
+        <p:txBody>
+          <a:bodyPr wrap="none" rtlCol="0">
+            <a:spAutoFit/>
+          </a:bodyPr>
+          <a:lstStyle/>
+          <a:p>
+            <a:r>
+              <a:rPr lang="en-US" dirty="0" smtClean="0">
+                <a:solidFill>
+                  <a:srgbClr val="FF0000"/>
+                </a:solidFill>
+                <a:latin typeface="Consolas" panose="020B0609020204030204" pitchFamily="49" charset="0"/>
+                <a:cs typeface="Consolas" panose="020B0609020204030204" pitchFamily="49" charset="0"/>
+              </a:rPr>
+              <a:t>1.737</a:t>
+            </a:r>
+            <a:endParaRPr lang="en-IE" dirty="0">
+              <a:solidFill>
+                <a:srgbClr val="FF0000"/>
+              </a:solidFill>
+              <a:latin typeface="Consolas" panose="020B0609020204030204" pitchFamily="49" charset="0"/>
+              <a:cs typeface="Consolas" panose="020B0609020204030204" pitchFamily="49" charset="0"/>
+            </a:endParaRPr>
+          </a:p>
+        </p:txBody>
+      </p:sp>
+      <p:sp>
+        <p:nvSpPr>
+          <p:cNvPr id="43" name="TextBox 42"/>
+          <p:cNvSpPr txBox="1"/>
+          <p:nvPr/>
+        </p:nvSpPr>
+        <p:spPr>
+          <a:xfrm>
+            <a:off x="1382150" y="2396096"/>
+            <a:ext cx="817853" cy="369332"/>
+          </a:xfrm>
+          <a:prstGeom prst="rect">
+            <a:avLst/>
+          </a:prstGeom>
+          <a:noFill/>
+        </p:spPr>
+        <p:txBody>
+          <a:bodyPr wrap="none" rtlCol="0">
+            <a:spAutoFit/>
+          </a:bodyPr>
+          <a:lstStyle/>
+          <a:p>
+            <a:r>
+              <a:rPr lang="en-US" dirty="0" smtClean="0">
+                <a:solidFill>
+                  <a:srgbClr val="FF0000"/>
+                </a:solidFill>
+                <a:latin typeface="Consolas" panose="020B0609020204030204" pitchFamily="49" charset="0"/>
+                <a:cs typeface="Consolas" panose="020B0609020204030204" pitchFamily="49" charset="0"/>
+              </a:rPr>
+              <a:t>1.735</a:t>
+            </a:r>
+            <a:endParaRPr lang="en-IE" dirty="0">
+              <a:solidFill>
+                <a:srgbClr val="FF0000"/>
+              </a:solidFill>
+              <a:latin typeface="Consolas" panose="020B0609020204030204" pitchFamily="49" charset="0"/>
+              <a:cs typeface="Consolas" panose="020B0609020204030204" pitchFamily="49" charset="0"/>
+            </a:endParaRPr>
+          </a:p>
+        </p:txBody>
+      </p:sp>
+      <p:sp>
+        <p:nvSpPr>
+          <p:cNvPr id="44" name="TextBox 43"/>
+          <p:cNvSpPr txBox="1"/>
+          <p:nvPr/>
+        </p:nvSpPr>
+        <p:spPr>
+          <a:xfrm>
+            <a:off x="1401059" y="2823218"/>
+            <a:ext cx="817853" cy="369332"/>
+          </a:xfrm>
+          <a:prstGeom prst="rect">
+            <a:avLst/>
+          </a:prstGeom>
+          <a:noFill/>
+        </p:spPr>
+        <p:txBody>
+          <a:bodyPr wrap="none" rtlCol="0">
+            <a:spAutoFit/>
+          </a:bodyPr>
+          <a:lstStyle/>
+          <a:p>
+            <a:r>
+              <a:rPr lang="en-US" dirty="0" smtClean="0">
+                <a:solidFill>
+                  <a:srgbClr val="FF0000"/>
+                </a:solidFill>
+                <a:latin typeface="Consolas" panose="020B0609020204030204" pitchFamily="49" charset="0"/>
+                <a:cs typeface="Consolas" panose="020B0609020204030204" pitchFamily="49" charset="0"/>
+              </a:rPr>
+              <a:t>1.735</a:t>
+            </a:r>
+            <a:endParaRPr lang="en-IE" dirty="0">
+              <a:solidFill>
+                <a:srgbClr val="FF0000"/>
+              </a:solidFill>
+              <a:latin typeface="Consolas" panose="020B0609020204030204" pitchFamily="49" charset="0"/>
+              <a:cs typeface="Consolas" panose="020B0609020204030204" pitchFamily="49" charset="0"/>
+            </a:endParaRPr>
+          </a:p>
+        </p:txBody>
+      </p:sp>
+    </p:spTree>
+    <p:extLst>
+      <p:ext uri="{BB962C8B-B14F-4D97-AF65-F5344CB8AC3E}">
+        <p14:creationId xmlns:p14="http://schemas.microsoft.com/office/powerpoint/2010/main" val="1174081839"/>
       </p:ext>
     </p:extLst>
   </p:cSld>
